--- a/Notebooks/patients/MED1911/MED1911.mtb_slides.pptx
+++ b/Notebooks/patients/MED1911/MED1911.mtb_slides.pptx
@@ -3232,7 +3232,7 @@
                         <a:defRPr sz="1300" b="1"/>
                       </a:pPr>
                       <a:r>
-                        <a:t>0.513</a:t>
+                        <a:t>0.517</a:t>
                       </a:r>
                     </a:p>
                   </a:txBody>
@@ -3247,7 +3247,7 @@
                         <a:defRPr sz="1300" b="1"/>
                       </a:pPr>
                       <a:r>
-                        <a:t>0.67</a:t>
+                        <a:t>0.668</a:t>
                       </a:r>
                     </a:p>
                   </a:txBody>
@@ -3262,7 +3262,7 @@
                         <a:defRPr sz="1300" b="1"/>
                       </a:pPr>
                       <a:r>
-                        <a:t>0.59</a:t>
+                        <a:t>0.594</a:t>
                       </a:r>
                     </a:p>
                   </a:txBody>
@@ -3294,7 +3294,7 @@
                         <a:defRPr sz="1300"/>
                       </a:pPr>
                       <a:r>
-                        <a:t>0.186</a:t>
+                        <a:t>0.189</a:t>
                       </a:r>
                     </a:p>
                   </a:txBody>
@@ -3309,7 +3309,7 @@
                         <a:defRPr sz="1300"/>
                       </a:pPr>
                       <a:r>
-                        <a:t>0.152</a:t>
+                        <a:t>0.15</a:t>
                       </a:r>
                     </a:p>
                   </a:txBody>
@@ -3324,7 +3324,7 @@
                         <a:defRPr sz="1300"/>
                       </a:pPr>
                       <a:r>
-                        <a:t>0.26</a:t>
+                        <a:t>0.261</a:t>
                       </a:r>
                     </a:p>
                   </a:txBody>
@@ -3356,7 +3356,7 @@
                         <a:defRPr sz="1300"/>
                       </a:pPr>
                       <a:r>
-                        <a:t>0.18</a:t>
+                        <a:t>0.168</a:t>
                       </a:r>
                     </a:p>
                   </a:txBody>
@@ -3371,7 +3371,7 @@
                         <a:defRPr sz="1300"/>
                       </a:pPr>
                       <a:r>
-                        <a:t>0.117</a:t>
+                        <a:t>0.119</a:t>
                       </a:r>
                     </a:p>
                   </a:txBody>
@@ -3386,7 +3386,7 @@
                         <a:defRPr sz="1300"/>
                       </a:pPr>
                       <a:r>
-                        <a:t>0.089</a:t>
+                        <a:t>0.085</a:t>
                       </a:r>
                     </a:p>
                   </a:txBody>
@@ -3418,7 +3418,7 @@
                         <a:defRPr sz="1300"/>
                       </a:pPr>
                       <a:r>
-                        <a:t>0.121</a:t>
+                        <a:t>0.126</a:t>
                       </a:r>
                     </a:p>
                   </a:txBody>
@@ -3433,22 +3433,22 @@
                         <a:defRPr sz="1300"/>
                       </a:pPr>
                       <a:r>
+                        <a:t>0.063</a:t>
+                      </a:r>
+                    </a:p>
+                  </a:txBody>
+                  <a:tcPr/>
+                </a:tc>
+                <a:tc>
+                  <a:txBody>
+                    <a:bodyPr/>
+                    <a:lstStyle/>
+                    <a:p>
+                      <a:pPr>
+                        <a:defRPr sz="1300"/>
+                      </a:pPr>
+                      <a:r>
                         <a:t>0.061</a:t>
-                      </a:r>
-                    </a:p>
-                  </a:txBody>
-                  <a:tcPr/>
-                </a:tc>
-                <a:tc>
-                  <a:txBody>
-                    <a:bodyPr/>
-                    <a:lstStyle/>
-                    <a:p>
-                      <a:pPr>
-                        <a:defRPr sz="1300"/>
-                      </a:pPr>
-                      <a:r>
-                        <a:t>0.062</a:t>
                       </a:r>
                     </a:p>
                   </a:txBody>
@@ -3538,7 +3538,7 @@
                         <a:defRPr sz="1300" b="1"/>
                       </a:pPr>
                       <a:r>
-                        <a:t>0.375</a:t>
+                        <a:t>0.371</a:t>
                       </a:r>
                     </a:p>
                   </a:txBody>
@@ -3570,7 +3570,7 @@
                         <a:defRPr sz="1300"/>
                       </a:pPr>
                       <a:r>
-                        <a:t>0.295</a:t>
+                        <a:t>0.296</a:t>
                       </a:r>
                     </a:p>
                   </a:txBody>
@@ -3602,7 +3602,7 @@
                         <a:defRPr sz="1300"/>
                       </a:pPr>
                       <a:r>
-                        <a:t>0.117</a:t>
+                        <a:t>0.119</a:t>
                       </a:r>
                     </a:p>
                   </a:txBody>
@@ -3634,7 +3634,7 @@
                         <a:defRPr sz="1300"/>
                       </a:pPr>
                       <a:r>
-                        <a:t>0.09</a:t>
+                        <a:t>0.091</a:t>
                       </a:r>
                     </a:p>
                   </a:txBody>
@@ -3651,7 +3651,7 @@
                         <a:defRPr sz="1300"/>
                       </a:pPr>
                       <a:r>
-                        <a:t>c2 (G4 - neuronal)</a:t>
+                        <a:t>c6 (WNT)</a:t>
                       </a:r>
                     </a:p>
                   </a:txBody>
@@ -3683,7 +3683,7 @@
                         <a:defRPr sz="1300"/>
                       </a:pPr>
                       <a:r>
-                        <a:t>c6 (WNT)</a:t>
+                        <a:t>c2 (G4 - neuronal)</a:t>
                       </a:r>
                     </a:p>
                   </a:txBody>
@@ -3698,7 +3698,7 @@
                         <a:defRPr sz="1300"/>
                       </a:pPr>
                       <a:r>
-                        <a:t>0.061</a:t>
+                        <a:t>0.059</a:t>
                       </a:r>
                     </a:p>
                   </a:txBody>
@@ -3788,7 +3788,7 @@
                         <a:defRPr sz="1300" b="1"/>
                       </a:pPr>
                       <a:r>
-                        <a:t>0.204</a:t>
+                        <a:t>0.201</a:t>
                       </a:r>
                     </a:p>
                   </a:txBody>
@@ -3820,7 +3820,7 @@
                         <a:defRPr sz="1300"/>
                       </a:pPr>
                       <a:r>
-                        <a:t>0.19</a:t>
+                        <a:t>0.198</a:t>
                       </a:r>
                     </a:p>
                   </a:txBody>
@@ -3852,7 +3852,7 @@
                         <a:defRPr sz="1300"/>
                       </a:pPr>
                       <a:r>
-                        <a:t>0.119</a:t>
+                        <a:t>0.118</a:t>
                       </a:r>
                     </a:p>
                   </a:txBody>
@@ -3884,7 +3884,7 @@
                         <a:defRPr sz="1300"/>
                       </a:pPr>
                       <a:r>
-                        <a:t>0.093</a:t>
+                        <a:t>0.095</a:t>
                       </a:r>
                     </a:p>
                   </a:txBody>
@@ -3916,7 +3916,7 @@
                         <a:defRPr sz="1300"/>
                       </a:pPr>
                       <a:r>
-                        <a:t>0.086</a:t>
+                        <a:t>0.078</a:t>
                       </a:r>
                     </a:p>
                   </a:txBody>
@@ -3948,7 +3948,7 @@
                         <a:defRPr sz="1300"/>
                       </a:pPr>
                       <a:r>
-                        <a:t>0.064</a:t>
+                        <a:t>0.066</a:t>
                       </a:r>
                     </a:p>
                   </a:txBody>
@@ -3965,7 +3965,7 @@
                         <a:defRPr sz="1300"/>
                       </a:pPr>
                       <a:r>
-                        <a:t>G4_gamma</a:t>
+                        <a:t>WNT_beta</a:t>
                       </a:r>
                     </a:p>
                   </a:txBody>
@@ -3980,7 +3980,7 @@
                         <a:defRPr sz="1300"/>
                       </a:pPr>
                       <a:r>
-                        <a:t>0.058</a:t>
+                        <a:t>0.06</a:t>
                       </a:r>
                     </a:p>
                   </a:txBody>
@@ -3997,7 +3997,7 @@
                         <a:defRPr sz="1300"/>
                       </a:pPr>
                       <a:r>
-                        <a:t>WNT_beta</a:t>
+                        <a:t>G4_gamma</a:t>
                       </a:r>
                     </a:p>
                   </a:txBody>
@@ -4012,7 +4012,7 @@
                         <a:defRPr sz="1300"/>
                       </a:pPr>
                       <a:r>
-                        <a:t>0.056</a:t>
+                        <a:t>0.059</a:t>
                       </a:r>
                     </a:p>
                   </a:txBody>
@@ -4044,7 +4044,7 @@
                         <a:defRPr sz="1300"/>
                       </a:pPr>
                       <a:r>
-                        <a:t>0.04</a:t>
+                        <a:t>0.039</a:t>
                       </a:r>
                     </a:p>
                   </a:txBody>
@@ -4061,7 +4061,7 @@
                         <a:defRPr sz="1300"/>
                       </a:pPr>
                       <a:r>
-                        <a:t>SHH_delta</a:t>
+                        <a:t>G4_beta</a:t>
                       </a:r>
                     </a:p>
                   </a:txBody>
@@ -4093,7 +4093,7 @@
                         <a:defRPr sz="1300"/>
                       </a:pPr>
                       <a:r>
-                        <a:t>G4_beta</a:t>
+                        <a:t>SHH_delta</a:t>
                       </a:r>
                     </a:p>
                   </a:txBody>
@@ -4108,7 +4108,7 @@
                         <a:defRPr sz="1300"/>
                       </a:pPr>
                       <a:r>
-                        <a:t>0.035</a:t>
+                        <a:t>0.03</a:t>
                       </a:r>
                     </a:p>
                   </a:txBody>
@@ -4140,7 +4140,7 @@
                         <a:defRPr sz="1300"/>
                       </a:pPr>
                       <a:r>
-                        <a:t>0.018</a:t>
+                        <a:t>0.021</a:t>
                       </a:r>
                     </a:p>
                   </a:txBody>

--- a/Notebooks/patients/MED1911/MED1911.mtb_slides.pptx
+++ b/Notebooks/patients/MED1911/MED1911.mtb_slides.pptx
@@ -7,6 +7,9 @@
   <p:sldIdLst>
     <p:sldId id="256" r:id="rId7"/>
     <p:sldId id="257" r:id="rId8"/>
+    <p:sldId id="258" r:id="rId9"/>
+    <p:sldId id="259" r:id="rId10"/>
+    <p:sldId id="260" r:id="rId11"/>
   </p:sldIdLst>
   <p:sldSz cx="9144000" cy="6858000" type="screen4x3"/>
   <p:notesSz cx="6858000" cy="9144000"/>
@@ -5509,6 +5512,4441 @@
                       </a:pPr>
                       <a:r>
                         <a:t>Not Clinically Relevant</a:t>
+                      </a:r>
+                    </a:p>
+                  </a:txBody>
+                  <a:tcPr/>
+                </a:tc>
+              </a:tr>
+            </a:tbl>
+          </a:graphicData>
+        </a:graphic>
+      </p:graphicFrame>
+    </p:spTree>
+  </p:cSld>
+  <p:clrMapOvr>
+    <a:masterClrMapping/>
+  </p:clrMapOvr>
+</p:sld>
+</file>
+
+<file path=ppt/slides/slide3.xml><?xml version="1.0" encoding="utf-8"?>
+<p:sld xmlns:a="http://schemas.openxmlformats.org/drawingml/2006/main" xmlns:p="http://schemas.openxmlformats.org/presentationml/2006/main" xmlns:r="http://schemas.openxmlformats.org/officeDocument/2006/relationships">
+  <p:cSld>
+    <p:spTree>
+      <p:nvGrpSpPr>
+        <p:cNvPr id="1" name=""/>
+        <p:cNvGrpSpPr/>
+        <p:nvPr/>
+      </p:nvGrpSpPr>
+      <p:grpSpPr/>
+      <p:sp>
+        <p:nvSpPr>
+          <p:cNvPr id="2" name="TextBox 1"/>
+          <p:cNvSpPr txBox="1"/>
+          <p:nvPr/>
+        </p:nvSpPr>
+        <p:spPr>
+          <a:xfrm>
+            <a:off x="0" y="0"/>
+            <a:ext cx="9144000" cy="685800"/>
+          </a:xfrm>
+          <a:prstGeom prst="rect">
+            <a:avLst/>
+          </a:prstGeom>
+          <a:noFill/>
+        </p:spPr>
+        <p:txBody>
+          <a:bodyPr wrap="none">
+            <a:spAutoFit/>
+          </a:bodyPr>
+          <a:lstStyle/>
+          <a:p/>
+          <a:p>
+            <a:pPr>
+              <a:defRPr sz="2600"/>
+            </a:pPr>
+            <a:r>
+              <a:t>DiSCoVER: top drugs (cerebellar stem cell control)</a:t>
+            </a:r>
+          </a:p>
+        </p:txBody>
+      </p:sp>
+      <p:graphicFrame>
+        <p:nvGraphicFramePr>
+          <p:cNvPr id="3" name="Table 2"/>
+          <p:cNvGraphicFramePr>
+            <a:graphicFrameLocks noGrp="1"/>
+          </p:cNvGraphicFramePr>
+          <p:nvPr/>
+        </p:nvGraphicFramePr>
+        <p:xfrm>
+          <a:off x="411480" y="777240"/>
+          <a:ext cx="8275320" cy="4114800"/>
+        </p:xfrm>
+        <a:graphic>
+          <a:graphicData uri="http://schemas.openxmlformats.org/drawingml/2006/table">
+            <a:tbl>
+              <a:tblPr firstRow="1" bandRow="1">
+                <a:tableStyleId>{5C22544A-7EE6-4342-B048-85BDC9FD1C3A}</a:tableStyleId>
+              </a:tblPr>
+              <a:tblGrid>
+                <a:gridCol w="1005840"/>
+                <a:gridCol w="731520"/>
+                <a:gridCol w="1051560"/>
+                <a:gridCol w="5486400"/>
+              </a:tblGrid>
+              <a:tr h="195942">
+                <a:tc>
+                  <a:txBody>
+                    <a:bodyPr/>
+                    <a:lstStyle/>
+                    <a:p>
+                      <a:r>
+                        <a:t>Drug</a:t>
+                      </a:r>
+                    </a:p>
+                  </a:txBody>
+                  <a:tcPr/>
+                </a:tc>
+                <a:tc>
+                  <a:txBody>
+                    <a:bodyPr/>
+                    <a:lstStyle/>
+                    <a:p>
+                      <a:r>
+                        <a:t>Score</a:t>
+                      </a:r>
+                    </a:p>
+                  </a:txBody>
+                  <a:tcPr/>
+                </a:tc>
+                <a:tc>
+                  <a:txBody>
+                    <a:bodyPr/>
+                    <a:lstStyle/>
+                    <a:p>
+                      <a:r>
+                        <a:t>Evidence</a:t>
+                      </a:r>
+                    </a:p>
+                  </a:txBody>
+                  <a:tcPr/>
+                </a:tc>
+                <a:tc>
+                  <a:txBody>
+                    <a:bodyPr/>
+                    <a:lstStyle/>
+                    <a:p>
+                      <a:r>
+                        <a:t>Mechanism of action</a:t>
+                      </a:r>
+                    </a:p>
+                  </a:txBody>
+                  <a:tcPr/>
+                </a:tc>
+              </a:tr>
+              <a:tr h="195942">
+                <a:tc>
+                  <a:txBody>
+                    <a:bodyPr/>
+                    <a:lstStyle/>
+                    <a:p>
+                      <a:pPr>
+                        <a:defRPr sz="1050"/>
+                      </a:pPr>
+                      <a:r>
+                        <a:t>alectinib</a:t>
+                      </a:r>
+                    </a:p>
+                  </a:txBody>
+                  <a:tcPr/>
+                </a:tc>
+                <a:tc>
+                  <a:txBody>
+                    <a:bodyPr/>
+                    <a:lstStyle/>
+                    <a:p>
+                      <a:pPr>
+                        <a:defRPr sz="1050"/>
+                      </a:pPr>
+                      <a:r>
+                        <a:t>0.69</a:t>
+                      </a:r>
+                    </a:p>
+                  </a:txBody>
+                  <a:tcPr/>
+                </a:tc>
+                <a:tc>
+                  <a:txBody>
+                    <a:bodyPr/>
+                    <a:lstStyle/>
+                    <a:p>
+                      <a:pPr>
+                        <a:defRPr sz="1050"/>
+                      </a:pPr>
+                      <a:r>
+                        <a:t>+..</a:t>
+                      </a:r>
+                    </a:p>
+                  </a:txBody>
+                  <a:tcPr/>
+                </a:tc>
+                <a:tc>
+                  <a:txBody>
+                    <a:bodyPr/>
+                    <a:lstStyle/>
+                    <a:p>
+                      <a:pPr>
+                        <a:defRPr sz="1050"/>
+                      </a:pPr>
+                      <a:r>
+                        <a:t>ALK inhibitor, used to treat non-small-cell lung cancer (NSCLC)</a:t>
+                      </a:r>
+                    </a:p>
+                  </a:txBody>
+                  <a:tcPr/>
+                </a:tc>
+              </a:tr>
+              <a:tr h="195942">
+                <a:tc>
+                  <a:txBody>
+                    <a:bodyPr/>
+                    <a:lstStyle/>
+                    <a:p>
+                      <a:pPr>
+                        <a:defRPr sz="1050"/>
+                      </a:pPr>
+                      <a:r>
+                        <a:t>gsk1070916</a:t>
+                      </a:r>
+                    </a:p>
+                  </a:txBody>
+                  <a:tcPr/>
+                </a:tc>
+                <a:tc>
+                  <a:txBody>
+                    <a:bodyPr/>
+                    <a:lstStyle/>
+                    <a:p>
+                      <a:pPr>
+                        <a:defRPr sz="1050"/>
+                      </a:pPr>
+                      <a:r>
+                        <a:t>0.65</a:t>
+                      </a:r>
+                    </a:p>
+                  </a:txBody>
+                  <a:tcPr/>
+                </a:tc>
+                <a:tc>
+                  <a:txBody>
+                    <a:bodyPr/>
+                    <a:lstStyle/>
+                    <a:p>
+                      <a:pPr>
+                        <a:defRPr sz="1050"/>
+                      </a:pPr>
+                      <a:r>
+                        <a:t>+..</a:t>
+                      </a:r>
+                    </a:p>
+                  </a:txBody>
+                  <a:tcPr/>
+                </a:tc>
+                <a:tc>
+                  <a:txBody>
+                    <a:bodyPr/>
+                    <a:lstStyle/>
+                    <a:p>
+                      <a:pPr>
+                        <a:defRPr sz="1050"/>
+                      </a:pPr>
+                      <a:r>
+                        <a:t>Not Clinically Relevant</a:t>
+                      </a:r>
+                    </a:p>
+                  </a:txBody>
+                  <a:tcPr/>
+                </a:tc>
+              </a:tr>
+              <a:tr h="195942">
+                <a:tc>
+                  <a:txBody>
+                    <a:bodyPr/>
+                    <a:lstStyle/>
+                    <a:p>
+                      <a:pPr>
+                        <a:defRPr sz="1050"/>
+                      </a:pPr>
+                      <a:r>
+                        <a:t>tl-2-105</a:t>
+                      </a:r>
+                    </a:p>
+                  </a:txBody>
+                  <a:tcPr/>
+                </a:tc>
+                <a:tc>
+                  <a:txBody>
+                    <a:bodyPr/>
+                    <a:lstStyle/>
+                    <a:p>
+                      <a:pPr>
+                        <a:defRPr sz="1050"/>
+                      </a:pPr>
+                      <a:r>
+                        <a:t>0.63</a:t>
+                      </a:r>
+                    </a:p>
+                  </a:txBody>
+                  <a:tcPr/>
+                </a:tc>
+                <a:tc>
+                  <a:txBody>
+                    <a:bodyPr/>
+                    <a:lstStyle/>
+                    <a:p>
+                      <a:pPr>
+                        <a:defRPr sz="1050"/>
+                      </a:pPr>
+                      <a:r>
+                        <a:t>+..</a:t>
+                      </a:r>
+                    </a:p>
+                  </a:txBody>
+                  <a:tcPr/>
+                </a:tc>
+                <a:tc>
+                  <a:txBody>
+                    <a:bodyPr/>
+                    <a:lstStyle/>
+                    <a:p>
+                      <a:pPr>
+                        <a:defRPr sz="1050"/>
+                      </a:pPr>
+                      <a:r>
+                        <a:t>Not Clinically Relevant</a:t>
+                      </a:r>
+                    </a:p>
+                  </a:txBody>
+                  <a:tcPr/>
+                </a:tc>
+              </a:tr>
+              <a:tr h="195942">
+                <a:tc>
+                  <a:txBody>
+                    <a:bodyPr/>
+                    <a:lstStyle/>
+                    <a:p>
+                      <a:pPr>
+                        <a:defRPr sz="1050"/>
+                      </a:pPr>
+                      <a:r>
+                        <a:t>sb52334</a:t>
+                      </a:r>
+                    </a:p>
+                  </a:txBody>
+                  <a:tcPr/>
+                </a:tc>
+                <a:tc>
+                  <a:txBody>
+                    <a:bodyPr/>
+                    <a:lstStyle/>
+                    <a:p>
+                      <a:pPr>
+                        <a:defRPr sz="1050"/>
+                      </a:pPr>
+                      <a:r>
+                        <a:t>0.62</a:t>
+                      </a:r>
+                    </a:p>
+                  </a:txBody>
+                  <a:tcPr/>
+                </a:tc>
+                <a:tc>
+                  <a:txBody>
+                    <a:bodyPr/>
+                    <a:lstStyle/>
+                    <a:p>
+                      <a:pPr>
+                        <a:defRPr sz="1050"/>
+                      </a:pPr>
+                      <a:r>
+                        <a:t>+..</a:t>
+                      </a:r>
+                    </a:p>
+                  </a:txBody>
+                  <a:tcPr/>
+                </a:tc>
+                <a:tc>
+                  <a:txBody>
+                    <a:bodyPr/>
+                    <a:lstStyle/>
+                    <a:p>
+                      <a:pPr>
+                        <a:defRPr sz="1050"/>
+                      </a:pPr>
+                      <a:r>
+                        <a:t>Not Clinically Relevant</a:t>
+                      </a:r>
+                    </a:p>
+                  </a:txBody>
+                  <a:tcPr/>
+                </a:tc>
+              </a:tr>
+              <a:tr h="195942">
+                <a:tc>
+                  <a:txBody>
+                    <a:bodyPr/>
+                    <a:lstStyle/>
+                    <a:p>
+                      <a:pPr>
+                        <a:defRPr sz="1050"/>
+                      </a:pPr>
+                      <a:r>
+                        <a:t>ql-xii-61</a:t>
+                      </a:r>
+                    </a:p>
+                  </a:txBody>
+                  <a:tcPr/>
+                </a:tc>
+                <a:tc>
+                  <a:txBody>
+                    <a:bodyPr/>
+                    <a:lstStyle/>
+                    <a:p>
+                      <a:pPr>
+                        <a:defRPr sz="1050"/>
+                      </a:pPr>
+                      <a:r>
+                        <a:t>0.62</a:t>
+                      </a:r>
+                    </a:p>
+                  </a:txBody>
+                  <a:tcPr/>
+                </a:tc>
+                <a:tc>
+                  <a:txBody>
+                    <a:bodyPr/>
+                    <a:lstStyle/>
+                    <a:p>
+                      <a:pPr>
+                        <a:defRPr sz="1050"/>
+                      </a:pPr>
+                      <a:r>
+                        <a:t>+..</a:t>
+                      </a:r>
+                    </a:p>
+                  </a:txBody>
+                  <a:tcPr/>
+                </a:tc>
+                <a:tc>
+                  <a:txBody>
+                    <a:bodyPr/>
+                    <a:lstStyle/>
+                    <a:p>
+                      <a:pPr>
+                        <a:defRPr sz="1050"/>
+                      </a:pPr>
+                      <a:r>
+                        <a:t>Not Clinically Relevant</a:t>
+                      </a:r>
+                    </a:p>
+                  </a:txBody>
+                  <a:tcPr/>
+                </a:tc>
+              </a:tr>
+              <a:tr h="195942">
+                <a:tc>
+                  <a:txBody>
+                    <a:bodyPr/>
+                    <a:lstStyle/>
+                    <a:p>
+                      <a:pPr>
+                        <a:defRPr sz="1050"/>
+                      </a:pPr>
+                      <a:r>
+                        <a:t>gsk429286a</a:t>
+                      </a:r>
+                    </a:p>
+                  </a:txBody>
+                  <a:tcPr/>
+                </a:tc>
+                <a:tc>
+                  <a:txBody>
+                    <a:bodyPr/>
+                    <a:lstStyle/>
+                    <a:p>
+                      <a:pPr>
+                        <a:defRPr sz="1050"/>
+                      </a:pPr>
+                      <a:r>
+                        <a:t>0.6</a:t>
+                      </a:r>
+                    </a:p>
+                  </a:txBody>
+                  <a:tcPr/>
+                </a:tc>
+                <a:tc>
+                  <a:txBody>
+                    <a:bodyPr/>
+                    <a:lstStyle/>
+                    <a:p>
+                      <a:pPr>
+                        <a:defRPr sz="1050"/>
+                      </a:pPr>
+                      <a:r>
+                        <a:t>+..</a:t>
+                      </a:r>
+                    </a:p>
+                  </a:txBody>
+                  <a:tcPr/>
+                </a:tc>
+                <a:tc>
+                  <a:txBody>
+                    <a:bodyPr/>
+                    <a:lstStyle/>
+                    <a:p>
+                      <a:pPr>
+                        <a:defRPr sz="1050"/>
+                      </a:pPr>
+                      <a:r>
+                        <a:t>Not Clinically Relevant</a:t>
+                      </a:r>
+                    </a:p>
+                  </a:txBody>
+                  <a:tcPr/>
+                </a:tc>
+              </a:tr>
+              <a:tr h="195942">
+                <a:tc>
+                  <a:txBody>
+                    <a:bodyPr/>
+                    <a:lstStyle/>
+                    <a:p>
+                      <a:pPr>
+                        <a:defRPr sz="1050"/>
+                      </a:pPr>
+                      <a:r>
+                        <a:t>vx-702</a:t>
+                      </a:r>
+                    </a:p>
+                  </a:txBody>
+                  <a:tcPr/>
+                </a:tc>
+                <a:tc>
+                  <a:txBody>
+                    <a:bodyPr/>
+                    <a:lstStyle/>
+                    <a:p>
+                      <a:pPr>
+                        <a:defRPr sz="1050"/>
+                      </a:pPr>
+                      <a:r>
+                        <a:t>0.57</a:t>
+                      </a:r>
+                    </a:p>
+                  </a:txBody>
+                  <a:tcPr/>
+                </a:tc>
+                <a:tc>
+                  <a:txBody>
+                    <a:bodyPr/>
+                    <a:lstStyle/>
+                    <a:p>
+                      <a:pPr>
+                        <a:defRPr sz="1050"/>
+                      </a:pPr>
+                      <a:r>
+                        <a:t>+..</a:t>
+                      </a:r>
+                    </a:p>
+                  </a:txBody>
+                  <a:tcPr/>
+                </a:tc>
+                <a:tc>
+                  <a:txBody>
+                    <a:bodyPr/>
+                    <a:lstStyle/>
+                    <a:p>
+                      <a:pPr>
+                        <a:defRPr sz="1050"/>
+                      </a:pPr>
+                      <a:r>
+                        <a:t>Not Clinically Relevant</a:t>
+                      </a:r>
+                    </a:p>
+                  </a:txBody>
+                  <a:tcPr/>
+                </a:tc>
+              </a:tr>
+              <a:tr h="195942">
+                <a:tc>
+                  <a:txBody>
+                    <a:bodyPr/>
+                    <a:lstStyle/>
+                    <a:p>
+                      <a:pPr>
+                        <a:defRPr sz="1050"/>
+                      </a:pPr>
+                      <a:r>
+                        <a:t>linsitinib</a:t>
+                      </a:r>
+                    </a:p>
+                  </a:txBody>
+                  <a:tcPr/>
+                </a:tc>
+                <a:tc>
+                  <a:txBody>
+                    <a:bodyPr/>
+                    <a:lstStyle/>
+                    <a:p>
+                      <a:pPr>
+                        <a:defRPr sz="1050"/>
+                      </a:pPr>
+                      <a:r>
+                        <a:t>0.56</a:t>
+                      </a:r>
+                    </a:p>
+                  </a:txBody>
+                  <a:tcPr/>
+                </a:tc>
+                <a:tc>
+                  <a:txBody>
+                    <a:bodyPr/>
+                    <a:lstStyle/>
+                    <a:p>
+                      <a:pPr>
+                        <a:defRPr sz="1050"/>
+                      </a:pPr>
+                      <a:r>
+                        <a:t>++.</a:t>
+                      </a:r>
+                    </a:p>
+                  </a:txBody>
+                  <a:tcPr/>
+                </a:tc>
+                <a:tc>
+                  <a:txBody>
+                    <a:bodyPr/>
+                    <a:lstStyle/>
+                    <a:p>
+                      <a:pPr>
+                        <a:defRPr sz="1050"/>
+                      </a:pPr>
+                      <a:r>
+                        <a:t>IGF-1R inhibitor</a:t>
+                      </a:r>
+                    </a:p>
+                  </a:txBody>
+                  <a:tcPr/>
+                </a:tc>
+              </a:tr>
+              <a:tr h="195942">
+                <a:tc>
+                  <a:txBody>
+                    <a:bodyPr/>
+                    <a:lstStyle/>
+                    <a:p>
+                      <a:pPr>
+                        <a:defRPr sz="1050"/>
+                      </a:pPr>
+                      <a:r>
+                        <a:t>tubastatin a</a:t>
+                      </a:r>
+                    </a:p>
+                  </a:txBody>
+                  <a:tcPr/>
+                </a:tc>
+                <a:tc>
+                  <a:txBody>
+                    <a:bodyPr/>
+                    <a:lstStyle/>
+                    <a:p>
+                      <a:pPr>
+                        <a:defRPr sz="1050"/>
+                      </a:pPr>
+                      <a:r>
+                        <a:t>0.55</a:t>
+                      </a:r>
+                    </a:p>
+                  </a:txBody>
+                  <a:tcPr/>
+                </a:tc>
+                <a:tc>
+                  <a:txBody>
+                    <a:bodyPr/>
+                    <a:lstStyle/>
+                    <a:p>
+                      <a:pPr>
+                        <a:defRPr sz="1050"/>
+                      </a:pPr>
+                      <a:r>
+                        <a:t>++.</a:t>
+                      </a:r>
+                    </a:p>
+                  </a:txBody>
+                  <a:tcPr/>
+                </a:tc>
+                <a:tc>
+                  <a:txBody>
+                    <a:bodyPr/>
+                    <a:lstStyle/>
+                    <a:p>
+                      <a:pPr>
+                        <a:defRPr sz="1050"/>
+                      </a:pPr>
+                      <a:r>
+                        <a:t>Not Clinically Relevant</a:t>
+                      </a:r>
+                    </a:p>
+                  </a:txBody>
+                  <a:tcPr/>
+                </a:tc>
+              </a:tr>
+              <a:tr h="195942">
+                <a:tc>
+                  <a:txBody>
+                    <a:bodyPr/>
+                    <a:lstStyle/>
+                    <a:p>
+                      <a:pPr>
+                        <a:defRPr sz="1050"/>
+                      </a:pPr>
+                      <a:r>
+                        <a:t>bx-912</a:t>
+                      </a:r>
+                    </a:p>
+                  </a:txBody>
+                  <a:tcPr/>
+                </a:tc>
+                <a:tc>
+                  <a:txBody>
+                    <a:bodyPr/>
+                    <a:lstStyle/>
+                    <a:p>
+                      <a:pPr>
+                        <a:defRPr sz="1050"/>
+                      </a:pPr>
+                      <a:r>
+                        <a:t>0.54</a:t>
+                      </a:r>
+                    </a:p>
+                  </a:txBody>
+                  <a:tcPr/>
+                </a:tc>
+                <a:tc>
+                  <a:txBody>
+                    <a:bodyPr/>
+                    <a:lstStyle/>
+                    <a:p>
+                      <a:pPr>
+                        <a:defRPr sz="1050"/>
+                      </a:pPr>
+                      <a:r>
+                        <a:t>+..</a:t>
+                      </a:r>
+                    </a:p>
+                  </a:txBody>
+                  <a:tcPr/>
+                </a:tc>
+                <a:tc>
+                  <a:txBody>
+                    <a:bodyPr/>
+                    <a:lstStyle/>
+                    <a:p>
+                      <a:pPr>
+                        <a:defRPr sz="1050"/>
+                      </a:pPr>
+                      <a:r>
+                        <a:t>Not Clinically Relevant</a:t>
+                      </a:r>
+                    </a:p>
+                  </a:txBody>
+                  <a:tcPr/>
+                </a:tc>
+              </a:tr>
+              <a:tr h="195942">
+                <a:tc>
+                  <a:txBody>
+                    <a:bodyPr/>
+                    <a:lstStyle/>
+                    <a:p>
+                      <a:pPr>
+                        <a:defRPr sz="1050"/>
+                      </a:pPr>
+                      <a:r>
+                        <a:t>navitoclax</a:t>
+                      </a:r>
+                    </a:p>
+                  </a:txBody>
+                  <a:tcPr/>
+                </a:tc>
+                <a:tc>
+                  <a:txBody>
+                    <a:bodyPr/>
+                    <a:lstStyle/>
+                    <a:p>
+                      <a:pPr>
+                        <a:defRPr sz="1050"/>
+                      </a:pPr>
+                      <a:r>
+                        <a:t>0.52</a:t>
+                      </a:r>
+                    </a:p>
+                  </a:txBody>
+                  <a:tcPr/>
+                </a:tc>
+                <a:tc>
+                  <a:txBody>
+                    <a:bodyPr/>
+                    <a:lstStyle/>
+                    <a:p>
+                      <a:pPr>
+                        <a:defRPr sz="1050"/>
+                      </a:pPr>
+                      <a:r>
+                        <a:t>++.</a:t>
+                      </a:r>
+                    </a:p>
+                  </a:txBody>
+                  <a:tcPr/>
+                </a:tc>
+                <a:tc>
+                  <a:txBody>
+                    <a:bodyPr/>
+                    <a:lstStyle/>
+                    <a:p>
+                      <a:pPr>
+                        <a:defRPr sz="1050"/>
+                      </a:pPr>
+                      <a:r>
+                        <a:t>Bcl-2 family inhibitor: esp Bcl-xL, Bcl-2 and Bcl-w</a:t>
+                      </a:r>
+                    </a:p>
+                  </a:txBody>
+                  <a:tcPr/>
+                </a:tc>
+              </a:tr>
+              <a:tr h="195942">
+                <a:tc>
+                  <a:txBody>
+                    <a:bodyPr/>
+                    <a:lstStyle/>
+                    <a:p>
+                      <a:pPr>
+                        <a:defRPr sz="1050"/>
+                      </a:pPr>
+                      <a:r>
+                        <a:t>gw-2580</a:t>
+                      </a:r>
+                    </a:p>
+                  </a:txBody>
+                  <a:tcPr/>
+                </a:tc>
+                <a:tc>
+                  <a:txBody>
+                    <a:bodyPr/>
+                    <a:lstStyle/>
+                    <a:p>
+                      <a:pPr>
+                        <a:defRPr sz="1050"/>
+                      </a:pPr>
+                      <a:r>
+                        <a:t>0.51</a:t>
+                      </a:r>
+                    </a:p>
+                  </a:txBody>
+                  <a:tcPr/>
+                </a:tc>
+                <a:tc>
+                  <a:txBody>
+                    <a:bodyPr/>
+                    <a:lstStyle/>
+                    <a:p>
+                      <a:pPr>
+                        <a:defRPr sz="1050"/>
+                      </a:pPr>
+                      <a:r>
+                        <a:t>+..</a:t>
+                      </a:r>
+                    </a:p>
+                  </a:txBody>
+                  <a:tcPr/>
+                </a:tc>
+                <a:tc>
+                  <a:txBody>
+                    <a:bodyPr/>
+                    <a:lstStyle/>
+                    <a:p>
+                      <a:pPr>
+                        <a:defRPr sz="1050"/>
+                      </a:pPr>
+                      <a:r>
+                        <a:t>Not Clinically Relevant</a:t>
+                      </a:r>
+                    </a:p>
+                  </a:txBody>
+                  <a:tcPr/>
+                </a:tc>
+              </a:tr>
+              <a:tr h="195942">
+                <a:tc>
+                  <a:txBody>
+                    <a:bodyPr/>
+                    <a:lstStyle/>
+                    <a:p>
+                      <a:pPr>
+                        <a:defRPr sz="1050"/>
+                      </a:pPr>
+                      <a:r>
+                        <a:t>rucaparib</a:t>
+                      </a:r>
+                    </a:p>
+                  </a:txBody>
+                  <a:tcPr/>
+                </a:tc>
+                <a:tc>
+                  <a:txBody>
+                    <a:bodyPr/>
+                    <a:lstStyle/>
+                    <a:p>
+                      <a:pPr>
+                        <a:defRPr sz="1050"/>
+                      </a:pPr>
+                      <a:r>
+                        <a:t>0.5</a:t>
+                      </a:r>
+                    </a:p>
+                  </a:txBody>
+                  <a:tcPr/>
+                </a:tc>
+                <a:tc>
+                  <a:txBody>
+                    <a:bodyPr/>
+                    <a:lstStyle/>
+                    <a:p>
+                      <a:pPr>
+                        <a:defRPr sz="1050"/>
+                      </a:pPr>
+                      <a:r>
+                        <a:t>+..</a:t>
+                      </a:r>
+                    </a:p>
+                  </a:txBody>
+                  <a:tcPr/>
+                </a:tc>
+                <a:tc>
+                  <a:txBody>
+                    <a:bodyPr/>
+                    <a:lstStyle/>
+                    <a:p>
+                      <a:pPr>
+                        <a:defRPr sz="1050"/>
+                      </a:pPr>
+                      <a:r>
+                        <a:t>PARP inhibitor, inhibits DNA repair</a:t>
+                      </a:r>
+                    </a:p>
+                  </a:txBody>
+                  <a:tcPr/>
+                </a:tc>
+              </a:tr>
+              <a:tr h="195942">
+                <a:tc>
+                  <a:txBody>
+                    <a:bodyPr/>
+                    <a:lstStyle/>
+                    <a:p>
+                      <a:pPr>
+                        <a:defRPr sz="1050"/>
+                      </a:pPr>
+                      <a:r>
+                        <a:t>amuvatinib</a:t>
+                      </a:r>
+                    </a:p>
+                  </a:txBody>
+                  <a:tcPr/>
+                </a:tc>
+                <a:tc>
+                  <a:txBody>
+                    <a:bodyPr/>
+                    <a:lstStyle/>
+                    <a:p>
+                      <a:pPr>
+                        <a:defRPr sz="1050"/>
+                      </a:pPr>
+                      <a:r>
+                        <a:t>0.5</a:t>
+                      </a:r>
+                    </a:p>
+                  </a:txBody>
+                  <a:tcPr/>
+                </a:tc>
+                <a:tc>
+                  <a:txBody>
+                    <a:bodyPr/>
+                    <a:lstStyle/>
+                    <a:p>
+                      <a:pPr>
+                        <a:defRPr sz="1050"/>
+                      </a:pPr>
+                      <a:r>
+                        <a:t>+..</a:t>
+                      </a:r>
+                    </a:p>
+                  </a:txBody>
+                  <a:tcPr/>
+                </a:tc>
+                <a:tc>
+                  <a:txBody>
+                    <a:bodyPr/>
+                    <a:lstStyle/>
+                    <a:p>
+                      <a:pPr>
+                        <a:defRPr sz="1050"/>
+                      </a:pPr>
+                      <a:r>
+                        <a:t>Not Clinically Relevant</a:t>
+                      </a:r>
+                    </a:p>
+                  </a:txBody>
+                  <a:tcPr/>
+                </a:tc>
+              </a:tr>
+              <a:tr h="195942">
+                <a:tc>
+                  <a:txBody>
+                    <a:bodyPr/>
+                    <a:lstStyle/>
+                    <a:p>
+                      <a:pPr>
+                        <a:defRPr sz="1050"/>
+                      </a:pPr>
+                      <a:r>
+                        <a:t>xmd14-99</a:t>
+                      </a:r>
+                    </a:p>
+                  </a:txBody>
+                  <a:tcPr/>
+                </a:tc>
+                <a:tc>
+                  <a:txBody>
+                    <a:bodyPr/>
+                    <a:lstStyle/>
+                    <a:p>
+                      <a:pPr>
+                        <a:defRPr sz="1050"/>
+                      </a:pPr>
+                      <a:r>
+                        <a:t>0.5</a:t>
+                      </a:r>
+                    </a:p>
+                  </a:txBody>
+                  <a:tcPr/>
+                </a:tc>
+                <a:tc>
+                  <a:txBody>
+                    <a:bodyPr/>
+                    <a:lstStyle/>
+                    <a:p>
+                      <a:pPr>
+                        <a:defRPr sz="1050"/>
+                      </a:pPr>
+                      <a:r>
+                        <a:t>+..</a:t>
+                      </a:r>
+                    </a:p>
+                  </a:txBody>
+                  <a:tcPr/>
+                </a:tc>
+                <a:tc>
+                  <a:txBody>
+                    <a:bodyPr/>
+                    <a:lstStyle/>
+                    <a:p>
+                      <a:pPr>
+                        <a:defRPr sz="1050"/>
+                      </a:pPr>
+                      <a:r>
+                        <a:t>Not Clinically Relevant</a:t>
+                      </a:r>
+                    </a:p>
+                  </a:txBody>
+                  <a:tcPr/>
+                </a:tc>
+              </a:tr>
+              <a:tr h="195942">
+                <a:tc>
+                  <a:txBody>
+                    <a:bodyPr/>
+                    <a:lstStyle/>
+                    <a:p>
+                      <a:pPr>
+                        <a:defRPr sz="1050"/>
+                      </a:pPr>
+                      <a:r>
+                        <a:t>axitinib</a:t>
+                      </a:r>
+                    </a:p>
+                  </a:txBody>
+                  <a:tcPr/>
+                </a:tc>
+                <a:tc>
+                  <a:txBody>
+                    <a:bodyPr/>
+                    <a:lstStyle/>
+                    <a:p>
+                      <a:pPr>
+                        <a:defRPr sz="1050"/>
+                      </a:pPr>
+                      <a:r>
+                        <a:t>0.47</a:t>
+                      </a:r>
+                    </a:p>
+                  </a:txBody>
+                  <a:tcPr/>
+                </a:tc>
+                <a:tc>
+                  <a:txBody>
+                    <a:bodyPr/>
+                    <a:lstStyle/>
+                    <a:p>
+                      <a:pPr>
+                        <a:defRPr sz="1050"/>
+                      </a:pPr>
+                      <a:r>
+                        <a:t>++.</a:t>
+                      </a:r>
+                    </a:p>
+                  </a:txBody>
+                  <a:tcPr/>
+                </a:tc>
+                <a:tc>
+                  <a:txBody>
+                    <a:bodyPr/>
+                    <a:lstStyle/>
+                    <a:p>
+                      <a:pPr>
+                        <a:defRPr sz="1050"/>
+                      </a:pPr>
+                      <a:r>
+                        <a:t>VEGFR, c-KIT and PDGFR inhibitor</a:t>
+                      </a:r>
+                    </a:p>
+                  </a:txBody>
+                  <a:tcPr/>
+                </a:tc>
+              </a:tr>
+              <a:tr h="195942">
+                <a:tc>
+                  <a:txBody>
+                    <a:bodyPr/>
+                    <a:lstStyle/>
+                    <a:p>
+                      <a:pPr>
+                        <a:defRPr sz="1050"/>
+                      </a:pPr>
+                      <a:r>
+                        <a:t>gsk319347a</a:t>
+                      </a:r>
+                    </a:p>
+                  </a:txBody>
+                  <a:tcPr/>
+                </a:tc>
+                <a:tc>
+                  <a:txBody>
+                    <a:bodyPr/>
+                    <a:lstStyle/>
+                    <a:p>
+                      <a:pPr>
+                        <a:defRPr sz="1050"/>
+                      </a:pPr>
+                      <a:r>
+                        <a:t>0.47</a:t>
+                      </a:r>
+                    </a:p>
+                  </a:txBody>
+                  <a:tcPr/>
+                </a:tc>
+                <a:tc>
+                  <a:txBody>
+                    <a:bodyPr/>
+                    <a:lstStyle/>
+                    <a:p>
+                      <a:pPr>
+                        <a:defRPr sz="1050"/>
+                      </a:pPr>
+                      <a:r>
+                        <a:t>+..</a:t>
+                      </a:r>
+                    </a:p>
+                  </a:txBody>
+                  <a:tcPr/>
+                </a:tc>
+                <a:tc>
+                  <a:txBody>
+                    <a:bodyPr/>
+                    <a:lstStyle/>
+                    <a:p>
+                      <a:pPr>
+                        <a:defRPr sz="1050"/>
+                      </a:pPr>
+                      <a:r>
+                        <a:t>Not Clinically Relevant</a:t>
+                      </a:r>
+                    </a:p>
+                  </a:txBody>
+                  <a:tcPr/>
+                </a:tc>
+              </a:tr>
+              <a:tr h="195942">
+                <a:tc>
+                  <a:txBody>
+                    <a:bodyPr/>
+                    <a:lstStyle/>
+                    <a:p>
+                      <a:pPr>
+                        <a:defRPr sz="1050"/>
+                      </a:pPr>
+                      <a:r>
+                        <a:t>hg-5-88-01</a:t>
+                      </a:r>
+                    </a:p>
+                  </a:txBody>
+                  <a:tcPr/>
+                </a:tc>
+                <a:tc>
+                  <a:txBody>
+                    <a:bodyPr/>
+                    <a:lstStyle/>
+                    <a:p>
+                      <a:pPr>
+                        <a:defRPr sz="1050"/>
+                      </a:pPr>
+                      <a:r>
+                        <a:t>0.47</a:t>
+                      </a:r>
+                    </a:p>
+                  </a:txBody>
+                  <a:tcPr/>
+                </a:tc>
+                <a:tc>
+                  <a:txBody>
+                    <a:bodyPr/>
+                    <a:lstStyle/>
+                    <a:p>
+                      <a:pPr>
+                        <a:defRPr sz="1050"/>
+                      </a:pPr>
+                      <a:r>
+                        <a:t>+..</a:t>
+                      </a:r>
+                    </a:p>
+                  </a:txBody>
+                  <a:tcPr/>
+                </a:tc>
+                <a:tc>
+                  <a:txBody>
+                    <a:bodyPr/>
+                    <a:lstStyle/>
+                    <a:p>
+                      <a:pPr>
+                        <a:defRPr sz="1050"/>
+                      </a:pPr>
+                      <a:r>
+                        <a:t>Not Clinically Relevant</a:t>
+                      </a:r>
+                    </a:p>
+                  </a:txBody>
+                  <a:tcPr/>
+                </a:tc>
+              </a:tr>
+              <a:tr h="195942">
+                <a:tc>
+                  <a:txBody>
+                    <a:bodyPr/>
+                    <a:lstStyle/>
+                    <a:p>
+                      <a:pPr>
+                        <a:defRPr sz="1050"/>
+                      </a:pPr>
+                      <a:r>
+                        <a:t>xmd13-2</a:t>
+                      </a:r>
+                    </a:p>
+                  </a:txBody>
+                  <a:tcPr/>
+                </a:tc>
+                <a:tc>
+                  <a:txBody>
+                    <a:bodyPr/>
+                    <a:lstStyle/>
+                    <a:p>
+                      <a:pPr>
+                        <a:defRPr sz="1050"/>
+                      </a:pPr>
+                      <a:r>
+                        <a:t>0.46</a:t>
+                      </a:r>
+                    </a:p>
+                  </a:txBody>
+                  <a:tcPr/>
+                </a:tc>
+                <a:tc>
+                  <a:txBody>
+                    <a:bodyPr/>
+                    <a:lstStyle/>
+                    <a:p>
+                      <a:pPr>
+                        <a:defRPr sz="1050"/>
+                      </a:pPr>
+                      <a:r>
+                        <a:t>+..</a:t>
+                      </a:r>
+                    </a:p>
+                  </a:txBody>
+                  <a:tcPr/>
+                </a:tc>
+                <a:tc>
+                  <a:txBody>
+                    <a:bodyPr/>
+                    <a:lstStyle/>
+                    <a:p>
+                      <a:pPr>
+                        <a:defRPr sz="1050"/>
+                      </a:pPr>
+                      <a:r>
+                        <a:t>Not Clinically Relevant</a:t>
+                      </a:r>
+                    </a:p>
+                  </a:txBody>
+                  <a:tcPr/>
+                </a:tc>
+              </a:tr>
+              <a:tr h="195960">
+                <a:tc>
+                  <a:txBody>
+                    <a:bodyPr/>
+                    <a:lstStyle/>
+                    <a:p>
+                      <a:pPr>
+                        <a:defRPr sz="1050"/>
+                      </a:pPr>
+                      <a:r>
+                        <a:t>cil55</a:t>
+                      </a:r>
+                    </a:p>
+                  </a:txBody>
+                  <a:tcPr/>
+                </a:tc>
+                <a:tc>
+                  <a:txBody>
+                    <a:bodyPr/>
+                    <a:lstStyle/>
+                    <a:p>
+                      <a:pPr>
+                        <a:defRPr sz="1050"/>
+                      </a:pPr>
+                      <a:r>
+                        <a:t>0.45</a:t>
+                      </a:r>
+                    </a:p>
+                  </a:txBody>
+                  <a:tcPr/>
+                </a:tc>
+                <a:tc>
+                  <a:txBody>
+                    <a:bodyPr/>
+                    <a:lstStyle/>
+                    <a:p>
+                      <a:pPr>
+                        <a:defRPr sz="1050"/>
+                      </a:pPr>
+                      <a:r>
+                        <a:t>.+.</a:t>
+                      </a:r>
+                    </a:p>
+                  </a:txBody>
+                  <a:tcPr/>
+                </a:tc>
+                <a:tc>
+                  <a:txBody>
+                    <a:bodyPr/>
+                    <a:lstStyle/>
+                    <a:p>
+                      <a:pPr>
+                        <a:defRPr sz="1050"/>
+                      </a:pPr>
+                      <a:r>
+                        <a:t>Not Clinically Relevant</a:t>
+                      </a:r>
+                    </a:p>
+                  </a:txBody>
+                  <a:tcPr/>
+                </a:tc>
+              </a:tr>
+            </a:tbl>
+          </a:graphicData>
+        </a:graphic>
+      </p:graphicFrame>
+    </p:spTree>
+  </p:cSld>
+  <p:clrMapOvr>
+    <a:masterClrMapping/>
+  </p:clrMapOvr>
+</p:sld>
+</file>
+
+<file path=ppt/slides/slide4.xml><?xml version="1.0" encoding="utf-8"?>
+<p:sld xmlns:a="http://schemas.openxmlformats.org/drawingml/2006/main" xmlns:p="http://schemas.openxmlformats.org/presentationml/2006/main" xmlns:r="http://schemas.openxmlformats.org/officeDocument/2006/relationships">
+  <p:cSld>
+    <p:spTree>
+      <p:nvGrpSpPr>
+        <p:cNvPr id="1" name=""/>
+        <p:cNvGrpSpPr/>
+        <p:nvPr/>
+      </p:nvGrpSpPr>
+      <p:grpSpPr/>
+      <p:sp>
+        <p:nvSpPr>
+          <p:cNvPr id="2" name="TextBox 1"/>
+          <p:cNvSpPr txBox="1"/>
+          <p:nvPr/>
+        </p:nvSpPr>
+        <p:spPr>
+          <a:xfrm>
+            <a:off x="0" y="0"/>
+            <a:ext cx="9144000" cy="685800"/>
+          </a:xfrm>
+          <a:prstGeom prst="rect">
+            <a:avLst/>
+          </a:prstGeom>
+          <a:noFill/>
+        </p:spPr>
+        <p:txBody>
+          <a:bodyPr wrap="none">
+            <a:spAutoFit/>
+          </a:bodyPr>
+          <a:lstStyle/>
+          <a:p/>
+          <a:p>
+            <a:pPr>
+              <a:defRPr sz="2600"/>
+            </a:pPr>
+            <a:r>
+              <a:t>CMap: top drugs (cerebellar stem cell control)</a:t>
+            </a:r>
+          </a:p>
+        </p:txBody>
+      </p:sp>
+      <p:graphicFrame>
+        <p:nvGraphicFramePr>
+          <p:cNvPr id="3" name="Table 2"/>
+          <p:cNvGraphicFramePr>
+            <a:graphicFrameLocks noGrp="1"/>
+          </p:cNvGraphicFramePr>
+          <p:nvPr/>
+        </p:nvGraphicFramePr>
+        <p:xfrm>
+          <a:off x="411480" y="777240"/>
+          <a:ext cx="8138160" cy="4114800"/>
+        </p:xfrm>
+        <a:graphic>
+          <a:graphicData uri="http://schemas.openxmlformats.org/drawingml/2006/table">
+            <a:tbl>
+              <a:tblPr firstRow="1" bandRow="1">
+                <a:tableStyleId>{5C22544A-7EE6-4342-B048-85BDC9FD1C3A}</a:tableStyleId>
+              </a:tblPr>
+              <a:tblGrid>
+                <a:gridCol w="1005840"/>
+                <a:gridCol w="731520"/>
+                <a:gridCol w="6400800"/>
+              </a:tblGrid>
+              <a:tr h="195942">
+                <a:tc>
+                  <a:txBody>
+                    <a:bodyPr/>
+                    <a:lstStyle/>
+                    <a:p>
+                      <a:r>
+                        <a:t>Drug</a:t>
+                      </a:r>
+                    </a:p>
+                  </a:txBody>
+                  <a:tcPr/>
+                </a:tc>
+                <a:tc>
+                  <a:txBody>
+                    <a:bodyPr/>
+                    <a:lstStyle/>
+                    <a:p>
+                      <a:r>
+                        <a:t>Score</a:t>
+                      </a:r>
+                    </a:p>
+                  </a:txBody>
+                  <a:tcPr/>
+                </a:tc>
+                <a:tc>
+                  <a:txBody>
+                    <a:bodyPr/>
+                    <a:lstStyle/>
+                    <a:p>
+                      <a:r>
+                        <a:t>Mechanism of action</a:t>
+                      </a:r>
+                    </a:p>
+                  </a:txBody>
+                  <a:tcPr/>
+                </a:tc>
+              </a:tr>
+              <a:tr h="195942">
+                <a:tc>
+                  <a:txBody>
+                    <a:bodyPr/>
+                    <a:lstStyle/>
+                    <a:p>
+                      <a:pPr>
+                        <a:defRPr sz="1050"/>
+                      </a:pPr>
+                      <a:r>
+                        <a:t>lenalidomide</a:t>
+                      </a:r>
+                    </a:p>
+                  </a:txBody>
+                  <a:tcPr/>
+                </a:tc>
+                <a:tc>
+                  <a:txBody>
+                    <a:bodyPr/>
+                    <a:lstStyle/>
+                    <a:p>
+                      <a:pPr>
+                        <a:defRPr sz="1050"/>
+                      </a:pPr>
+                      <a:r>
+                        <a:t>0.99</a:t>
+                      </a:r>
+                    </a:p>
+                  </a:txBody>
+                  <a:tcPr/>
+                </a:tc>
+                <a:tc>
+                  <a:txBody>
+                    <a:bodyPr/>
+                    <a:lstStyle/>
+                    <a:p>
+                      <a:pPr>
+                        <a:defRPr sz="1050"/>
+                      </a:pPr>
+                      <a:r>
+                        <a:t>derivative of thalidomide, which interacts with the ubiquitin E3 ligase cereblon, targeting this enzyme to degrade the Ikaros transcription factors IKZF1 and IKZF3. Used for multiple myeloma</a:t>
+                      </a:r>
+                    </a:p>
+                  </a:txBody>
+                  <a:tcPr/>
+                </a:tc>
+              </a:tr>
+              <a:tr h="195942">
+                <a:tc>
+                  <a:txBody>
+                    <a:bodyPr/>
+                    <a:lstStyle/>
+                    <a:p>
+                      <a:pPr>
+                        <a:defRPr sz="1050"/>
+                      </a:pPr>
+                      <a:r>
+                        <a:t>lapatinib</a:t>
+                      </a:r>
+                    </a:p>
+                  </a:txBody>
+                  <a:tcPr/>
+                </a:tc>
+                <a:tc>
+                  <a:txBody>
+                    <a:bodyPr/>
+                    <a:lstStyle/>
+                    <a:p>
+                      <a:pPr>
+                        <a:defRPr sz="1050"/>
+                      </a:pPr>
+                      <a:r>
+                        <a:t>0.99</a:t>
+                      </a:r>
+                    </a:p>
+                  </a:txBody>
+                  <a:tcPr/>
+                </a:tc>
+                <a:tc>
+                  <a:txBody>
+                    <a:bodyPr/>
+                    <a:lstStyle/>
+                    <a:p>
+                      <a:pPr>
+                        <a:defRPr sz="1050"/>
+                      </a:pPr>
+                      <a:r>
+                        <a:t>HER2/EGFR inhibitor</a:t>
+                      </a:r>
+                    </a:p>
+                  </a:txBody>
+                  <a:tcPr/>
+                </a:tc>
+              </a:tr>
+              <a:tr h="195942">
+                <a:tc>
+                  <a:txBody>
+                    <a:bodyPr/>
+                    <a:lstStyle/>
+                    <a:p>
+                      <a:pPr>
+                        <a:defRPr sz="1050"/>
+                      </a:pPr>
+                      <a:r>
+                        <a:t>hydrocortisone</a:t>
+                      </a:r>
+                    </a:p>
+                  </a:txBody>
+                  <a:tcPr/>
+                </a:tc>
+                <a:tc>
+                  <a:txBody>
+                    <a:bodyPr/>
+                    <a:lstStyle/>
+                    <a:p>
+                      <a:pPr>
+                        <a:defRPr sz="1050"/>
+                      </a:pPr>
+                      <a:r>
+                        <a:t>0.98</a:t>
+                      </a:r>
+                    </a:p>
+                  </a:txBody>
+                  <a:tcPr/>
+                </a:tc>
+                <a:tc>
+                  <a:txBody>
+                    <a:bodyPr/>
+                    <a:lstStyle/>
+                    <a:p>
+                      <a:pPr>
+                        <a:defRPr sz="1050"/>
+                      </a:pPr>
+                      <a:r>
+                        <a:t>Anti-inflammatory</a:t>
+                      </a:r>
+                    </a:p>
+                  </a:txBody>
+                  <a:tcPr/>
+                </a:tc>
+              </a:tr>
+              <a:tr h="195942">
+                <a:tc>
+                  <a:txBody>
+                    <a:bodyPr/>
+                    <a:lstStyle/>
+                    <a:p>
+                      <a:pPr>
+                        <a:defRPr sz="1050"/>
+                      </a:pPr>
+                      <a:r>
+                        <a:t>barasertib</a:t>
+                      </a:r>
+                    </a:p>
+                  </a:txBody>
+                  <a:tcPr/>
+                </a:tc>
+                <a:tc>
+                  <a:txBody>
+                    <a:bodyPr/>
+                    <a:lstStyle/>
+                    <a:p>
+                      <a:pPr>
+                        <a:defRPr sz="1050"/>
+                      </a:pPr>
+                      <a:r>
+                        <a:t>0.98</a:t>
+                      </a:r>
+                    </a:p>
+                  </a:txBody>
+                  <a:tcPr/>
+                </a:tc>
+                <a:tc>
+                  <a:txBody>
+                    <a:bodyPr/>
+                    <a:lstStyle/>
+                    <a:p>
+                      <a:pPr>
+                        <a:defRPr sz="1050"/>
+                      </a:pPr>
+                      <a:r>
+                        <a:t>highly selective Aurora B kinase inhibitor</a:t>
+                      </a:r>
+                    </a:p>
+                  </a:txBody>
+                  <a:tcPr/>
+                </a:tc>
+              </a:tr>
+              <a:tr h="195942">
+                <a:tc>
+                  <a:txBody>
+                    <a:bodyPr/>
+                    <a:lstStyle/>
+                    <a:p>
+                      <a:pPr>
+                        <a:defRPr sz="1050"/>
+                      </a:pPr>
+                      <a:r>
+                        <a:t>alisertib</a:t>
+                      </a:r>
+                    </a:p>
+                  </a:txBody>
+                  <a:tcPr/>
+                </a:tc>
+                <a:tc>
+                  <a:txBody>
+                    <a:bodyPr/>
+                    <a:lstStyle/>
+                    <a:p>
+                      <a:pPr>
+                        <a:defRPr sz="1050"/>
+                      </a:pPr>
+                      <a:r>
+                        <a:t>0.98</a:t>
+                      </a:r>
+                    </a:p>
+                  </a:txBody>
+                  <a:tcPr/>
+                </a:tc>
+                <a:tc>
+                  <a:txBody>
+                    <a:bodyPr/>
+                    <a:lstStyle/>
+                    <a:p>
+                      <a:pPr>
+                        <a:defRPr sz="1050"/>
+                      </a:pPr>
+                      <a:r>
+                        <a:t>Aurora A kinase inhibitor</a:t>
+                      </a:r>
+                    </a:p>
+                  </a:txBody>
+                  <a:tcPr/>
+                </a:tc>
+              </a:tr>
+              <a:tr h="195942">
+                <a:tc>
+                  <a:txBody>
+                    <a:bodyPr/>
+                    <a:lstStyle/>
+                    <a:p>
+                      <a:pPr>
+                        <a:defRPr sz="1050"/>
+                      </a:pPr>
+                      <a:r>
+                        <a:t>vinorelbine</a:t>
+                      </a:r>
+                    </a:p>
+                  </a:txBody>
+                  <a:tcPr/>
+                </a:tc>
+                <a:tc>
+                  <a:txBody>
+                    <a:bodyPr/>
+                    <a:lstStyle/>
+                    <a:p>
+                      <a:pPr>
+                        <a:defRPr sz="1050"/>
+                      </a:pPr>
+                      <a:r>
+                        <a:t>0.97</a:t>
+                      </a:r>
+                    </a:p>
+                  </a:txBody>
+                  <a:tcPr/>
+                </a:tc>
+                <a:tc>
+                  <a:txBody>
+                    <a:bodyPr/>
+                    <a:lstStyle/>
+                    <a:p>
+                      <a:pPr>
+                        <a:defRPr sz="1050"/>
+                      </a:pPr>
+                      <a:r>
+                        <a:t>disrupts microtubule dynamics; natural product</a:t>
+                      </a:r>
+                    </a:p>
+                  </a:txBody>
+                  <a:tcPr/>
+                </a:tc>
+              </a:tr>
+              <a:tr h="195942">
+                <a:tc>
+                  <a:txBody>
+                    <a:bodyPr/>
+                    <a:lstStyle/>
+                    <a:p>
+                      <a:pPr>
+                        <a:defRPr sz="1050"/>
+                      </a:pPr>
+                      <a:r>
+                        <a:t>etoposide</a:t>
+                      </a:r>
+                    </a:p>
+                  </a:txBody>
+                  <a:tcPr/>
+                </a:tc>
+                <a:tc>
+                  <a:txBody>
+                    <a:bodyPr/>
+                    <a:lstStyle/>
+                    <a:p>
+                      <a:pPr>
+                        <a:defRPr sz="1050"/>
+                      </a:pPr>
+                      <a:r>
+                        <a:t>0.96</a:t>
+                      </a:r>
+                    </a:p>
+                  </a:txBody>
+                  <a:tcPr/>
+                </a:tc>
+                <a:tc>
+                  <a:txBody>
+                    <a:bodyPr/>
+                    <a:lstStyle/>
+                    <a:p>
+                      <a:pPr>
+                        <a:defRPr sz="1050"/>
+                      </a:pPr>
+                      <a:r>
+                        <a:t>Topo II inhibitor</a:t>
+                      </a:r>
+                    </a:p>
+                  </a:txBody>
+                  <a:tcPr/>
+                </a:tc>
+              </a:tr>
+              <a:tr h="195942">
+                <a:tc>
+                  <a:txBody>
+                    <a:bodyPr/>
+                    <a:lstStyle/>
+                    <a:p>
+                      <a:pPr>
+                        <a:defRPr sz="1050"/>
+                      </a:pPr>
+                      <a:r>
+                        <a:t>tamoxifen</a:t>
+                      </a:r>
+                    </a:p>
+                  </a:txBody>
+                  <a:tcPr/>
+                </a:tc>
+                <a:tc>
+                  <a:txBody>
+                    <a:bodyPr/>
+                    <a:lstStyle/>
+                    <a:p>
+                      <a:pPr>
+                        <a:defRPr sz="1050"/>
+                      </a:pPr>
+                      <a:r>
+                        <a:t>0.96</a:t>
+                      </a:r>
+                    </a:p>
+                  </a:txBody>
+                  <a:tcPr/>
+                </a:tc>
+                <a:tc>
+                  <a:txBody>
+                    <a:bodyPr/>
+                    <a:lstStyle/>
+                    <a:p>
+                      <a:pPr>
+                        <a:defRPr sz="1050"/>
+                      </a:pPr>
+                      <a:r>
+                        <a:t>ER antagonist prodrug; converted to 4-OHT and endoxifen in the liver; competes with estrogen for ER binding, inhibits transcription of estrogen target genes</a:t>
+                      </a:r>
+                    </a:p>
+                  </a:txBody>
+                  <a:tcPr/>
+                </a:tc>
+              </a:tr>
+              <a:tr h="195942">
+                <a:tc>
+                  <a:txBody>
+                    <a:bodyPr/>
+                    <a:lstStyle/>
+                    <a:p>
+                      <a:pPr>
+                        <a:defRPr sz="1050"/>
+                      </a:pPr>
+                      <a:r>
+                        <a:t>tacrolimus</a:t>
+                      </a:r>
+                    </a:p>
+                  </a:txBody>
+                  <a:tcPr/>
+                </a:tc>
+                <a:tc>
+                  <a:txBody>
+                    <a:bodyPr/>
+                    <a:lstStyle/>
+                    <a:p>
+                      <a:pPr>
+                        <a:defRPr sz="1050"/>
+                      </a:pPr>
+                      <a:r>
+                        <a:t>0.96</a:t>
+                      </a:r>
+                    </a:p>
+                  </a:txBody>
+                  <a:tcPr/>
+                </a:tc>
+                <a:tc>
+                  <a:txBody>
+                    <a:bodyPr/>
+                    <a:lstStyle/>
+                    <a:p>
+                      <a:pPr>
+                        <a:defRPr sz="1050"/>
+                      </a:pPr>
+                      <a:r>
+                        <a:t>FK-506, immunosuppressive drug usedafter allogeneic organ transplant</a:t>
+                      </a:r>
+                    </a:p>
+                  </a:txBody>
+                  <a:tcPr/>
+                </a:tc>
+              </a:tr>
+              <a:tr h="195942">
+                <a:tc>
+                  <a:txBody>
+                    <a:bodyPr/>
+                    <a:lstStyle/>
+                    <a:p>
+                      <a:pPr>
+                        <a:defRPr sz="1050"/>
+                      </a:pPr>
+                      <a:r>
+                        <a:t>cladribine</a:t>
+                      </a:r>
+                    </a:p>
+                  </a:txBody>
+                  <a:tcPr/>
+                </a:tc>
+                <a:tc>
+                  <a:txBody>
+                    <a:bodyPr/>
+                    <a:lstStyle/>
+                    <a:p>
+                      <a:pPr>
+                        <a:defRPr sz="1050"/>
+                      </a:pPr>
+                      <a:r>
+                        <a:t>0.95</a:t>
+                      </a:r>
+                    </a:p>
+                  </a:txBody>
+                  <a:tcPr/>
+                </a:tc>
+                <a:tc>
+                  <a:txBody>
+                    <a:bodyPr/>
+                    <a:lstStyle/>
+                    <a:p>
+                      <a:pPr>
+                        <a:defRPr sz="1050"/>
+                      </a:pPr>
+                      <a:r>
+                        <a:t>purine analog, inhibits adenosine deaminase, which interferes with DNA sythesis. Used for leukemia</a:t>
+                      </a:r>
+                    </a:p>
+                  </a:txBody>
+                  <a:tcPr/>
+                </a:tc>
+              </a:tr>
+              <a:tr h="195942">
+                <a:tc>
+                  <a:txBody>
+                    <a:bodyPr/>
+                    <a:lstStyle/>
+                    <a:p>
+                      <a:pPr>
+                        <a:defRPr sz="1050"/>
+                      </a:pPr>
+                      <a:r>
+                        <a:t>JNJ-26854165</a:t>
+                      </a:r>
+                    </a:p>
+                  </a:txBody>
+                  <a:tcPr/>
+                </a:tc>
+                <a:tc>
+                  <a:txBody>
+                    <a:bodyPr/>
+                    <a:lstStyle/>
+                    <a:p>
+                      <a:pPr>
+                        <a:defRPr sz="1050"/>
+                      </a:pPr>
+                      <a:r>
+                        <a:t>0.94</a:t>
+                      </a:r>
+                    </a:p>
+                  </a:txBody>
+                  <a:tcPr/>
+                </a:tc>
+                <a:tc>
+                  <a:txBody>
+                    <a:bodyPr/>
+                    <a:lstStyle/>
+                    <a:p>
+                      <a:pPr>
+                        <a:defRPr sz="1050"/>
+                      </a:pPr>
+                      <a:r>
+                        <a:t>(JNJ-26854165) Mdm2 antagonist, stabilizes p53</a:t>
+                      </a:r>
+                    </a:p>
+                  </a:txBody>
+                  <a:tcPr/>
+                </a:tc>
+              </a:tr>
+              <a:tr h="195942">
+                <a:tc>
+                  <a:txBody>
+                    <a:bodyPr/>
+                    <a:lstStyle/>
+                    <a:p>
+                      <a:pPr>
+                        <a:defRPr sz="1050"/>
+                      </a:pPr>
+                      <a:r>
+                        <a:t>GSK-461364</a:t>
+                      </a:r>
+                    </a:p>
+                  </a:txBody>
+                  <a:tcPr/>
+                </a:tc>
+                <a:tc>
+                  <a:txBody>
+                    <a:bodyPr/>
+                    <a:lstStyle/>
+                    <a:p>
+                      <a:pPr>
+                        <a:defRPr sz="1050"/>
+                      </a:pPr>
+                      <a:r>
+                        <a:t>0.94</a:t>
+                      </a:r>
+                    </a:p>
+                  </a:txBody>
+                  <a:tcPr/>
+                </a:tc>
+                <a:tc>
+                  <a:txBody>
+                    <a:bodyPr/>
+                    <a:lstStyle/>
+                    <a:p>
+                      <a:pPr>
+                        <a:defRPr sz="1050"/>
+                      </a:pPr>
+                      <a:r>
+                        <a:t>Plk1 inhibitor, less active against Plk2 and Plk3.</a:t>
+                      </a:r>
+                    </a:p>
+                  </a:txBody>
+                  <a:tcPr/>
+                </a:tc>
+              </a:tr>
+              <a:tr h="195942">
+                <a:tc>
+                  <a:txBody>
+                    <a:bodyPr/>
+                    <a:lstStyle/>
+                    <a:p>
+                      <a:pPr>
+                        <a:defRPr sz="1050"/>
+                      </a:pPr>
+                      <a:r>
+                        <a:t>idarubicin</a:t>
+                      </a:r>
+                    </a:p>
+                  </a:txBody>
+                  <a:tcPr/>
+                </a:tc>
+                <a:tc>
+                  <a:txBody>
+                    <a:bodyPr/>
+                    <a:lstStyle/>
+                    <a:p>
+                      <a:pPr>
+                        <a:defRPr sz="1050"/>
+                      </a:pPr>
+                      <a:r>
+                        <a:t>0.94</a:t>
+                      </a:r>
+                    </a:p>
+                  </a:txBody>
+                  <a:tcPr/>
+                </a:tc>
+                <a:tc>
+                  <a:txBody>
+                    <a:bodyPr/>
+                    <a:lstStyle/>
+                    <a:p>
+                      <a:pPr>
+                        <a:defRPr sz="1050"/>
+                      </a:pPr>
+                      <a:r>
+                        <a:t>Topo II inhibitor, intercalates into DNA, anthracycline</a:t>
+                      </a:r>
+                    </a:p>
+                  </a:txBody>
+                  <a:tcPr/>
+                </a:tc>
+              </a:tr>
+              <a:tr h="195942">
+                <a:tc>
+                  <a:txBody>
+                    <a:bodyPr/>
+                    <a:lstStyle/>
+                    <a:p>
+                      <a:pPr>
+                        <a:defRPr sz="1050"/>
+                      </a:pPr>
+                      <a:r>
+                        <a:t>carmofur</a:t>
+                      </a:r>
+                    </a:p>
+                  </a:txBody>
+                  <a:tcPr/>
+                </a:tc>
+                <a:tc>
+                  <a:txBody>
+                    <a:bodyPr/>
+                    <a:lstStyle/>
+                    <a:p>
+                      <a:pPr>
+                        <a:defRPr sz="1050"/>
+                      </a:pPr>
+                      <a:r>
+                        <a:t>0.94</a:t>
+                      </a:r>
+                    </a:p>
+                  </a:txBody>
+                  <a:tcPr/>
+                </a:tc>
+                <a:tc>
+                  <a:txBody>
+                    <a:bodyPr/>
+                    <a:lstStyle/>
+                    <a:p>
+                      <a:pPr>
+                        <a:defRPr sz="1050"/>
+                      </a:pPr>
+                      <a:r>
+                        <a:t>derivative of fluorouracil, pyrimidine analog</a:t>
+                      </a:r>
+                    </a:p>
+                  </a:txBody>
+                  <a:tcPr/>
+                </a:tc>
+              </a:tr>
+              <a:tr h="195942">
+                <a:tc>
+                  <a:txBody>
+                    <a:bodyPr/>
+                    <a:lstStyle/>
+                    <a:p>
+                      <a:pPr>
+                        <a:defRPr sz="1050"/>
+                      </a:pPr>
+                      <a:r>
+                        <a:t>rucaparib</a:t>
+                      </a:r>
+                    </a:p>
+                  </a:txBody>
+                  <a:tcPr/>
+                </a:tc>
+                <a:tc>
+                  <a:txBody>
+                    <a:bodyPr/>
+                    <a:lstStyle/>
+                    <a:p>
+                      <a:pPr>
+                        <a:defRPr sz="1050"/>
+                      </a:pPr>
+                      <a:r>
+                        <a:t>0.93</a:t>
+                      </a:r>
+                    </a:p>
+                  </a:txBody>
+                  <a:tcPr/>
+                </a:tc>
+                <a:tc>
+                  <a:txBody>
+                    <a:bodyPr/>
+                    <a:lstStyle/>
+                    <a:p>
+                      <a:pPr>
+                        <a:defRPr sz="1050"/>
+                      </a:pPr>
+                      <a:r>
+                        <a:t>PARP inhibitor, inhibits DNA repair</a:t>
+                      </a:r>
+                    </a:p>
+                  </a:txBody>
+                  <a:tcPr/>
+                </a:tc>
+              </a:tr>
+              <a:tr h="195942">
+                <a:tc>
+                  <a:txBody>
+                    <a:bodyPr/>
+                    <a:lstStyle/>
+                    <a:p>
+                      <a:pPr>
+                        <a:defRPr sz="1050"/>
+                      </a:pPr>
+                      <a:r>
+                        <a:t>amsacrine</a:t>
+                      </a:r>
+                    </a:p>
+                  </a:txBody>
+                  <a:tcPr/>
+                </a:tc>
+                <a:tc>
+                  <a:txBody>
+                    <a:bodyPr/>
+                    <a:lstStyle/>
+                    <a:p>
+                      <a:pPr>
+                        <a:defRPr sz="1050"/>
+                      </a:pPr>
+                      <a:r>
+                        <a:t>0.93</a:t>
+                      </a:r>
+                    </a:p>
+                  </a:txBody>
+                  <a:tcPr/>
+                </a:tc>
+                <a:tc>
+                  <a:txBody>
+                    <a:bodyPr/>
+                    <a:lstStyle/>
+                    <a:p>
+                      <a:pPr>
+                        <a:defRPr sz="1050"/>
+                      </a:pPr>
+                      <a:r>
+                        <a:t>Intercalator, inhibits Topo II and blocks both DNA replication and transcription, used in ALL</a:t>
+                      </a:r>
+                    </a:p>
+                  </a:txBody>
+                  <a:tcPr/>
+                </a:tc>
+              </a:tr>
+              <a:tr h="195942">
+                <a:tc>
+                  <a:txBody>
+                    <a:bodyPr/>
+                    <a:lstStyle/>
+                    <a:p>
+                      <a:pPr>
+                        <a:defRPr sz="1050"/>
+                      </a:pPr>
+                      <a:r>
+                        <a:t>raltitrexed</a:t>
+                      </a:r>
+                    </a:p>
+                  </a:txBody>
+                  <a:tcPr/>
+                </a:tc>
+                <a:tc>
+                  <a:txBody>
+                    <a:bodyPr/>
+                    <a:lstStyle/>
+                    <a:p>
+                      <a:pPr>
+                        <a:defRPr sz="1050"/>
+                      </a:pPr>
+                      <a:r>
+                        <a:t>0.92</a:t>
+                      </a:r>
+                    </a:p>
+                  </a:txBody>
+                  <a:tcPr/>
+                </a:tc>
+                <a:tc>
+                  <a:txBody>
+                    <a:bodyPr/>
+                    <a:lstStyle/>
+                    <a:p>
+                      <a:pPr>
+                        <a:defRPr sz="1050"/>
+                      </a:pPr>
+                      <a:r>
+                        <a:t>antimetabolite,  inhibitor of thymidylate synthase</a:t>
+                      </a:r>
+                    </a:p>
+                  </a:txBody>
+                  <a:tcPr/>
+                </a:tc>
+              </a:tr>
+              <a:tr h="195942">
+                <a:tc>
+                  <a:txBody>
+                    <a:bodyPr/>
+                    <a:lstStyle/>
+                    <a:p>
+                      <a:pPr>
+                        <a:defRPr sz="1050"/>
+                      </a:pPr>
+                      <a:r>
+                        <a:t>vorinostat</a:t>
+                      </a:r>
+                    </a:p>
+                  </a:txBody>
+                  <a:tcPr/>
+                </a:tc>
+                <a:tc>
+                  <a:txBody>
+                    <a:bodyPr/>
+                    <a:lstStyle/>
+                    <a:p>
+                      <a:pPr>
+                        <a:defRPr sz="1050"/>
+                      </a:pPr>
+                      <a:r>
+                        <a:t>0.92</a:t>
+                      </a:r>
+                    </a:p>
+                  </a:txBody>
+                  <a:tcPr/>
+                </a:tc>
+                <a:tc>
+                  <a:txBody>
+                    <a:bodyPr/>
+                    <a:lstStyle/>
+                    <a:p>
+                      <a:pPr>
+                        <a:defRPr sz="1050"/>
+                      </a:pPr>
+                      <a:r>
+                        <a:t>HDAC inhibitor (SAHA)</a:t>
+                      </a:r>
+                    </a:p>
+                  </a:txBody>
+                  <a:tcPr/>
+                </a:tc>
+              </a:tr>
+              <a:tr h="195942">
+                <a:tc>
+                  <a:txBody>
+                    <a:bodyPr/>
+                    <a:lstStyle/>
+                    <a:p>
+                      <a:pPr>
+                        <a:defRPr sz="1050"/>
+                      </a:pPr>
+                      <a:r>
+                        <a:t>thiotepa</a:t>
+                      </a:r>
+                    </a:p>
+                  </a:txBody>
+                  <a:tcPr/>
+                </a:tc>
+                <a:tc>
+                  <a:txBody>
+                    <a:bodyPr/>
+                    <a:lstStyle/>
+                    <a:p>
+                      <a:pPr>
+                        <a:defRPr sz="1050"/>
+                      </a:pPr>
+                      <a:r>
+                        <a:t>0.92</a:t>
+                      </a:r>
+                    </a:p>
+                  </a:txBody>
+                  <a:tcPr/>
+                </a:tc>
+                <a:tc>
+                  <a:txBody>
+                    <a:bodyPr/>
+                    <a:lstStyle/>
+                    <a:p>
+                      <a:pPr>
+                        <a:defRPr sz="1050"/>
+                      </a:pPr>
+                      <a:r>
+                        <a:t>alkylating agent, ethylenimine family, causes crosslinks in DNA, which prevents DNA replication and DNA transcription</a:t>
+                      </a:r>
+                    </a:p>
+                  </a:txBody>
+                  <a:tcPr/>
+                </a:tc>
+              </a:tr>
+              <a:tr h="195960">
+                <a:tc>
+                  <a:txBody>
+                    <a:bodyPr/>
+                    <a:lstStyle/>
+                    <a:p>
+                      <a:pPr>
+                        <a:defRPr sz="1050"/>
+                      </a:pPr>
+                      <a:r>
+                        <a:t>irinotecan</a:t>
+                      </a:r>
+                    </a:p>
+                  </a:txBody>
+                  <a:tcPr/>
+                </a:tc>
+                <a:tc>
+                  <a:txBody>
+                    <a:bodyPr/>
+                    <a:lstStyle/>
+                    <a:p>
+                      <a:pPr>
+                        <a:defRPr sz="1050"/>
+                      </a:pPr>
+                      <a:r>
+                        <a:t>0.91</a:t>
+                      </a:r>
+                    </a:p>
+                  </a:txBody>
+                  <a:tcPr/>
+                </a:tc>
+                <a:tc>
+                  <a:txBody>
+                    <a:bodyPr/>
+                    <a:lstStyle/>
+                    <a:p>
+                      <a:pPr>
+                        <a:defRPr sz="1050"/>
+                      </a:pPr>
+                      <a:r>
+                        <a:t>aka CPT-11, inhibitor of Topo I</a:t>
+                      </a:r>
+                    </a:p>
+                  </a:txBody>
+                  <a:tcPr/>
+                </a:tc>
+              </a:tr>
+            </a:tbl>
+          </a:graphicData>
+        </a:graphic>
+      </p:graphicFrame>
+    </p:spTree>
+  </p:cSld>
+  <p:clrMapOvr>
+    <a:masterClrMapping/>
+  </p:clrMapOvr>
+</p:sld>
+</file>
+
+<file path=ppt/slides/slide5.xml><?xml version="1.0" encoding="utf-8"?>
+<p:sld xmlns:a="http://schemas.openxmlformats.org/drawingml/2006/main" xmlns:p="http://schemas.openxmlformats.org/presentationml/2006/main" xmlns:r="http://schemas.openxmlformats.org/officeDocument/2006/relationships">
+  <p:cSld>
+    <p:spTree>
+      <p:nvGrpSpPr>
+        <p:cNvPr id="1" name=""/>
+        <p:cNvGrpSpPr/>
+        <p:nvPr/>
+      </p:nvGrpSpPr>
+      <p:grpSpPr/>
+      <p:sp>
+        <p:nvSpPr>
+          <p:cNvPr id="2" name="TextBox 1"/>
+          <p:cNvSpPr txBox="1"/>
+          <p:nvPr/>
+        </p:nvSpPr>
+        <p:spPr>
+          <a:xfrm>
+            <a:off x="0" y="0"/>
+            <a:ext cx="9144000" cy="685800"/>
+          </a:xfrm>
+          <a:prstGeom prst="rect">
+            <a:avLst/>
+          </a:prstGeom>
+          <a:noFill/>
+        </p:spPr>
+        <p:txBody>
+          <a:bodyPr wrap="none">
+            <a:spAutoFit/>
+          </a:bodyPr>
+          <a:lstStyle/>
+          <a:p/>
+          <a:p>
+            <a:pPr>
+              <a:defRPr sz="2400"/>
+            </a:pPr>
+            <a:r>
+              <a:t>DiSCoVER ∩ CMap: top common drugs (cerebellar stem cell control)</a:t>
+            </a:r>
+          </a:p>
+        </p:txBody>
+      </p:sp>
+      <p:graphicFrame>
+        <p:nvGraphicFramePr>
+          <p:cNvPr id="3" name="Table 2"/>
+          <p:cNvGraphicFramePr>
+            <a:graphicFrameLocks noGrp="1"/>
+          </p:cNvGraphicFramePr>
+          <p:nvPr/>
+        </p:nvGraphicFramePr>
+        <p:xfrm>
+          <a:off x="411480" y="777240"/>
+          <a:ext cx="8503920" cy="4114800"/>
+        </p:xfrm>
+        <a:graphic>
+          <a:graphicData uri="http://schemas.openxmlformats.org/drawingml/2006/table">
+            <a:tbl>
+              <a:tblPr firstRow="1" bandRow="1">
+                <a:tableStyleId>{5C22544A-7EE6-4342-B048-85BDC9FD1C3A}</a:tableStyleId>
+              </a:tblPr>
+              <a:tblGrid>
+                <a:gridCol w="1005840"/>
+                <a:gridCol w="4114800"/>
+                <a:gridCol w="731520"/>
+                <a:gridCol w="1005840"/>
+                <a:gridCol w="914400"/>
+                <a:gridCol w="731520"/>
+              </a:tblGrid>
+              <a:tr h="195942">
+                <a:tc>
+                  <a:txBody>
+                    <a:bodyPr/>
+                    <a:lstStyle/>
+                    <a:p>
+                      <a:pPr>
+                        <a:defRPr sz="1100"/>
+                      </a:pPr>
+                      <a:r>
+                        <a:t>Drug</a:t>
+                      </a:r>
+                    </a:p>
+                  </a:txBody>
+                  <a:tcPr/>
+                </a:tc>
+                <a:tc>
+                  <a:txBody>
+                    <a:bodyPr/>
+                    <a:lstStyle/>
+                    <a:p>
+                      <a:pPr>
+                        <a:defRPr sz="1100"/>
+                      </a:pPr>
+                      <a:r>
+                        <a:t>Mechanism of action</a:t>
+                      </a:r>
+                    </a:p>
+                  </a:txBody>
+                  <a:tcPr/>
+                </a:tc>
+                <a:tc>
+                  <a:txBody>
+                    <a:bodyPr/>
+                    <a:lstStyle/>
+                    <a:p>
+                      <a:pPr>
+                        <a:defRPr sz="1100"/>
+                      </a:pPr>
+                      <a:r>
+                        <a:t>Evidence</a:t>
+                      </a:r>
+                    </a:p>
+                  </a:txBody>
+                  <a:tcPr/>
+                </a:tc>
+                <a:tc>
+                  <a:txBody>
+                    <a:bodyPr/>
+                    <a:lstStyle/>
+                    <a:p>
+                      <a:pPr>
+                        <a:defRPr sz="1100"/>
+                      </a:pPr>
+                      <a:r>
+                        <a:t>DiSCoVER Rank</a:t>
+                      </a:r>
+                    </a:p>
+                  </a:txBody>
+                  <a:tcPr/>
+                </a:tc>
+                <a:tc>
+                  <a:txBody>
+                    <a:bodyPr/>
+                    <a:lstStyle/>
+                    <a:p>
+                      <a:pPr>
+                        <a:defRPr sz="1100"/>
+                      </a:pPr>
+                      <a:r>
+                        <a:t>CMap Rank</a:t>
+                      </a:r>
+                    </a:p>
+                  </a:txBody>
+                  <a:tcPr/>
+                </a:tc>
+                <a:tc>
+                  <a:txBody>
+                    <a:bodyPr/>
+                    <a:lstStyle/>
+                    <a:p>
+                      <a:pPr>
+                        <a:defRPr sz="1100"/>
+                      </a:pPr>
+                      <a:r>
+                        <a:t>Average Rank</a:t>
+                      </a:r>
+                    </a:p>
+                  </a:txBody>
+                  <a:tcPr/>
+                </a:tc>
+              </a:tr>
+              <a:tr h="195942">
+                <a:tc>
+                  <a:txBody>
+                    <a:bodyPr/>
+                    <a:lstStyle/>
+                    <a:p>
+                      <a:pPr>
+                        <a:defRPr sz="1000"/>
+                      </a:pPr>
+                      <a:r>
+                        <a:t>alectinib</a:t>
+                      </a:r>
+                    </a:p>
+                  </a:txBody>
+                  <a:tcPr/>
+                </a:tc>
+                <a:tc>
+                  <a:txBody>
+                    <a:bodyPr/>
+                    <a:lstStyle/>
+                    <a:p>
+                      <a:pPr>
+                        <a:defRPr sz="1000"/>
+                      </a:pPr>
+                      <a:r>
+                        <a:t>ALK inhibitor, used to treat non-small-cell lung cancer (NSCLC)</a:t>
+                      </a:r>
+                    </a:p>
+                  </a:txBody>
+                  <a:tcPr/>
+                </a:tc>
+                <a:tc>
+                  <a:txBody>
+                    <a:bodyPr/>
+                    <a:lstStyle/>
+                    <a:p>
+                      <a:pPr>
+                        <a:defRPr sz="1000"/>
+                      </a:pPr>
+                      <a:r>
+                        <a:t>+...</a:t>
+                      </a:r>
+                    </a:p>
+                  </a:txBody>
+                  <a:tcPr/>
+                </a:tc>
+                <a:tc>
+                  <a:txBody>
+                    <a:bodyPr/>
+                    <a:lstStyle/>
+                    <a:p>
+                      <a:pPr>
+                        <a:defRPr sz="1000"/>
+                      </a:pPr>
+                      <a:r>
+                        <a:t>1</a:t>
+                      </a:r>
+                    </a:p>
+                  </a:txBody>
+                  <a:tcPr/>
+                </a:tc>
+                <a:tc>
+                  <a:txBody>
+                    <a:bodyPr/>
+                    <a:lstStyle/>
+                    <a:p>
+                      <a:pPr>
+                        <a:defRPr sz="1000"/>
+                      </a:pPr>
+                      <a:r>
+                        <a:t>175</a:t>
+                      </a:r>
+                    </a:p>
+                  </a:txBody>
+                  <a:tcPr/>
+                </a:tc>
+                <a:tc>
+                  <a:txBody>
+                    <a:bodyPr/>
+                    <a:lstStyle/>
+                    <a:p>
+                      <a:pPr>
+                        <a:defRPr sz="1000"/>
+                      </a:pPr>
+                      <a:r>
+                        <a:t>1.0</a:t>
+                      </a:r>
+                    </a:p>
+                  </a:txBody>
+                  <a:tcPr/>
+                </a:tc>
+              </a:tr>
+              <a:tr h="195942">
+                <a:tc>
+                  <a:txBody>
+                    <a:bodyPr/>
+                    <a:lstStyle/>
+                    <a:p>
+                      <a:pPr>
+                        <a:defRPr sz="1000"/>
+                      </a:pPr>
+                      <a:r>
+                        <a:t>gsk1070916</a:t>
+                      </a:r>
+                    </a:p>
+                  </a:txBody>
+                  <a:tcPr/>
+                </a:tc>
+                <a:tc>
+                  <a:txBody>
+                    <a:bodyPr/>
+                    <a:lstStyle/>
+                    <a:p>
+                      <a:pPr>
+                        <a:defRPr sz="1000"/>
+                      </a:pPr>
+                      <a:r>
+                        <a:t>Not Clinically Relevant</a:t>
+                      </a:r>
+                    </a:p>
+                  </a:txBody>
+                  <a:tcPr/>
+                </a:tc>
+                <a:tc>
+                  <a:txBody>
+                    <a:bodyPr/>
+                    <a:lstStyle/>
+                    <a:p>
+                      <a:pPr>
+                        <a:defRPr sz="1000"/>
+                      </a:pPr>
+                      <a:r>
+                        <a:t>+...</a:t>
+                      </a:r>
+                    </a:p>
+                  </a:txBody>
+                  <a:tcPr/>
+                </a:tc>
+                <a:tc>
+                  <a:txBody>
+                    <a:bodyPr/>
+                    <a:lstStyle/>
+                    <a:p>
+                      <a:pPr>
+                        <a:defRPr sz="1000"/>
+                      </a:pPr>
+                      <a:r>
+                        <a:t>2</a:t>
+                      </a:r>
+                    </a:p>
+                  </a:txBody>
+                  <a:tcPr/>
+                </a:tc>
+                <a:tc>
+                  <a:txBody>
+                    <a:bodyPr/>
+                    <a:lstStyle/>
+                    <a:p>
+                      <a:pPr>
+                        <a:defRPr sz="1000"/>
+                      </a:pPr>
+                      <a:r>
+                        <a:t>176</a:t>
+                      </a:r>
+                    </a:p>
+                  </a:txBody>
+                  <a:tcPr/>
+                </a:tc>
+                <a:tc>
+                  <a:txBody>
+                    <a:bodyPr/>
+                    <a:lstStyle/>
+                    <a:p>
+                      <a:pPr>
+                        <a:defRPr sz="1000"/>
+                      </a:pPr>
+                      <a:r>
+                        <a:t>2.0</a:t>
+                      </a:r>
+                    </a:p>
+                  </a:txBody>
+                  <a:tcPr/>
+                </a:tc>
+              </a:tr>
+              <a:tr h="195942">
+                <a:tc>
+                  <a:txBody>
+                    <a:bodyPr/>
+                    <a:lstStyle/>
+                    <a:p>
+                      <a:pPr>
+                        <a:defRPr sz="1000"/>
+                      </a:pPr>
+                      <a:r>
+                        <a:t>tl-2-105</a:t>
+                      </a:r>
+                    </a:p>
+                  </a:txBody>
+                  <a:tcPr/>
+                </a:tc>
+                <a:tc>
+                  <a:txBody>
+                    <a:bodyPr/>
+                    <a:lstStyle/>
+                    <a:p>
+                      <a:pPr>
+                        <a:defRPr sz="1000"/>
+                      </a:pPr>
+                      <a:r>
+                        <a:t>Not Clinically Relevant</a:t>
+                      </a:r>
+                    </a:p>
+                  </a:txBody>
+                  <a:tcPr/>
+                </a:tc>
+                <a:tc>
+                  <a:txBody>
+                    <a:bodyPr/>
+                    <a:lstStyle/>
+                    <a:p>
+                      <a:pPr>
+                        <a:defRPr sz="1000"/>
+                      </a:pPr>
+                      <a:r>
+                        <a:t>+...</a:t>
+                      </a:r>
+                    </a:p>
+                  </a:txBody>
+                  <a:tcPr/>
+                </a:tc>
+                <a:tc>
+                  <a:txBody>
+                    <a:bodyPr/>
+                    <a:lstStyle/>
+                    <a:p>
+                      <a:pPr>
+                        <a:defRPr sz="1000"/>
+                      </a:pPr>
+                      <a:r>
+                        <a:t>3</a:t>
+                      </a:r>
+                    </a:p>
+                  </a:txBody>
+                  <a:tcPr/>
+                </a:tc>
+                <a:tc>
+                  <a:txBody>
+                    <a:bodyPr/>
+                    <a:lstStyle/>
+                    <a:p>
+                      <a:pPr>
+                        <a:defRPr sz="1000"/>
+                      </a:pPr>
+                      <a:r>
+                        <a:t>177</a:t>
+                      </a:r>
+                    </a:p>
+                  </a:txBody>
+                  <a:tcPr/>
+                </a:tc>
+                <a:tc>
+                  <a:txBody>
+                    <a:bodyPr/>
+                    <a:lstStyle/>
+                    <a:p>
+                      <a:pPr>
+                        <a:defRPr sz="1000"/>
+                      </a:pPr>
+                      <a:r>
+                        <a:t>3.0</a:t>
+                      </a:r>
+                    </a:p>
+                  </a:txBody>
+                  <a:tcPr/>
+                </a:tc>
+              </a:tr>
+              <a:tr h="195942">
+                <a:tc>
+                  <a:txBody>
+                    <a:bodyPr/>
+                    <a:lstStyle/>
+                    <a:p>
+                      <a:pPr>
+                        <a:defRPr sz="1000"/>
+                      </a:pPr>
+                      <a:r>
+                        <a:t>sb52334</a:t>
+                      </a:r>
+                    </a:p>
+                  </a:txBody>
+                  <a:tcPr/>
+                </a:tc>
+                <a:tc>
+                  <a:txBody>
+                    <a:bodyPr/>
+                    <a:lstStyle/>
+                    <a:p>
+                      <a:pPr>
+                        <a:defRPr sz="1000"/>
+                      </a:pPr>
+                      <a:r>
+                        <a:t>Not Clinically Relevant</a:t>
+                      </a:r>
+                    </a:p>
+                  </a:txBody>
+                  <a:tcPr/>
+                </a:tc>
+                <a:tc>
+                  <a:txBody>
+                    <a:bodyPr/>
+                    <a:lstStyle/>
+                    <a:p>
+                      <a:pPr>
+                        <a:defRPr sz="1000"/>
+                      </a:pPr>
+                      <a:r>
+                        <a:t>+...</a:t>
+                      </a:r>
+                    </a:p>
+                  </a:txBody>
+                  <a:tcPr/>
+                </a:tc>
+                <a:tc>
+                  <a:txBody>
+                    <a:bodyPr/>
+                    <a:lstStyle/>
+                    <a:p>
+                      <a:pPr>
+                        <a:defRPr sz="1000"/>
+                      </a:pPr>
+                      <a:r>
+                        <a:t>4</a:t>
+                      </a:r>
+                    </a:p>
+                  </a:txBody>
+                  <a:tcPr/>
+                </a:tc>
+                <a:tc>
+                  <a:txBody>
+                    <a:bodyPr/>
+                    <a:lstStyle/>
+                    <a:p>
+                      <a:pPr>
+                        <a:defRPr sz="1000"/>
+                      </a:pPr>
+                      <a:r>
+                        <a:t>178</a:t>
+                      </a:r>
+                    </a:p>
+                  </a:txBody>
+                  <a:tcPr/>
+                </a:tc>
+                <a:tc>
+                  <a:txBody>
+                    <a:bodyPr/>
+                    <a:lstStyle/>
+                    <a:p>
+                      <a:pPr>
+                        <a:defRPr sz="1000"/>
+                      </a:pPr>
+                      <a:r>
+                        <a:t>4.0</a:t>
+                      </a:r>
+                    </a:p>
+                  </a:txBody>
+                  <a:tcPr/>
+                </a:tc>
+              </a:tr>
+              <a:tr h="195942">
+                <a:tc>
+                  <a:txBody>
+                    <a:bodyPr/>
+                    <a:lstStyle/>
+                    <a:p>
+                      <a:pPr>
+                        <a:defRPr sz="1000"/>
+                      </a:pPr>
+                      <a:r>
+                        <a:t>cladribine</a:t>
+                      </a:r>
+                    </a:p>
+                  </a:txBody>
+                  <a:tcPr/>
+                </a:tc>
+                <a:tc>
+                  <a:txBody>
+                    <a:bodyPr/>
+                    <a:lstStyle/>
+                    <a:p>
+                      <a:pPr>
+                        <a:defRPr sz="1000"/>
+                      </a:pPr>
+                      <a:r>
+                        <a:t>purine analog, inhibits adenosine deaminase, which interferes with DNA sythesis. Used for leukemia</a:t>
+                      </a:r>
+                    </a:p>
+                  </a:txBody>
+                  <a:tcPr/>
+                </a:tc>
+                <a:tc>
+                  <a:txBody>
+                    <a:bodyPr/>
+                    <a:lstStyle/>
+                    <a:p>
+                      <a:pPr>
+                        <a:defRPr sz="1000"/>
+                      </a:pPr>
+                      <a:r>
+                        <a:t>...+</a:t>
+                      </a:r>
+                    </a:p>
+                  </a:txBody>
+                  <a:tcPr/>
+                </a:tc>
+                <a:tc>
+                  <a:txBody>
+                    <a:bodyPr/>
+                    <a:lstStyle/>
+                    <a:p>
+                      <a:pPr>
+                        <a:defRPr sz="1000"/>
+                      </a:pPr>
+                      <a:r>
+                        <a:t>674</a:t>
+                      </a:r>
+                    </a:p>
+                  </a:txBody>
+                  <a:tcPr/>
+                </a:tc>
+                <a:tc>
+                  <a:txBody>
+                    <a:bodyPr/>
+                    <a:lstStyle/>
+                    <a:p>
+                      <a:pPr>
+                        <a:defRPr sz="1000"/>
+                      </a:pPr>
+                      <a:r>
+                        <a:t>4</a:t>
+                      </a:r>
+                    </a:p>
+                  </a:txBody>
+                  <a:tcPr/>
+                </a:tc>
+                <a:tc>
+                  <a:txBody>
+                    <a:bodyPr/>
+                    <a:lstStyle/>
+                    <a:p>
+                      <a:pPr>
+                        <a:defRPr sz="1000"/>
+                      </a:pPr>
+                      <a:r>
+                        <a:t>4.0</a:t>
+                      </a:r>
+                    </a:p>
+                  </a:txBody>
+                  <a:tcPr/>
+                </a:tc>
+              </a:tr>
+              <a:tr h="195942">
+                <a:tc>
+                  <a:txBody>
+                    <a:bodyPr/>
+                    <a:lstStyle/>
+                    <a:p>
+                      <a:pPr>
+                        <a:defRPr sz="1000"/>
+                      </a:pPr>
+                      <a:r>
+                        <a:t>ql-xii-61</a:t>
+                      </a:r>
+                    </a:p>
+                  </a:txBody>
+                  <a:tcPr/>
+                </a:tc>
+                <a:tc>
+                  <a:txBody>
+                    <a:bodyPr/>
+                    <a:lstStyle/>
+                    <a:p>
+                      <a:pPr>
+                        <a:defRPr sz="1000"/>
+                      </a:pPr>
+                      <a:r>
+                        <a:t>Not Clinically Relevant</a:t>
+                      </a:r>
+                    </a:p>
+                  </a:txBody>
+                  <a:tcPr/>
+                </a:tc>
+                <a:tc>
+                  <a:txBody>
+                    <a:bodyPr/>
+                    <a:lstStyle/>
+                    <a:p>
+                      <a:pPr>
+                        <a:defRPr sz="1000"/>
+                      </a:pPr>
+                      <a:r>
+                        <a:t>+...</a:t>
+                      </a:r>
+                    </a:p>
+                  </a:txBody>
+                  <a:tcPr/>
+                </a:tc>
+                <a:tc>
+                  <a:txBody>
+                    <a:bodyPr/>
+                    <a:lstStyle/>
+                    <a:p>
+                      <a:pPr>
+                        <a:defRPr sz="1000"/>
+                      </a:pPr>
+                      <a:r>
+                        <a:t>5</a:t>
+                      </a:r>
+                    </a:p>
+                  </a:txBody>
+                  <a:tcPr/>
+                </a:tc>
+                <a:tc>
+                  <a:txBody>
+                    <a:bodyPr/>
+                    <a:lstStyle/>
+                    <a:p>
+                      <a:pPr>
+                        <a:defRPr sz="1000"/>
+                      </a:pPr>
+                      <a:r>
+                        <a:t>179</a:t>
+                      </a:r>
+                    </a:p>
+                  </a:txBody>
+                  <a:tcPr/>
+                </a:tc>
+                <a:tc>
+                  <a:txBody>
+                    <a:bodyPr/>
+                    <a:lstStyle/>
+                    <a:p>
+                      <a:pPr>
+                        <a:defRPr sz="1000"/>
+                      </a:pPr>
+                      <a:r>
+                        <a:t>5.0</a:t>
+                      </a:r>
+                    </a:p>
+                  </a:txBody>
+                  <a:tcPr/>
+                </a:tc>
+              </a:tr>
+              <a:tr h="195942">
+                <a:tc>
+                  <a:txBody>
+                    <a:bodyPr/>
+                    <a:lstStyle/>
+                    <a:p>
+                      <a:pPr>
+                        <a:defRPr sz="1000"/>
+                      </a:pPr>
+                      <a:r>
+                        <a:t>jnj-26854165</a:t>
+                      </a:r>
+                    </a:p>
+                  </a:txBody>
+                  <a:tcPr/>
+                </a:tc>
+                <a:tc>
+                  <a:txBody>
+                    <a:bodyPr/>
+                    <a:lstStyle/>
+                    <a:p>
+                      <a:pPr>
+                        <a:defRPr sz="1000"/>
+                      </a:pPr>
+                      <a:r>
+                        <a:t>(JNJ-26854165) Mdm2 antagonist, stabilizes p53</a:t>
+                      </a:r>
+                    </a:p>
+                  </a:txBody>
+                  <a:tcPr/>
+                </a:tc>
+                <a:tc>
+                  <a:txBody>
+                    <a:bodyPr/>
+                    <a:lstStyle/>
+                    <a:p>
+                      <a:pPr>
+                        <a:defRPr sz="1000"/>
+                      </a:pPr>
+                      <a:r>
+                        <a:t>...+</a:t>
+                      </a:r>
+                    </a:p>
+                  </a:txBody>
+                  <a:tcPr/>
+                </a:tc>
+                <a:tc>
+                  <a:txBody>
+                    <a:bodyPr/>
+                    <a:lstStyle/>
+                    <a:p>
+                      <a:pPr>
+                        <a:defRPr sz="1000"/>
+                      </a:pPr>
+                      <a:r>
+                        <a:t>675</a:t>
+                      </a:r>
+                    </a:p>
+                  </a:txBody>
+                  <a:tcPr/>
+                </a:tc>
+                <a:tc>
+                  <a:txBody>
+                    <a:bodyPr/>
+                    <a:lstStyle/>
+                    <a:p>
+                      <a:pPr>
+                        <a:defRPr sz="1000"/>
+                      </a:pPr>
+                      <a:r>
+                        <a:t>5</a:t>
+                      </a:r>
+                    </a:p>
+                  </a:txBody>
+                  <a:tcPr/>
+                </a:tc>
+                <a:tc>
+                  <a:txBody>
+                    <a:bodyPr/>
+                    <a:lstStyle/>
+                    <a:p>
+                      <a:pPr>
+                        <a:defRPr sz="1000"/>
+                      </a:pPr>
+                      <a:r>
+                        <a:t>5.0</a:t>
+                      </a:r>
+                    </a:p>
+                  </a:txBody>
+                  <a:tcPr/>
+                </a:tc>
+              </a:tr>
+              <a:tr h="195942">
+                <a:tc>
+                  <a:txBody>
+                    <a:bodyPr/>
+                    <a:lstStyle/>
+                    <a:p>
+                      <a:pPr>
+                        <a:defRPr sz="1000"/>
+                      </a:pPr>
+                      <a:r>
+                        <a:t>gsk-461364</a:t>
+                      </a:r>
+                    </a:p>
+                  </a:txBody>
+                  <a:tcPr/>
+                </a:tc>
+                <a:tc>
+                  <a:txBody>
+                    <a:bodyPr/>
+                    <a:lstStyle/>
+                    <a:p>
+                      <a:pPr>
+                        <a:defRPr sz="1000"/>
+                      </a:pPr>
+                      <a:r>
+                        <a:t>Plk1 inhibitor, less active against Plk2 and Plk3.</a:t>
+                      </a:r>
+                    </a:p>
+                  </a:txBody>
+                  <a:tcPr/>
+                </a:tc>
+                <a:tc>
+                  <a:txBody>
+                    <a:bodyPr/>
+                    <a:lstStyle/>
+                    <a:p>
+                      <a:pPr>
+                        <a:defRPr sz="1000"/>
+                      </a:pPr>
+                      <a:r>
+                        <a:t>...+</a:t>
+                      </a:r>
+                    </a:p>
+                  </a:txBody>
+                  <a:tcPr/>
+                </a:tc>
+                <a:tc>
+                  <a:txBody>
+                    <a:bodyPr/>
+                    <a:lstStyle/>
+                    <a:p>
+                      <a:pPr>
+                        <a:defRPr sz="1000"/>
+                      </a:pPr>
+                      <a:r>
+                        <a:t>676</a:t>
+                      </a:r>
+                    </a:p>
+                  </a:txBody>
+                  <a:tcPr/>
+                </a:tc>
+                <a:tc>
+                  <a:txBody>
+                    <a:bodyPr/>
+                    <a:lstStyle/>
+                    <a:p>
+                      <a:pPr>
+                        <a:defRPr sz="1000"/>
+                      </a:pPr>
+                      <a:r>
+                        <a:t>6</a:t>
+                      </a:r>
+                    </a:p>
+                  </a:txBody>
+                  <a:tcPr/>
+                </a:tc>
+                <a:tc>
+                  <a:txBody>
+                    <a:bodyPr/>
+                    <a:lstStyle/>
+                    <a:p>
+                      <a:pPr>
+                        <a:defRPr sz="1000"/>
+                      </a:pPr>
+                      <a:r>
+                        <a:t>6.0</a:t>
+                      </a:r>
+                    </a:p>
+                  </a:txBody>
+                  <a:tcPr/>
+                </a:tc>
+              </a:tr>
+              <a:tr h="195942">
+                <a:tc>
+                  <a:txBody>
+                    <a:bodyPr/>
+                    <a:lstStyle/>
+                    <a:p>
+                      <a:pPr>
+                        <a:defRPr sz="1000"/>
+                      </a:pPr>
+                      <a:r>
+                        <a:t>gsk429286a</a:t>
+                      </a:r>
+                    </a:p>
+                  </a:txBody>
+                  <a:tcPr/>
+                </a:tc>
+                <a:tc>
+                  <a:txBody>
+                    <a:bodyPr/>
+                    <a:lstStyle/>
+                    <a:p>
+                      <a:pPr>
+                        <a:defRPr sz="1000"/>
+                      </a:pPr>
+                      <a:r>
+                        <a:t>Not Clinically Relevant</a:t>
+                      </a:r>
+                    </a:p>
+                  </a:txBody>
+                  <a:tcPr/>
+                </a:tc>
+                <a:tc>
+                  <a:txBody>
+                    <a:bodyPr/>
+                    <a:lstStyle/>
+                    <a:p>
+                      <a:pPr>
+                        <a:defRPr sz="1000"/>
+                      </a:pPr>
+                      <a:r>
+                        <a:t>+...</a:t>
+                      </a:r>
+                    </a:p>
+                  </a:txBody>
+                  <a:tcPr/>
+                </a:tc>
+                <a:tc>
+                  <a:txBody>
+                    <a:bodyPr/>
+                    <a:lstStyle/>
+                    <a:p>
+                      <a:pPr>
+                        <a:defRPr sz="1000"/>
+                      </a:pPr>
+                      <a:r>
+                        <a:t>6</a:t>
+                      </a:r>
+                    </a:p>
+                  </a:txBody>
+                  <a:tcPr/>
+                </a:tc>
+                <a:tc>
+                  <a:txBody>
+                    <a:bodyPr/>
+                    <a:lstStyle/>
+                    <a:p>
+                      <a:pPr>
+                        <a:defRPr sz="1000"/>
+                      </a:pPr>
+                      <a:r>
+                        <a:t>180</a:t>
+                      </a:r>
+                    </a:p>
+                  </a:txBody>
+                  <a:tcPr/>
+                </a:tc>
+                <a:tc>
+                  <a:txBody>
+                    <a:bodyPr/>
+                    <a:lstStyle/>
+                    <a:p>
+                      <a:pPr>
+                        <a:defRPr sz="1000"/>
+                      </a:pPr>
+                      <a:r>
+                        <a:t>6.0</a:t>
+                      </a:r>
+                    </a:p>
+                  </a:txBody>
+                  <a:tcPr/>
+                </a:tc>
+              </a:tr>
+              <a:tr h="195942">
+                <a:tc>
+                  <a:txBody>
+                    <a:bodyPr/>
+                    <a:lstStyle/>
+                    <a:p>
+                      <a:pPr>
+                        <a:defRPr sz="1000"/>
+                      </a:pPr>
+                      <a:r>
+                        <a:t>vx-702</a:t>
+                      </a:r>
+                    </a:p>
+                  </a:txBody>
+                  <a:tcPr/>
+                </a:tc>
+                <a:tc>
+                  <a:txBody>
+                    <a:bodyPr/>
+                    <a:lstStyle/>
+                    <a:p>
+                      <a:pPr>
+                        <a:defRPr sz="1000"/>
+                      </a:pPr>
+                      <a:r>
+                        <a:t>Not Clinically Relevant</a:t>
+                      </a:r>
+                    </a:p>
+                  </a:txBody>
+                  <a:tcPr/>
+                </a:tc>
+                <a:tc>
+                  <a:txBody>
+                    <a:bodyPr/>
+                    <a:lstStyle/>
+                    <a:p>
+                      <a:pPr>
+                        <a:defRPr sz="1000"/>
+                      </a:pPr>
+                      <a:r>
+                        <a:t>+...</a:t>
+                      </a:r>
+                    </a:p>
+                  </a:txBody>
+                  <a:tcPr/>
+                </a:tc>
+                <a:tc>
+                  <a:txBody>
+                    <a:bodyPr/>
+                    <a:lstStyle/>
+                    <a:p>
+                      <a:pPr>
+                        <a:defRPr sz="1000"/>
+                      </a:pPr>
+                      <a:r>
+                        <a:t>7</a:t>
+                      </a:r>
+                    </a:p>
+                  </a:txBody>
+                  <a:tcPr/>
+                </a:tc>
+                <a:tc>
+                  <a:txBody>
+                    <a:bodyPr/>
+                    <a:lstStyle/>
+                    <a:p>
+                      <a:pPr>
+                        <a:defRPr sz="1000"/>
+                      </a:pPr>
+                      <a:r>
+                        <a:t>181</a:t>
+                      </a:r>
+                    </a:p>
+                  </a:txBody>
+                  <a:tcPr/>
+                </a:tc>
+                <a:tc>
+                  <a:txBody>
+                    <a:bodyPr/>
+                    <a:lstStyle/>
+                    <a:p>
+                      <a:pPr>
+                        <a:defRPr sz="1000"/>
+                      </a:pPr>
+                      <a:r>
+                        <a:t>7.0</a:t>
+                      </a:r>
+                    </a:p>
+                  </a:txBody>
+                  <a:tcPr/>
+                </a:tc>
+              </a:tr>
+              <a:tr h="195942">
+                <a:tc>
+                  <a:txBody>
+                    <a:bodyPr/>
+                    <a:lstStyle/>
+                    <a:p>
+                      <a:pPr>
+                        <a:defRPr sz="1000"/>
+                      </a:pPr>
+                      <a:r>
+                        <a:t>carmofur</a:t>
+                      </a:r>
+                    </a:p>
+                  </a:txBody>
+                  <a:tcPr/>
+                </a:tc>
+                <a:tc>
+                  <a:txBody>
+                    <a:bodyPr/>
+                    <a:lstStyle/>
+                    <a:p>
+                      <a:pPr>
+                        <a:defRPr sz="1000"/>
+                      </a:pPr>
+                      <a:r>
+                        <a:t>derivative of fluorouracil, pyrimidine analog</a:t>
+                      </a:r>
+                    </a:p>
+                  </a:txBody>
+                  <a:tcPr/>
+                </a:tc>
+                <a:tc>
+                  <a:txBody>
+                    <a:bodyPr/>
+                    <a:lstStyle/>
+                    <a:p>
+                      <a:pPr>
+                        <a:defRPr sz="1000"/>
+                      </a:pPr>
+                      <a:r>
+                        <a:t>...+</a:t>
+                      </a:r>
+                    </a:p>
+                  </a:txBody>
+                  <a:tcPr/>
+                </a:tc>
+                <a:tc>
+                  <a:txBody>
+                    <a:bodyPr/>
+                    <a:lstStyle/>
+                    <a:p>
+                      <a:pPr>
+                        <a:defRPr sz="1000"/>
+                      </a:pPr>
+                      <a:r>
+                        <a:t>678</a:t>
+                      </a:r>
+                    </a:p>
+                  </a:txBody>
+                  <a:tcPr/>
+                </a:tc>
+                <a:tc>
+                  <a:txBody>
+                    <a:bodyPr/>
+                    <a:lstStyle/>
+                    <a:p>
+                      <a:pPr>
+                        <a:defRPr sz="1000"/>
+                      </a:pPr>
+                      <a:r>
+                        <a:t>7</a:t>
+                      </a:r>
+                    </a:p>
+                  </a:txBody>
+                  <a:tcPr/>
+                </a:tc>
+                <a:tc>
+                  <a:txBody>
+                    <a:bodyPr/>
+                    <a:lstStyle/>
+                    <a:p>
+                      <a:pPr>
+                        <a:defRPr sz="1000"/>
+                      </a:pPr>
+                      <a:r>
+                        <a:t>7.0</a:t>
+                      </a:r>
+                    </a:p>
+                  </a:txBody>
+                  <a:tcPr/>
+                </a:tc>
+              </a:tr>
+              <a:tr h="195942">
+                <a:tc>
+                  <a:txBody>
+                    <a:bodyPr/>
+                    <a:lstStyle/>
+                    <a:p>
+                      <a:pPr>
+                        <a:defRPr sz="1000"/>
+                      </a:pPr>
+                      <a:r>
+                        <a:t>tubastatin a</a:t>
+                      </a:r>
+                    </a:p>
+                  </a:txBody>
+                  <a:tcPr/>
+                </a:tc>
+                <a:tc>
+                  <a:txBody>
+                    <a:bodyPr/>
+                    <a:lstStyle/>
+                    <a:p>
+                      <a:pPr>
+                        <a:defRPr sz="1000"/>
+                      </a:pPr>
+                      <a:r>
+                        <a:t>Not Clinically Relevant</a:t>
+                      </a:r>
+                    </a:p>
+                  </a:txBody>
+                  <a:tcPr/>
+                </a:tc>
+                <a:tc>
+                  <a:txBody>
+                    <a:bodyPr/>
+                    <a:lstStyle/>
+                    <a:p>
+                      <a:pPr>
+                        <a:defRPr sz="1000"/>
+                      </a:pPr>
+                      <a:r>
+                        <a:t>++..</a:t>
+                      </a:r>
+                    </a:p>
+                  </a:txBody>
+                  <a:tcPr/>
+                </a:tc>
+                <a:tc>
+                  <a:txBody>
+                    <a:bodyPr/>
+                    <a:lstStyle/>
+                    <a:p>
+                      <a:pPr>
+                        <a:defRPr sz="1000"/>
+                      </a:pPr>
+                      <a:r>
+                        <a:t>9</a:t>
+                      </a:r>
+                    </a:p>
+                  </a:txBody>
+                  <a:tcPr/>
+                </a:tc>
+                <a:tc>
+                  <a:txBody>
+                    <a:bodyPr/>
+                    <a:lstStyle/>
+                    <a:p>
+                      <a:pPr>
+                        <a:defRPr sz="1000"/>
+                      </a:pPr>
+                      <a:r>
+                        <a:t>182</a:t>
+                      </a:r>
+                    </a:p>
+                  </a:txBody>
+                  <a:tcPr/>
+                </a:tc>
+                <a:tc>
+                  <a:txBody>
+                    <a:bodyPr/>
+                    <a:lstStyle/>
+                    <a:p>
+                      <a:pPr>
+                        <a:defRPr sz="1000"/>
+                      </a:pPr>
+                      <a:r>
+                        <a:t>9.0</a:t>
+                      </a:r>
+                    </a:p>
+                  </a:txBody>
+                  <a:tcPr/>
+                </a:tc>
+              </a:tr>
+              <a:tr h="195942">
+                <a:tc>
+                  <a:txBody>
+                    <a:bodyPr/>
+                    <a:lstStyle/>
+                    <a:p>
+                      <a:pPr>
+                        <a:defRPr sz="1000"/>
+                      </a:pPr>
+                      <a:r>
+                        <a:t>amsacrine</a:t>
+                      </a:r>
+                    </a:p>
+                  </a:txBody>
+                  <a:tcPr/>
+                </a:tc>
+                <a:tc>
+                  <a:txBody>
+                    <a:bodyPr/>
+                    <a:lstStyle/>
+                    <a:p>
+                      <a:pPr>
+                        <a:defRPr sz="1000"/>
+                      </a:pPr>
+                      <a:r>
+                        <a:t>Intercalator, inhibits Topo II and blocks both DNA replication and transcription, used in ALL</a:t>
+                      </a:r>
+                    </a:p>
+                  </a:txBody>
+                  <a:tcPr/>
+                </a:tc>
+                <a:tc>
+                  <a:txBody>
+                    <a:bodyPr/>
+                    <a:lstStyle/>
+                    <a:p>
+                      <a:pPr>
+                        <a:defRPr sz="1000"/>
+                      </a:pPr>
+                      <a:r>
+                        <a:t>...+</a:t>
+                      </a:r>
+                    </a:p>
+                  </a:txBody>
+                  <a:tcPr/>
+                </a:tc>
+                <a:tc>
+                  <a:txBody>
+                    <a:bodyPr/>
+                    <a:lstStyle/>
+                    <a:p>
+                      <a:pPr>
+                        <a:defRPr sz="1000"/>
+                      </a:pPr>
+                      <a:r>
+                        <a:t>679</a:t>
+                      </a:r>
+                    </a:p>
+                  </a:txBody>
+                  <a:tcPr/>
+                </a:tc>
+                <a:tc>
+                  <a:txBody>
+                    <a:bodyPr/>
+                    <a:lstStyle/>
+                    <a:p>
+                      <a:pPr>
+                        <a:defRPr sz="1000"/>
+                      </a:pPr>
+                      <a:r>
+                        <a:t>9</a:t>
+                      </a:r>
+                    </a:p>
+                  </a:txBody>
+                  <a:tcPr/>
+                </a:tc>
+                <a:tc>
+                  <a:txBody>
+                    <a:bodyPr/>
+                    <a:lstStyle/>
+                    <a:p>
+                      <a:pPr>
+                        <a:defRPr sz="1000"/>
+                      </a:pPr>
+                      <a:r>
+                        <a:t>9.0</a:t>
+                      </a:r>
+                    </a:p>
+                  </a:txBody>
+                  <a:tcPr/>
+                </a:tc>
+              </a:tr>
+              <a:tr h="195942">
+                <a:tc>
+                  <a:txBody>
+                    <a:bodyPr/>
+                    <a:lstStyle/>
+                    <a:p>
+                      <a:pPr>
+                        <a:defRPr sz="1000"/>
+                      </a:pPr>
+                      <a:r>
+                        <a:t>bx-912</a:t>
+                      </a:r>
+                    </a:p>
+                  </a:txBody>
+                  <a:tcPr/>
+                </a:tc>
+                <a:tc>
+                  <a:txBody>
+                    <a:bodyPr/>
+                    <a:lstStyle/>
+                    <a:p>
+                      <a:pPr>
+                        <a:defRPr sz="1000"/>
+                      </a:pPr>
+                      <a:r>
+                        <a:t>Not Clinically Relevant</a:t>
+                      </a:r>
+                    </a:p>
+                  </a:txBody>
+                  <a:tcPr/>
+                </a:tc>
+                <a:tc>
+                  <a:txBody>
+                    <a:bodyPr/>
+                    <a:lstStyle/>
+                    <a:p>
+                      <a:pPr>
+                        <a:defRPr sz="1000"/>
+                      </a:pPr>
+                      <a:r>
+                        <a:t>+...</a:t>
+                      </a:r>
+                    </a:p>
+                  </a:txBody>
+                  <a:tcPr/>
+                </a:tc>
+                <a:tc>
+                  <a:txBody>
+                    <a:bodyPr/>
+                    <a:lstStyle/>
+                    <a:p>
+                      <a:pPr>
+                        <a:defRPr sz="1000"/>
+                      </a:pPr>
+                      <a:r>
+                        <a:t>10</a:t>
+                      </a:r>
+                    </a:p>
+                  </a:txBody>
+                  <a:tcPr/>
+                </a:tc>
+                <a:tc>
+                  <a:txBody>
+                    <a:bodyPr/>
+                    <a:lstStyle/>
+                    <a:p>
+                      <a:pPr>
+                        <a:defRPr sz="1000"/>
+                      </a:pPr>
+                      <a:r>
+                        <a:t>183</a:t>
+                      </a:r>
+                    </a:p>
+                  </a:txBody>
+                  <a:tcPr/>
+                </a:tc>
+                <a:tc>
+                  <a:txBody>
+                    <a:bodyPr/>
+                    <a:lstStyle/>
+                    <a:p>
+                      <a:pPr>
+                        <a:defRPr sz="1000"/>
+                      </a:pPr>
+                      <a:r>
+                        <a:t>10.0</a:t>
+                      </a:r>
+                    </a:p>
+                  </a:txBody>
+                  <a:tcPr/>
+                </a:tc>
+              </a:tr>
+              <a:tr h="195942">
+                <a:tc>
+                  <a:txBody>
+                    <a:bodyPr/>
+                    <a:lstStyle/>
+                    <a:p>
+                      <a:pPr>
+                        <a:defRPr sz="1000"/>
+                      </a:pPr>
+                      <a:r>
+                        <a:t>raltitrexed</a:t>
+                      </a:r>
+                    </a:p>
+                  </a:txBody>
+                  <a:tcPr/>
+                </a:tc>
+                <a:tc>
+                  <a:txBody>
+                    <a:bodyPr/>
+                    <a:lstStyle/>
+                    <a:p>
+                      <a:pPr>
+                        <a:defRPr sz="1000"/>
+                      </a:pPr>
+                      <a:r>
+                        <a:t>antimetabolite,  inhibitor of thymidylate synthase</a:t>
+                      </a:r>
+                    </a:p>
+                  </a:txBody>
+                  <a:tcPr/>
+                </a:tc>
+                <a:tc>
+                  <a:txBody>
+                    <a:bodyPr/>
+                    <a:lstStyle/>
+                    <a:p>
+                      <a:pPr>
+                        <a:defRPr sz="1000"/>
+                      </a:pPr>
+                      <a:r>
+                        <a:t>...+</a:t>
+                      </a:r>
+                    </a:p>
+                  </a:txBody>
+                  <a:tcPr/>
+                </a:tc>
+                <a:tc>
+                  <a:txBody>
+                    <a:bodyPr/>
+                    <a:lstStyle/>
+                    <a:p>
+                      <a:pPr>
+                        <a:defRPr sz="1000"/>
+                      </a:pPr>
+                      <a:r>
+                        <a:t>680</a:t>
+                      </a:r>
+                    </a:p>
+                  </a:txBody>
+                  <a:tcPr/>
+                </a:tc>
+                <a:tc>
+                  <a:txBody>
+                    <a:bodyPr/>
+                    <a:lstStyle/>
+                    <a:p>
+                      <a:pPr>
+                        <a:defRPr sz="1000"/>
+                      </a:pPr>
+                      <a:r>
+                        <a:t>10</a:t>
+                      </a:r>
+                    </a:p>
+                  </a:txBody>
+                  <a:tcPr/>
+                </a:tc>
+                <a:tc>
+                  <a:txBody>
+                    <a:bodyPr/>
+                    <a:lstStyle/>
+                    <a:p>
+                      <a:pPr>
+                        <a:defRPr sz="1000"/>
+                      </a:pPr>
+                      <a:r>
+                        <a:t>10.0</a:t>
+                      </a:r>
+                    </a:p>
+                  </a:txBody>
+                  <a:tcPr/>
+                </a:tc>
+              </a:tr>
+              <a:tr h="195942">
+                <a:tc>
+                  <a:txBody>
+                    <a:bodyPr/>
+                    <a:lstStyle/>
+                    <a:p>
+                      <a:pPr>
+                        <a:defRPr sz="1000"/>
+                      </a:pPr>
+                      <a:r>
+                        <a:t>rucaparib</a:t>
+                      </a:r>
+                    </a:p>
+                  </a:txBody>
+                  <a:tcPr/>
+                </a:tc>
+                <a:tc>
+                  <a:txBody>
+                    <a:bodyPr/>
+                    <a:lstStyle/>
+                    <a:p>
+                      <a:pPr>
+                        <a:defRPr sz="1000"/>
+                      </a:pPr>
+                      <a:r>
+                        <a:t>PARP inhibitor, inhibits DNA repair</a:t>
+                      </a:r>
+                    </a:p>
+                  </a:txBody>
+                  <a:tcPr/>
+                </a:tc>
+                <a:tc>
+                  <a:txBody>
+                    <a:bodyPr/>
+                    <a:lstStyle/>
+                    <a:p>
+                      <a:pPr>
+                        <a:defRPr sz="1000"/>
+                      </a:pPr>
+                      <a:r>
+                        <a:t>+..+</a:t>
+                      </a:r>
+                    </a:p>
+                  </a:txBody>
+                  <a:tcPr/>
+                </a:tc>
+                <a:tc>
+                  <a:txBody>
+                    <a:bodyPr/>
+                    <a:lstStyle/>
+                    <a:p>
+                      <a:pPr>
+                        <a:defRPr sz="1000"/>
+                      </a:pPr>
+                      <a:r>
+                        <a:t>13</a:t>
+                      </a:r>
+                    </a:p>
+                  </a:txBody>
+                  <a:tcPr/>
+                </a:tc>
+                <a:tc>
+                  <a:txBody>
+                    <a:bodyPr/>
+                    <a:lstStyle/>
+                    <a:p>
+                      <a:pPr>
+                        <a:defRPr sz="1000"/>
+                      </a:pPr>
+                      <a:r>
+                        <a:t>8</a:t>
+                      </a:r>
+                    </a:p>
+                  </a:txBody>
+                  <a:tcPr/>
+                </a:tc>
+                <a:tc>
+                  <a:txBody>
+                    <a:bodyPr/>
+                    <a:lstStyle/>
+                    <a:p>
+                      <a:pPr>
+                        <a:defRPr sz="1000"/>
+                      </a:pPr>
+                      <a:r>
+                        <a:t>10.5</a:t>
+                      </a:r>
+                    </a:p>
+                  </a:txBody>
+                  <a:tcPr/>
+                </a:tc>
+              </a:tr>
+              <a:tr h="195942">
+                <a:tc>
+                  <a:txBody>
+                    <a:bodyPr/>
+                    <a:lstStyle/>
+                    <a:p>
+                      <a:pPr>
+                        <a:defRPr sz="1000"/>
+                      </a:pPr>
+                      <a:r>
+                        <a:t>gw-2580</a:t>
+                      </a:r>
+                    </a:p>
+                  </a:txBody>
+                  <a:tcPr/>
+                </a:tc>
+                <a:tc>
+                  <a:txBody>
+                    <a:bodyPr/>
+                    <a:lstStyle/>
+                    <a:p>
+                      <a:pPr>
+                        <a:defRPr sz="1000"/>
+                      </a:pPr>
+                      <a:r>
+                        <a:t>Not Clinically Relevant</a:t>
+                      </a:r>
+                    </a:p>
+                  </a:txBody>
+                  <a:tcPr/>
+                </a:tc>
+                <a:tc>
+                  <a:txBody>
+                    <a:bodyPr/>
+                    <a:lstStyle/>
+                    <a:p>
+                      <a:pPr>
+                        <a:defRPr sz="1000"/>
+                      </a:pPr>
+                      <a:r>
+                        <a:t>+...</a:t>
+                      </a:r>
+                    </a:p>
+                  </a:txBody>
+                  <a:tcPr/>
+                </a:tc>
+                <a:tc>
+                  <a:txBody>
+                    <a:bodyPr/>
+                    <a:lstStyle/>
+                    <a:p>
+                      <a:pPr>
+                        <a:defRPr sz="1000"/>
+                      </a:pPr>
+                      <a:r>
+                        <a:t>12</a:t>
+                      </a:r>
+                    </a:p>
+                  </a:txBody>
+                  <a:tcPr/>
+                </a:tc>
+                <a:tc>
+                  <a:txBody>
+                    <a:bodyPr/>
+                    <a:lstStyle/>
+                    <a:p>
+                      <a:pPr>
+                        <a:defRPr sz="1000"/>
+                      </a:pPr>
+                      <a:r>
+                        <a:t>184</a:t>
+                      </a:r>
+                    </a:p>
+                  </a:txBody>
+                  <a:tcPr/>
+                </a:tc>
+                <a:tc>
+                  <a:txBody>
+                    <a:bodyPr/>
+                    <a:lstStyle/>
+                    <a:p>
+                      <a:pPr>
+                        <a:defRPr sz="1000"/>
+                      </a:pPr>
+                      <a:r>
+                        <a:t>12.0</a:t>
+                      </a:r>
+                    </a:p>
+                  </a:txBody>
+                  <a:tcPr/>
+                </a:tc>
+              </a:tr>
+              <a:tr h="195942">
+                <a:tc>
+                  <a:txBody>
+                    <a:bodyPr/>
+                    <a:lstStyle/>
+                    <a:p>
+                      <a:pPr>
+                        <a:defRPr sz="1000"/>
+                      </a:pPr>
+                      <a:r>
+                        <a:t>thiotepa</a:t>
+                      </a:r>
+                    </a:p>
+                  </a:txBody>
+                  <a:tcPr/>
+                </a:tc>
+                <a:tc>
+                  <a:txBody>
+                    <a:bodyPr/>
+                    <a:lstStyle/>
+                    <a:p>
+                      <a:pPr>
+                        <a:defRPr sz="1000"/>
+                      </a:pPr>
+                      <a:r>
+                        <a:t>alkylating agent, ethylenimine family, causes crosslinks in DNA, which prevents DNA replication and DNA transcription</a:t>
+                      </a:r>
+                    </a:p>
+                  </a:txBody>
+                  <a:tcPr/>
+                </a:tc>
+                <a:tc>
+                  <a:txBody>
+                    <a:bodyPr/>
+                    <a:lstStyle/>
+                    <a:p>
+                      <a:pPr>
+                        <a:defRPr sz="1000"/>
+                      </a:pPr>
+                      <a:r>
+                        <a:t>...+</a:t>
+                      </a:r>
+                    </a:p>
+                  </a:txBody>
+                  <a:tcPr/>
+                </a:tc>
+                <a:tc>
+                  <a:txBody>
+                    <a:bodyPr/>
+                    <a:lstStyle/>
+                    <a:p>
+                      <a:pPr>
+                        <a:defRPr sz="1000"/>
+                      </a:pPr>
+                      <a:r>
+                        <a:t>681</a:t>
+                      </a:r>
+                    </a:p>
+                  </a:txBody>
+                  <a:tcPr/>
+                </a:tc>
+                <a:tc>
+                  <a:txBody>
+                    <a:bodyPr/>
+                    <a:lstStyle/>
+                    <a:p>
+                      <a:pPr>
+                        <a:defRPr sz="1000"/>
+                      </a:pPr>
+                      <a:r>
+                        <a:t>13</a:t>
+                      </a:r>
+                    </a:p>
+                  </a:txBody>
+                  <a:tcPr/>
+                </a:tc>
+                <a:tc>
+                  <a:txBody>
+                    <a:bodyPr/>
+                    <a:lstStyle/>
+                    <a:p>
+                      <a:pPr>
+                        <a:defRPr sz="1000"/>
+                      </a:pPr>
+                      <a:r>
+                        <a:t>13.0</a:t>
+                      </a:r>
+                    </a:p>
+                  </a:txBody>
+                  <a:tcPr/>
+                </a:tc>
+              </a:tr>
+              <a:tr h="195942">
+                <a:tc>
+                  <a:txBody>
+                    <a:bodyPr/>
+                    <a:lstStyle/>
+                    <a:p>
+                      <a:pPr>
+                        <a:defRPr sz="1000"/>
+                      </a:pPr>
+                      <a:r>
+                        <a:t>amuvatinib</a:t>
+                      </a:r>
+                    </a:p>
+                  </a:txBody>
+                  <a:tcPr/>
+                </a:tc>
+                <a:tc>
+                  <a:txBody>
+                    <a:bodyPr/>
+                    <a:lstStyle/>
+                    <a:p>
+                      <a:pPr>
+                        <a:defRPr sz="1000"/>
+                      </a:pPr>
+                      <a:r>
+                        <a:t>Not Clinically Relevant</a:t>
+                      </a:r>
+                    </a:p>
+                  </a:txBody>
+                  <a:tcPr/>
+                </a:tc>
+                <a:tc>
+                  <a:txBody>
+                    <a:bodyPr/>
+                    <a:lstStyle/>
+                    <a:p>
+                      <a:pPr>
+                        <a:defRPr sz="1000"/>
+                      </a:pPr>
+                      <a:r>
+                        <a:t>+...</a:t>
+                      </a:r>
+                    </a:p>
+                  </a:txBody>
+                  <a:tcPr/>
+                </a:tc>
+                <a:tc>
+                  <a:txBody>
+                    <a:bodyPr/>
+                    <a:lstStyle/>
+                    <a:p>
+                      <a:pPr>
+                        <a:defRPr sz="1000"/>
+                      </a:pPr>
+                      <a:r>
+                        <a:t>14</a:t>
+                      </a:r>
+                    </a:p>
+                  </a:txBody>
+                  <a:tcPr/>
+                </a:tc>
+                <a:tc>
+                  <a:txBody>
+                    <a:bodyPr/>
+                    <a:lstStyle/>
+                    <a:p>
+                      <a:pPr>
+                        <a:defRPr sz="1000"/>
+                      </a:pPr>
+                      <a:r>
+                        <a:t>185</a:t>
+                      </a:r>
+                    </a:p>
+                  </a:txBody>
+                  <a:tcPr/>
+                </a:tc>
+                <a:tc>
+                  <a:txBody>
+                    <a:bodyPr/>
+                    <a:lstStyle/>
+                    <a:p>
+                      <a:pPr>
+                        <a:defRPr sz="1000"/>
+                      </a:pPr>
+                      <a:r>
+                        <a:t>14.0</a:t>
+                      </a:r>
+                    </a:p>
+                  </a:txBody>
+                  <a:tcPr/>
+                </a:tc>
+              </a:tr>
+              <a:tr h="195960">
+                <a:tc>
+                  <a:txBody>
+                    <a:bodyPr/>
+                    <a:lstStyle/>
+                    <a:p>
+                      <a:pPr>
+                        <a:defRPr sz="1000"/>
+                      </a:pPr>
+                      <a:r>
+                        <a:t>xmd14-99</a:t>
+                      </a:r>
+                    </a:p>
+                  </a:txBody>
+                  <a:tcPr/>
+                </a:tc>
+                <a:tc>
+                  <a:txBody>
+                    <a:bodyPr/>
+                    <a:lstStyle/>
+                    <a:p>
+                      <a:pPr>
+                        <a:defRPr sz="1000"/>
+                      </a:pPr>
+                      <a:r>
+                        <a:t>Not Clinically Relevant</a:t>
+                      </a:r>
+                    </a:p>
+                  </a:txBody>
+                  <a:tcPr/>
+                </a:tc>
+                <a:tc>
+                  <a:txBody>
+                    <a:bodyPr/>
+                    <a:lstStyle/>
+                    <a:p>
+                      <a:pPr>
+                        <a:defRPr sz="1000"/>
+                      </a:pPr>
+                      <a:r>
+                        <a:t>+...</a:t>
+                      </a:r>
+                    </a:p>
+                  </a:txBody>
+                  <a:tcPr/>
+                </a:tc>
+                <a:tc>
+                  <a:txBody>
+                    <a:bodyPr/>
+                    <a:lstStyle/>
+                    <a:p>
+                      <a:pPr>
+                        <a:defRPr sz="1000"/>
+                      </a:pPr>
+                      <a:r>
+                        <a:t>15</a:t>
+                      </a:r>
+                    </a:p>
+                  </a:txBody>
+                  <a:tcPr/>
+                </a:tc>
+                <a:tc>
+                  <a:txBody>
+                    <a:bodyPr/>
+                    <a:lstStyle/>
+                    <a:p>
+                      <a:pPr>
+                        <a:defRPr sz="1000"/>
+                      </a:pPr>
+                      <a:r>
+                        <a:t>186</a:t>
+                      </a:r>
+                    </a:p>
+                  </a:txBody>
+                  <a:tcPr/>
+                </a:tc>
+                <a:tc>
+                  <a:txBody>
+                    <a:bodyPr/>
+                    <a:lstStyle/>
+                    <a:p>
+                      <a:pPr>
+                        <a:defRPr sz="1000"/>
+                      </a:pPr>
+                      <a:r>
+                        <a:t>15.0</a:t>
                       </a:r>
                     </a:p>
                   </a:txBody>

--- a/Notebooks/patients/MED1911/MED1911.mtb_slides.pptx
+++ b/Notebooks/patients/MED1911/MED1911.mtb_slides.pptx
@@ -10,6 +10,9 @@
     <p:sldId id="258" r:id="rId9"/>
     <p:sldId id="259" r:id="rId10"/>
     <p:sldId id="260" r:id="rId11"/>
+    <p:sldId id="261" r:id="rId12"/>
+    <p:sldId id="262" r:id="rId13"/>
+    <p:sldId id="263" r:id="rId14"/>
   </p:sldIdLst>
   <p:sldSz cx="9144000" cy="6858000" type="screen4x3"/>
   <p:notesSz cx="6858000" cy="9144000"/>
@@ -9965,6 +9968,4441 @@
 </p:sld>
 </file>
 
+<file path=ppt/slides/slide6.xml><?xml version="1.0" encoding="utf-8"?>
+<p:sld xmlns:a="http://schemas.openxmlformats.org/drawingml/2006/main" xmlns:p="http://schemas.openxmlformats.org/presentationml/2006/main" xmlns:r="http://schemas.openxmlformats.org/officeDocument/2006/relationships">
+  <p:cSld>
+    <p:spTree>
+      <p:nvGrpSpPr>
+        <p:cNvPr id="1" name=""/>
+        <p:cNvGrpSpPr/>
+        <p:nvPr/>
+      </p:nvGrpSpPr>
+      <p:grpSpPr/>
+      <p:sp>
+        <p:nvSpPr>
+          <p:cNvPr id="2" name="TextBox 1"/>
+          <p:cNvSpPr txBox="1"/>
+          <p:nvPr/>
+        </p:nvSpPr>
+        <p:spPr>
+          <a:xfrm>
+            <a:off x="0" y="0"/>
+            <a:ext cx="9144000" cy="685800"/>
+          </a:xfrm>
+          <a:prstGeom prst="rect">
+            <a:avLst/>
+          </a:prstGeom>
+          <a:noFill/>
+        </p:spPr>
+        <p:txBody>
+          <a:bodyPr wrap="none">
+            <a:spAutoFit/>
+          </a:bodyPr>
+          <a:lstStyle/>
+          <a:p/>
+          <a:p>
+            <a:pPr>
+              <a:defRPr sz="2600"/>
+            </a:pPr>
+            <a:r>
+              <a:t>DiSCoVER: top drugs (cerebellar stem cell control)</a:t>
+            </a:r>
+          </a:p>
+        </p:txBody>
+      </p:sp>
+      <p:graphicFrame>
+        <p:nvGraphicFramePr>
+          <p:cNvPr id="3" name="Table 2"/>
+          <p:cNvGraphicFramePr>
+            <a:graphicFrameLocks noGrp="1"/>
+          </p:cNvGraphicFramePr>
+          <p:nvPr/>
+        </p:nvGraphicFramePr>
+        <p:xfrm>
+          <a:off x="411480" y="777240"/>
+          <a:ext cx="8275320" cy="4114800"/>
+        </p:xfrm>
+        <a:graphic>
+          <a:graphicData uri="http://schemas.openxmlformats.org/drawingml/2006/table">
+            <a:tbl>
+              <a:tblPr firstRow="1" bandRow="1">
+                <a:tableStyleId>{5C22544A-7EE6-4342-B048-85BDC9FD1C3A}</a:tableStyleId>
+              </a:tblPr>
+              <a:tblGrid>
+                <a:gridCol w="1005840"/>
+                <a:gridCol w="731520"/>
+                <a:gridCol w="1051560"/>
+                <a:gridCol w="5486400"/>
+              </a:tblGrid>
+              <a:tr h="195942">
+                <a:tc>
+                  <a:txBody>
+                    <a:bodyPr/>
+                    <a:lstStyle/>
+                    <a:p>
+                      <a:r>
+                        <a:t>Drug</a:t>
+                      </a:r>
+                    </a:p>
+                  </a:txBody>
+                  <a:tcPr/>
+                </a:tc>
+                <a:tc>
+                  <a:txBody>
+                    <a:bodyPr/>
+                    <a:lstStyle/>
+                    <a:p>
+                      <a:r>
+                        <a:t>Score</a:t>
+                      </a:r>
+                    </a:p>
+                  </a:txBody>
+                  <a:tcPr/>
+                </a:tc>
+                <a:tc>
+                  <a:txBody>
+                    <a:bodyPr/>
+                    <a:lstStyle/>
+                    <a:p>
+                      <a:r>
+                        <a:t>Evidence</a:t>
+                      </a:r>
+                    </a:p>
+                  </a:txBody>
+                  <a:tcPr/>
+                </a:tc>
+                <a:tc>
+                  <a:txBody>
+                    <a:bodyPr/>
+                    <a:lstStyle/>
+                    <a:p>
+                      <a:r>
+                        <a:t>Mechanism of action</a:t>
+                      </a:r>
+                    </a:p>
+                  </a:txBody>
+                  <a:tcPr/>
+                </a:tc>
+              </a:tr>
+              <a:tr h="195942">
+                <a:tc>
+                  <a:txBody>
+                    <a:bodyPr/>
+                    <a:lstStyle/>
+                    <a:p>
+                      <a:pPr>
+                        <a:defRPr sz="1050"/>
+                      </a:pPr>
+                      <a:r>
+                        <a:t>alectinib</a:t>
+                      </a:r>
+                    </a:p>
+                  </a:txBody>
+                  <a:tcPr/>
+                </a:tc>
+                <a:tc>
+                  <a:txBody>
+                    <a:bodyPr/>
+                    <a:lstStyle/>
+                    <a:p>
+                      <a:pPr>
+                        <a:defRPr sz="1050"/>
+                      </a:pPr>
+                      <a:r>
+                        <a:t>0.69</a:t>
+                      </a:r>
+                    </a:p>
+                  </a:txBody>
+                  <a:tcPr/>
+                </a:tc>
+                <a:tc>
+                  <a:txBody>
+                    <a:bodyPr/>
+                    <a:lstStyle/>
+                    <a:p>
+                      <a:pPr>
+                        <a:defRPr sz="1050"/>
+                      </a:pPr>
+                      <a:r>
+                        <a:t>+..</a:t>
+                      </a:r>
+                    </a:p>
+                  </a:txBody>
+                  <a:tcPr/>
+                </a:tc>
+                <a:tc>
+                  <a:txBody>
+                    <a:bodyPr/>
+                    <a:lstStyle/>
+                    <a:p>
+                      <a:pPr>
+                        <a:defRPr sz="1050"/>
+                      </a:pPr>
+                      <a:r>
+                        <a:t>ALK inhibitor, used to treat non-small-cell lung cancer (NSCLC)</a:t>
+                      </a:r>
+                    </a:p>
+                  </a:txBody>
+                  <a:tcPr/>
+                </a:tc>
+              </a:tr>
+              <a:tr h="195942">
+                <a:tc>
+                  <a:txBody>
+                    <a:bodyPr/>
+                    <a:lstStyle/>
+                    <a:p>
+                      <a:pPr>
+                        <a:defRPr sz="1050"/>
+                      </a:pPr>
+                      <a:r>
+                        <a:t>gsk1070916</a:t>
+                      </a:r>
+                    </a:p>
+                  </a:txBody>
+                  <a:tcPr/>
+                </a:tc>
+                <a:tc>
+                  <a:txBody>
+                    <a:bodyPr/>
+                    <a:lstStyle/>
+                    <a:p>
+                      <a:pPr>
+                        <a:defRPr sz="1050"/>
+                      </a:pPr>
+                      <a:r>
+                        <a:t>0.65</a:t>
+                      </a:r>
+                    </a:p>
+                  </a:txBody>
+                  <a:tcPr/>
+                </a:tc>
+                <a:tc>
+                  <a:txBody>
+                    <a:bodyPr/>
+                    <a:lstStyle/>
+                    <a:p>
+                      <a:pPr>
+                        <a:defRPr sz="1050"/>
+                      </a:pPr>
+                      <a:r>
+                        <a:t>+..</a:t>
+                      </a:r>
+                    </a:p>
+                  </a:txBody>
+                  <a:tcPr/>
+                </a:tc>
+                <a:tc>
+                  <a:txBody>
+                    <a:bodyPr/>
+                    <a:lstStyle/>
+                    <a:p>
+                      <a:pPr>
+                        <a:defRPr sz="1050"/>
+                      </a:pPr>
+                      <a:r>
+                        <a:t>Not Clinically Relevant</a:t>
+                      </a:r>
+                    </a:p>
+                  </a:txBody>
+                  <a:tcPr/>
+                </a:tc>
+              </a:tr>
+              <a:tr h="195942">
+                <a:tc>
+                  <a:txBody>
+                    <a:bodyPr/>
+                    <a:lstStyle/>
+                    <a:p>
+                      <a:pPr>
+                        <a:defRPr sz="1050"/>
+                      </a:pPr>
+                      <a:r>
+                        <a:t>tl-2-105</a:t>
+                      </a:r>
+                    </a:p>
+                  </a:txBody>
+                  <a:tcPr/>
+                </a:tc>
+                <a:tc>
+                  <a:txBody>
+                    <a:bodyPr/>
+                    <a:lstStyle/>
+                    <a:p>
+                      <a:pPr>
+                        <a:defRPr sz="1050"/>
+                      </a:pPr>
+                      <a:r>
+                        <a:t>0.63</a:t>
+                      </a:r>
+                    </a:p>
+                  </a:txBody>
+                  <a:tcPr/>
+                </a:tc>
+                <a:tc>
+                  <a:txBody>
+                    <a:bodyPr/>
+                    <a:lstStyle/>
+                    <a:p>
+                      <a:pPr>
+                        <a:defRPr sz="1050"/>
+                      </a:pPr>
+                      <a:r>
+                        <a:t>+..</a:t>
+                      </a:r>
+                    </a:p>
+                  </a:txBody>
+                  <a:tcPr/>
+                </a:tc>
+                <a:tc>
+                  <a:txBody>
+                    <a:bodyPr/>
+                    <a:lstStyle/>
+                    <a:p>
+                      <a:pPr>
+                        <a:defRPr sz="1050"/>
+                      </a:pPr>
+                      <a:r>
+                        <a:t>Not Clinically Relevant</a:t>
+                      </a:r>
+                    </a:p>
+                  </a:txBody>
+                  <a:tcPr/>
+                </a:tc>
+              </a:tr>
+              <a:tr h="195942">
+                <a:tc>
+                  <a:txBody>
+                    <a:bodyPr/>
+                    <a:lstStyle/>
+                    <a:p>
+                      <a:pPr>
+                        <a:defRPr sz="1050"/>
+                      </a:pPr>
+                      <a:r>
+                        <a:t>sb52334</a:t>
+                      </a:r>
+                    </a:p>
+                  </a:txBody>
+                  <a:tcPr/>
+                </a:tc>
+                <a:tc>
+                  <a:txBody>
+                    <a:bodyPr/>
+                    <a:lstStyle/>
+                    <a:p>
+                      <a:pPr>
+                        <a:defRPr sz="1050"/>
+                      </a:pPr>
+                      <a:r>
+                        <a:t>0.62</a:t>
+                      </a:r>
+                    </a:p>
+                  </a:txBody>
+                  <a:tcPr/>
+                </a:tc>
+                <a:tc>
+                  <a:txBody>
+                    <a:bodyPr/>
+                    <a:lstStyle/>
+                    <a:p>
+                      <a:pPr>
+                        <a:defRPr sz="1050"/>
+                      </a:pPr>
+                      <a:r>
+                        <a:t>+..</a:t>
+                      </a:r>
+                    </a:p>
+                  </a:txBody>
+                  <a:tcPr/>
+                </a:tc>
+                <a:tc>
+                  <a:txBody>
+                    <a:bodyPr/>
+                    <a:lstStyle/>
+                    <a:p>
+                      <a:pPr>
+                        <a:defRPr sz="1050"/>
+                      </a:pPr>
+                      <a:r>
+                        <a:t>Not Clinically Relevant</a:t>
+                      </a:r>
+                    </a:p>
+                  </a:txBody>
+                  <a:tcPr/>
+                </a:tc>
+              </a:tr>
+              <a:tr h="195942">
+                <a:tc>
+                  <a:txBody>
+                    <a:bodyPr/>
+                    <a:lstStyle/>
+                    <a:p>
+                      <a:pPr>
+                        <a:defRPr sz="1050"/>
+                      </a:pPr>
+                      <a:r>
+                        <a:t>ql-xii-61</a:t>
+                      </a:r>
+                    </a:p>
+                  </a:txBody>
+                  <a:tcPr/>
+                </a:tc>
+                <a:tc>
+                  <a:txBody>
+                    <a:bodyPr/>
+                    <a:lstStyle/>
+                    <a:p>
+                      <a:pPr>
+                        <a:defRPr sz="1050"/>
+                      </a:pPr>
+                      <a:r>
+                        <a:t>0.62</a:t>
+                      </a:r>
+                    </a:p>
+                  </a:txBody>
+                  <a:tcPr/>
+                </a:tc>
+                <a:tc>
+                  <a:txBody>
+                    <a:bodyPr/>
+                    <a:lstStyle/>
+                    <a:p>
+                      <a:pPr>
+                        <a:defRPr sz="1050"/>
+                      </a:pPr>
+                      <a:r>
+                        <a:t>+..</a:t>
+                      </a:r>
+                    </a:p>
+                  </a:txBody>
+                  <a:tcPr/>
+                </a:tc>
+                <a:tc>
+                  <a:txBody>
+                    <a:bodyPr/>
+                    <a:lstStyle/>
+                    <a:p>
+                      <a:pPr>
+                        <a:defRPr sz="1050"/>
+                      </a:pPr>
+                      <a:r>
+                        <a:t>Not Clinically Relevant</a:t>
+                      </a:r>
+                    </a:p>
+                  </a:txBody>
+                  <a:tcPr/>
+                </a:tc>
+              </a:tr>
+              <a:tr h="195942">
+                <a:tc>
+                  <a:txBody>
+                    <a:bodyPr/>
+                    <a:lstStyle/>
+                    <a:p>
+                      <a:pPr>
+                        <a:defRPr sz="1050"/>
+                      </a:pPr>
+                      <a:r>
+                        <a:t>gsk429286a</a:t>
+                      </a:r>
+                    </a:p>
+                  </a:txBody>
+                  <a:tcPr/>
+                </a:tc>
+                <a:tc>
+                  <a:txBody>
+                    <a:bodyPr/>
+                    <a:lstStyle/>
+                    <a:p>
+                      <a:pPr>
+                        <a:defRPr sz="1050"/>
+                      </a:pPr>
+                      <a:r>
+                        <a:t>0.6</a:t>
+                      </a:r>
+                    </a:p>
+                  </a:txBody>
+                  <a:tcPr/>
+                </a:tc>
+                <a:tc>
+                  <a:txBody>
+                    <a:bodyPr/>
+                    <a:lstStyle/>
+                    <a:p>
+                      <a:pPr>
+                        <a:defRPr sz="1050"/>
+                      </a:pPr>
+                      <a:r>
+                        <a:t>+..</a:t>
+                      </a:r>
+                    </a:p>
+                  </a:txBody>
+                  <a:tcPr/>
+                </a:tc>
+                <a:tc>
+                  <a:txBody>
+                    <a:bodyPr/>
+                    <a:lstStyle/>
+                    <a:p>
+                      <a:pPr>
+                        <a:defRPr sz="1050"/>
+                      </a:pPr>
+                      <a:r>
+                        <a:t>Not Clinically Relevant</a:t>
+                      </a:r>
+                    </a:p>
+                  </a:txBody>
+                  <a:tcPr/>
+                </a:tc>
+              </a:tr>
+              <a:tr h="195942">
+                <a:tc>
+                  <a:txBody>
+                    <a:bodyPr/>
+                    <a:lstStyle/>
+                    <a:p>
+                      <a:pPr>
+                        <a:defRPr sz="1050"/>
+                      </a:pPr>
+                      <a:r>
+                        <a:t>vx-702</a:t>
+                      </a:r>
+                    </a:p>
+                  </a:txBody>
+                  <a:tcPr/>
+                </a:tc>
+                <a:tc>
+                  <a:txBody>
+                    <a:bodyPr/>
+                    <a:lstStyle/>
+                    <a:p>
+                      <a:pPr>
+                        <a:defRPr sz="1050"/>
+                      </a:pPr>
+                      <a:r>
+                        <a:t>0.57</a:t>
+                      </a:r>
+                    </a:p>
+                  </a:txBody>
+                  <a:tcPr/>
+                </a:tc>
+                <a:tc>
+                  <a:txBody>
+                    <a:bodyPr/>
+                    <a:lstStyle/>
+                    <a:p>
+                      <a:pPr>
+                        <a:defRPr sz="1050"/>
+                      </a:pPr>
+                      <a:r>
+                        <a:t>+..</a:t>
+                      </a:r>
+                    </a:p>
+                  </a:txBody>
+                  <a:tcPr/>
+                </a:tc>
+                <a:tc>
+                  <a:txBody>
+                    <a:bodyPr/>
+                    <a:lstStyle/>
+                    <a:p>
+                      <a:pPr>
+                        <a:defRPr sz="1050"/>
+                      </a:pPr>
+                      <a:r>
+                        <a:t>Not Clinically Relevant</a:t>
+                      </a:r>
+                    </a:p>
+                  </a:txBody>
+                  <a:tcPr/>
+                </a:tc>
+              </a:tr>
+              <a:tr h="195942">
+                <a:tc>
+                  <a:txBody>
+                    <a:bodyPr/>
+                    <a:lstStyle/>
+                    <a:p>
+                      <a:pPr>
+                        <a:defRPr sz="1050"/>
+                      </a:pPr>
+                      <a:r>
+                        <a:t>linsitinib</a:t>
+                      </a:r>
+                    </a:p>
+                  </a:txBody>
+                  <a:tcPr/>
+                </a:tc>
+                <a:tc>
+                  <a:txBody>
+                    <a:bodyPr/>
+                    <a:lstStyle/>
+                    <a:p>
+                      <a:pPr>
+                        <a:defRPr sz="1050"/>
+                      </a:pPr>
+                      <a:r>
+                        <a:t>0.56</a:t>
+                      </a:r>
+                    </a:p>
+                  </a:txBody>
+                  <a:tcPr/>
+                </a:tc>
+                <a:tc>
+                  <a:txBody>
+                    <a:bodyPr/>
+                    <a:lstStyle/>
+                    <a:p>
+                      <a:pPr>
+                        <a:defRPr sz="1050"/>
+                      </a:pPr>
+                      <a:r>
+                        <a:t>++.</a:t>
+                      </a:r>
+                    </a:p>
+                  </a:txBody>
+                  <a:tcPr/>
+                </a:tc>
+                <a:tc>
+                  <a:txBody>
+                    <a:bodyPr/>
+                    <a:lstStyle/>
+                    <a:p>
+                      <a:pPr>
+                        <a:defRPr sz="1050"/>
+                      </a:pPr>
+                      <a:r>
+                        <a:t>IGF-1R inhibitor</a:t>
+                      </a:r>
+                    </a:p>
+                  </a:txBody>
+                  <a:tcPr/>
+                </a:tc>
+              </a:tr>
+              <a:tr h="195942">
+                <a:tc>
+                  <a:txBody>
+                    <a:bodyPr/>
+                    <a:lstStyle/>
+                    <a:p>
+                      <a:pPr>
+                        <a:defRPr sz="1050"/>
+                      </a:pPr>
+                      <a:r>
+                        <a:t>tubastatin a</a:t>
+                      </a:r>
+                    </a:p>
+                  </a:txBody>
+                  <a:tcPr/>
+                </a:tc>
+                <a:tc>
+                  <a:txBody>
+                    <a:bodyPr/>
+                    <a:lstStyle/>
+                    <a:p>
+                      <a:pPr>
+                        <a:defRPr sz="1050"/>
+                      </a:pPr>
+                      <a:r>
+                        <a:t>0.55</a:t>
+                      </a:r>
+                    </a:p>
+                  </a:txBody>
+                  <a:tcPr/>
+                </a:tc>
+                <a:tc>
+                  <a:txBody>
+                    <a:bodyPr/>
+                    <a:lstStyle/>
+                    <a:p>
+                      <a:pPr>
+                        <a:defRPr sz="1050"/>
+                      </a:pPr>
+                      <a:r>
+                        <a:t>++.</a:t>
+                      </a:r>
+                    </a:p>
+                  </a:txBody>
+                  <a:tcPr/>
+                </a:tc>
+                <a:tc>
+                  <a:txBody>
+                    <a:bodyPr/>
+                    <a:lstStyle/>
+                    <a:p>
+                      <a:pPr>
+                        <a:defRPr sz="1050"/>
+                      </a:pPr>
+                      <a:r>
+                        <a:t>Not Clinically Relevant</a:t>
+                      </a:r>
+                    </a:p>
+                  </a:txBody>
+                  <a:tcPr/>
+                </a:tc>
+              </a:tr>
+              <a:tr h="195942">
+                <a:tc>
+                  <a:txBody>
+                    <a:bodyPr/>
+                    <a:lstStyle/>
+                    <a:p>
+                      <a:pPr>
+                        <a:defRPr sz="1050"/>
+                      </a:pPr>
+                      <a:r>
+                        <a:t>bx-912</a:t>
+                      </a:r>
+                    </a:p>
+                  </a:txBody>
+                  <a:tcPr/>
+                </a:tc>
+                <a:tc>
+                  <a:txBody>
+                    <a:bodyPr/>
+                    <a:lstStyle/>
+                    <a:p>
+                      <a:pPr>
+                        <a:defRPr sz="1050"/>
+                      </a:pPr>
+                      <a:r>
+                        <a:t>0.54</a:t>
+                      </a:r>
+                    </a:p>
+                  </a:txBody>
+                  <a:tcPr/>
+                </a:tc>
+                <a:tc>
+                  <a:txBody>
+                    <a:bodyPr/>
+                    <a:lstStyle/>
+                    <a:p>
+                      <a:pPr>
+                        <a:defRPr sz="1050"/>
+                      </a:pPr>
+                      <a:r>
+                        <a:t>+..</a:t>
+                      </a:r>
+                    </a:p>
+                  </a:txBody>
+                  <a:tcPr/>
+                </a:tc>
+                <a:tc>
+                  <a:txBody>
+                    <a:bodyPr/>
+                    <a:lstStyle/>
+                    <a:p>
+                      <a:pPr>
+                        <a:defRPr sz="1050"/>
+                      </a:pPr>
+                      <a:r>
+                        <a:t>Not Clinically Relevant</a:t>
+                      </a:r>
+                    </a:p>
+                  </a:txBody>
+                  <a:tcPr/>
+                </a:tc>
+              </a:tr>
+              <a:tr h="195942">
+                <a:tc>
+                  <a:txBody>
+                    <a:bodyPr/>
+                    <a:lstStyle/>
+                    <a:p>
+                      <a:pPr>
+                        <a:defRPr sz="1050"/>
+                      </a:pPr>
+                      <a:r>
+                        <a:t>navitoclax</a:t>
+                      </a:r>
+                    </a:p>
+                  </a:txBody>
+                  <a:tcPr/>
+                </a:tc>
+                <a:tc>
+                  <a:txBody>
+                    <a:bodyPr/>
+                    <a:lstStyle/>
+                    <a:p>
+                      <a:pPr>
+                        <a:defRPr sz="1050"/>
+                      </a:pPr>
+                      <a:r>
+                        <a:t>0.52</a:t>
+                      </a:r>
+                    </a:p>
+                  </a:txBody>
+                  <a:tcPr/>
+                </a:tc>
+                <a:tc>
+                  <a:txBody>
+                    <a:bodyPr/>
+                    <a:lstStyle/>
+                    <a:p>
+                      <a:pPr>
+                        <a:defRPr sz="1050"/>
+                      </a:pPr>
+                      <a:r>
+                        <a:t>++.</a:t>
+                      </a:r>
+                    </a:p>
+                  </a:txBody>
+                  <a:tcPr/>
+                </a:tc>
+                <a:tc>
+                  <a:txBody>
+                    <a:bodyPr/>
+                    <a:lstStyle/>
+                    <a:p>
+                      <a:pPr>
+                        <a:defRPr sz="1050"/>
+                      </a:pPr>
+                      <a:r>
+                        <a:t>Bcl-2 family inhibitor: esp Bcl-xL, Bcl-2 and Bcl-w</a:t>
+                      </a:r>
+                    </a:p>
+                  </a:txBody>
+                  <a:tcPr/>
+                </a:tc>
+              </a:tr>
+              <a:tr h="195942">
+                <a:tc>
+                  <a:txBody>
+                    <a:bodyPr/>
+                    <a:lstStyle/>
+                    <a:p>
+                      <a:pPr>
+                        <a:defRPr sz="1050"/>
+                      </a:pPr>
+                      <a:r>
+                        <a:t>gw-2580</a:t>
+                      </a:r>
+                    </a:p>
+                  </a:txBody>
+                  <a:tcPr/>
+                </a:tc>
+                <a:tc>
+                  <a:txBody>
+                    <a:bodyPr/>
+                    <a:lstStyle/>
+                    <a:p>
+                      <a:pPr>
+                        <a:defRPr sz="1050"/>
+                      </a:pPr>
+                      <a:r>
+                        <a:t>0.51</a:t>
+                      </a:r>
+                    </a:p>
+                  </a:txBody>
+                  <a:tcPr/>
+                </a:tc>
+                <a:tc>
+                  <a:txBody>
+                    <a:bodyPr/>
+                    <a:lstStyle/>
+                    <a:p>
+                      <a:pPr>
+                        <a:defRPr sz="1050"/>
+                      </a:pPr>
+                      <a:r>
+                        <a:t>+..</a:t>
+                      </a:r>
+                    </a:p>
+                  </a:txBody>
+                  <a:tcPr/>
+                </a:tc>
+                <a:tc>
+                  <a:txBody>
+                    <a:bodyPr/>
+                    <a:lstStyle/>
+                    <a:p>
+                      <a:pPr>
+                        <a:defRPr sz="1050"/>
+                      </a:pPr>
+                      <a:r>
+                        <a:t>Not Clinically Relevant</a:t>
+                      </a:r>
+                    </a:p>
+                  </a:txBody>
+                  <a:tcPr/>
+                </a:tc>
+              </a:tr>
+              <a:tr h="195942">
+                <a:tc>
+                  <a:txBody>
+                    <a:bodyPr/>
+                    <a:lstStyle/>
+                    <a:p>
+                      <a:pPr>
+                        <a:defRPr sz="1050"/>
+                      </a:pPr>
+                      <a:r>
+                        <a:t>rucaparib</a:t>
+                      </a:r>
+                    </a:p>
+                  </a:txBody>
+                  <a:tcPr/>
+                </a:tc>
+                <a:tc>
+                  <a:txBody>
+                    <a:bodyPr/>
+                    <a:lstStyle/>
+                    <a:p>
+                      <a:pPr>
+                        <a:defRPr sz="1050"/>
+                      </a:pPr>
+                      <a:r>
+                        <a:t>0.5</a:t>
+                      </a:r>
+                    </a:p>
+                  </a:txBody>
+                  <a:tcPr/>
+                </a:tc>
+                <a:tc>
+                  <a:txBody>
+                    <a:bodyPr/>
+                    <a:lstStyle/>
+                    <a:p>
+                      <a:pPr>
+                        <a:defRPr sz="1050"/>
+                      </a:pPr>
+                      <a:r>
+                        <a:t>+..</a:t>
+                      </a:r>
+                    </a:p>
+                  </a:txBody>
+                  <a:tcPr/>
+                </a:tc>
+                <a:tc>
+                  <a:txBody>
+                    <a:bodyPr/>
+                    <a:lstStyle/>
+                    <a:p>
+                      <a:pPr>
+                        <a:defRPr sz="1050"/>
+                      </a:pPr>
+                      <a:r>
+                        <a:t>PARP inhibitor, inhibits DNA repair</a:t>
+                      </a:r>
+                    </a:p>
+                  </a:txBody>
+                  <a:tcPr/>
+                </a:tc>
+              </a:tr>
+              <a:tr h="195942">
+                <a:tc>
+                  <a:txBody>
+                    <a:bodyPr/>
+                    <a:lstStyle/>
+                    <a:p>
+                      <a:pPr>
+                        <a:defRPr sz="1050"/>
+                      </a:pPr>
+                      <a:r>
+                        <a:t>amuvatinib</a:t>
+                      </a:r>
+                    </a:p>
+                  </a:txBody>
+                  <a:tcPr/>
+                </a:tc>
+                <a:tc>
+                  <a:txBody>
+                    <a:bodyPr/>
+                    <a:lstStyle/>
+                    <a:p>
+                      <a:pPr>
+                        <a:defRPr sz="1050"/>
+                      </a:pPr>
+                      <a:r>
+                        <a:t>0.5</a:t>
+                      </a:r>
+                    </a:p>
+                  </a:txBody>
+                  <a:tcPr/>
+                </a:tc>
+                <a:tc>
+                  <a:txBody>
+                    <a:bodyPr/>
+                    <a:lstStyle/>
+                    <a:p>
+                      <a:pPr>
+                        <a:defRPr sz="1050"/>
+                      </a:pPr>
+                      <a:r>
+                        <a:t>+..</a:t>
+                      </a:r>
+                    </a:p>
+                  </a:txBody>
+                  <a:tcPr/>
+                </a:tc>
+                <a:tc>
+                  <a:txBody>
+                    <a:bodyPr/>
+                    <a:lstStyle/>
+                    <a:p>
+                      <a:pPr>
+                        <a:defRPr sz="1050"/>
+                      </a:pPr>
+                      <a:r>
+                        <a:t>Not Clinically Relevant</a:t>
+                      </a:r>
+                    </a:p>
+                  </a:txBody>
+                  <a:tcPr/>
+                </a:tc>
+              </a:tr>
+              <a:tr h="195942">
+                <a:tc>
+                  <a:txBody>
+                    <a:bodyPr/>
+                    <a:lstStyle/>
+                    <a:p>
+                      <a:pPr>
+                        <a:defRPr sz="1050"/>
+                      </a:pPr>
+                      <a:r>
+                        <a:t>xmd14-99</a:t>
+                      </a:r>
+                    </a:p>
+                  </a:txBody>
+                  <a:tcPr/>
+                </a:tc>
+                <a:tc>
+                  <a:txBody>
+                    <a:bodyPr/>
+                    <a:lstStyle/>
+                    <a:p>
+                      <a:pPr>
+                        <a:defRPr sz="1050"/>
+                      </a:pPr>
+                      <a:r>
+                        <a:t>0.5</a:t>
+                      </a:r>
+                    </a:p>
+                  </a:txBody>
+                  <a:tcPr/>
+                </a:tc>
+                <a:tc>
+                  <a:txBody>
+                    <a:bodyPr/>
+                    <a:lstStyle/>
+                    <a:p>
+                      <a:pPr>
+                        <a:defRPr sz="1050"/>
+                      </a:pPr>
+                      <a:r>
+                        <a:t>+..</a:t>
+                      </a:r>
+                    </a:p>
+                  </a:txBody>
+                  <a:tcPr/>
+                </a:tc>
+                <a:tc>
+                  <a:txBody>
+                    <a:bodyPr/>
+                    <a:lstStyle/>
+                    <a:p>
+                      <a:pPr>
+                        <a:defRPr sz="1050"/>
+                      </a:pPr>
+                      <a:r>
+                        <a:t>Not Clinically Relevant</a:t>
+                      </a:r>
+                    </a:p>
+                  </a:txBody>
+                  <a:tcPr/>
+                </a:tc>
+              </a:tr>
+              <a:tr h="195942">
+                <a:tc>
+                  <a:txBody>
+                    <a:bodyPr/>
+                    <a:lstStyle/>
+                    <a:p>
+                      <a:pPr>
+                        <a:defRPr sz="1050"/>
+                      </a:pPr>
+                      <a:r>
+                        <a:t>axitinib</a:t>
+                      </a:r>
+                    </a:p>
+                  </a:txBody>
+                  <a:tcPr/>
+                </a:tc>
+                <a:tc>
+                  <a:txBody>
+                    <a:bodyPr/>
+                    <a:lstStyle/>
+                    <a:p>
+                      <a:pPr>
+                        <a:defRPr sz="1050"/>
+                      </a:pPr>
+                      <a:r>
+                        <a:t>0.47</a:t>
+                      </a:r>
+                    </a:p>
+                  </a:txBody>
+                  <a:tcPr/>
+                </a:tc>
+                <a:tc>
+                  <a:txBody>
+                    <a:bodyPr/>
+                    <a:lstStyle/>
+                    <a:p>
+                      <a:pPr>
+                        <a:defRPr sz="1050"/>
+                      </a:pPr>
+                      <a:r>
+                        <a:t>++.</a:t>
+                      </a:r>
+                    </a:p>
+                  </a:txBody>
+                  <a:tcPr/>
+                </a:tc>
+                <a:tc>
+                  <a:txBody>
+                    <a:bodyPr/>
+                    <a:lstStyle/>
+                    <a:p>
+                      <a:pPr>
+                        <a:defRPr sz="1050"/>
+                      </a:pPr>
+                      <a:r>
+                        <a:t>VEGFR, c-KIT and PDGFR inhibitor</a:t>
+                      </a:r>
+                    </a:p>
+                  </a:txBody>
+                  <a:tcPr/>
+                </a:tc>
+              </a:tr>
+              <a:tr h="195942">
+                <a:tc>
+                  <a:txBody>
+                    <a:bodyPr/>
+                    <a:lstStyle/>
+                    <a:p>
+                      <a:pPr>
+                        <a:defRPr sz="1050"/>
+                      </a:pPr>
+                      <a:r>
+                        <a:t>gsk319347a</a:t>
+                      </a:r>
+                    </a:p>
+                  </a:txBody>
+                  <a:tcPr/>
+                </a:tc>
+                <a:tc>
+                  <a:txBody>
+                    <a:bodyPr/>
+                    <a:lstStyle/>
+                    <a:p>
+                      <a:pPr>
+                        <a:defRPr sz="1050"/>
+                      </a:pPr>
+                      <a:r>
+                        <a:t>0.47</a:t>
+                      </a:r>
+                    </a:p>
+                  </a:txBody>
+                  <a:tcPr/>
+                </a:tc>
+                <a:tc>
+                  <a:txBody>
+                    <a:bodyPr/>
+                    <a:lstStyle/>
+                    <a:p>
+                      <a:pPr>
+                        <a:defRPr sz="1050"/>
+                      </a:pPr>
+                      <a:r>
+                        <a:t>+..</a:t>
+                      </a:r>
+                    </a:p>
+                  </a:txBody>
+                  <a:tcPr/>
+                </a:tc>
+                <a:tc>
+                  <a:txBody>
+                    <a:bodyPr/>
+                    <a:lstStyle/>
+                    <a:p>
+                      <a:pPr>
+                        <a:defRPr sz="1050"/>
+                      </a:pPr>
+                      <a:r>
+                        <a:t>Not Clinically Relevant</a:t>
+                      </a:r>
+                    </a:p>
+                  </a:txBody>
+                  <a:tcPr/>
+                </a:tc>
+              </a:tr>
+              <a:tr h="195942">
+                <a:tc>
+                  <a:txBody>
+                    <a:bodyPr/>
+                    <a:lstStyle/>
+                    <a:p>
+                      <a:pPr>
+                        <a:defRPr sz="1050"/>
+                      </a:pPr>
+                      <a:r>
+                        <a:t>hg-5-88-01</a:t>
+                      </a:r>
+                    </a:p>
+                  </a:txBody>
+                  <a:tcPr/>
+                </a:tc>
+                <a:tc>
+                  <a:txBody>
+                    <a:bodyPr/>
+                    <a:lstStyle/>
+                    <a:p>
+                      <a:pPr>
+                        <a:defRPr sz="1050"/>
+                      </a:pPr>
+                      <a:r>
+                        <a:t>0.47</a:t>
+                      </a:r>
+                    </a:p>
+                  </a:txBody>
+                  <a:tcPr/>
+                </a:tc>
+                <a:tc>
+                  <a:txBody>
+                    <a:bodyPr/>
+                    <a:lstStyle/>
+                    <a:p>
+                      <a:pPr>
+                        <a:defRPr sz="1050"/>
+                      </a:pPr>
+                      <a:r>
+                        <a:t>+..</a:t>
+                      </a:r>
+                    </a:p>
+                  </a:txBody>
+                  <a:tcPr/>
+                </a:tc>
+                <a:tc>
+                  <a:txBody>
+                    <a:bodyPr/>
+                    <a:lstStyle/>
+                    <a:p>
+                      <a:pPr>
+                        <a:defRPr sz="1050"/>
+                      </a:pPr>
+                      <a:r>
+                        <a:t>Not Clinically Relevant</a:t>
+                      </a:r>
+                    </a:p>
+                  </a:txBody>
+                  <a:tcPr/>
+                </a:tc>
+              </a:tr>
+              <a:tr h="195942">
+                <a:tc>
+                  <a:txBody>
+                    <a:bodyPr/>
+                    <a:lstStyle/>
+                    <a:p>
+                      <a:pPr>
+                        <a:defRPr sz="1050"/>
+                      </a:pPr>
+                      <a:r>
+                        <a:t>xmd13-2</a:t>
+                      </a:r>
+                    </a:p>
+                  </a:txBody>
+                  <a:tcPr/>
+                </a:tc>
+                <a:tc>
+                  <a:txBody>
+                    <a:bodyPr/>
+                    <a:lstStyle/>
+                    <a:p>
+                      <a:pPr>
+                        <a:defRPr sz="1050"/>
+                      </a:pPr>
+                      <a:r>
+                        <a:t>0.46</a:t>
+                      </a:r>
+                    </a:p>
+                  </a:txBody>
+                  <a:tcPr/>
+                </a:tc>
+                <a:tc>
+                  <a:txBody>
+                    <a:bodyPr/>
+                    <a:lstStyle/>
+                    <a:p>
+                      <a:pPr>
+                        <a:defRPr sz="1050"/>
+                      </a:pPr>
+                      <a:r>
+                        <a:t>+..</a:t>
+                      </a:r>
+                    </a:p>
+                  </a:txBody>
+                  <a:tcPr/>
+                </a:tc>
+                <a:tc>
+                  <a:txBody>
+                    <a:bodyPr/>
+                    <a:lstStyle/>
+                    <a:p>
+                      <a:pPr>
+                        <a:defRPr sz="1050"/>
+                      </a:pPr>
+                      <a:r>
+                        <a:t>Not Clinically Relevant</a:t>
+                      </a:r>
+                    </a:p>
+                  </a:txBody>
+                  <a:tcPr/>
+                </a:tc>
+              </a:tr>
+              <a:tr h="195960">
+                <a:tc>
+                  <a:txBody>
+                    <a:bodyPr/>
+                    <a:lstStyle/>
+                    <a:p>
+                      <a:pPr>
+                        <a:defRPr sz="1050"/>
+                      </a:pPr>
+                      <a:r>
+                        <a:t>cil55</a:t>
+                      </a:r>
+                    </a:p>
+                  </a:txBody>
+                  <a:tcPr/>
+                </a:tc>
+                <a:tc>
+                  <a:txBody>
+                    <a:bodyPr/>
+                    <a:lstStyle/>
+                    <a:p>
+                      <a:pPr>
+                        <a:defRPr sz="1050"/>
+                      </a:pPr>
+                      <a:r>
+                        <a:t>0.45</a:t>
+                      </a:r>
+                    </a:p>
+                  </a:txBody>
+                  <a:tcPr/>
+                </a:tc>
+                <a:tc>
+                  <a:txBody>
+                    <a:bodyPr/>
+                    <a:lstStyle/>
+                    <a:p>
+                      <a:pPr>
+                        <a:defRPr sz="1050"/>
+                      </a:pPr>
+                      <a:r>
+                        <a:t>.+.</a:t>
+                      </a:r>
+                    </a:p>
+                  </a:txBody>
+                  <a:tcPr/>
+                </a:tc>
+                <a:tc>
+                  <a:txBody>
+                    <a:bodyPr/>
+                    <a:lstStyle/>
+                    <a:p>
+                      <a:pPr>
+                        <a:defRPr sz="1050"/>
+                      </a:pPr>
+                      <a:r>
+                        <a:t>Not Clinically Relevant</a:t>
+                      </a:r>
+                    </a:p>
+                  </a:txBody>
+                  <a:tcPr/>
+                </a:tc>
+              </a:tr>
+            </a:tbl>
+          </a:graphicData>
+        </a:graphic>
+      </p:graphicFrame>
+    </p:spTree>
+  </p:cSld>
+  <p:clrMapOvr>
+    <a:masterClrMapping/>
+  </p:clrMapOvr>
+</p:sld>
+</file>
+
+<file path=ppt/slides/slide7.xml><?xml version="1.0" encoding="utf-8"?>
+<p:sld xmlns:a="http://schemas.openxmlformats.org/drawingml/2006/main" xmlns:p="http://schemas.openxmlformats.org/presentationml/2006/main" xmlns:r="http://schemas.openxmlformats.org/officeDocument/2006/relationships">
+  <p:cSld>
+    <p:spTree>
+      <p:nvGrpSpPr>
+        <p:cNvPr id="1" name=""/>
+        <p:cNvGrpSpPr/>
+        <p:nvPr/>
+      </p:nvGrpSpPr>
+      <p:grpSpPr/>
+      <p:sp>
+        <p:nvSpPr>
+          <p:cNvPr id="2" name="TextBox 1"/>
+          <p:cNvSpPr txBox="1"/>
+          <p:nvPr/>
+        </p:nvSpPr>
+        <p:spPr>
+          <a:xfrm>
+            <a:off x="0" y="0"/>
+            <a:ext cx="9144000" cy="685800"/>
+          </a:xfrm>
+          <a:prstGeom prst="rect">
+            <a:avLst/>
+          </a:prstGeom>
+          <a:noFill/>
+        </p:spPr>
+        <p:txBody>
+          <a:bodyPr wrap="none">
+            <a:spAutoFit/>
+          </a:bodyPr>
+          <a:lstStyle/>
+          <a:p/>
+          <a:p>
+            <a:pPr>
+              <a:defRPr sz="2600"/>
+            </a:pPr>
+            <a:r>
+              <a:t>CMap: top drugs (cerebellar stem cell control)</a:t>
+            </a:r>
+          </a:p>
+        </p:txBody>
+      </p:sp>
+      <p:graphicFrame>
+        <p:nvGraphicFramePr>
+          <p:cNvPr id="3" name="Table 2"/>
+          <p:cNvGraphicFramePr>
+            <a:graphicFrameLocks noGrp="1"/>
+          </p:cNvGraphicFramePr>
+          <p:nvPr/>
+        </p:nvGraphicFramePr>
+        <p:xfrm>
+          <a:off x="411480" y="777240"/>
+          <a:ext cx="8138160" cy="4114800"/>
+        </p:xfrm>
+        <a:graphic>
+          <a:graphicData uri="http://schemas.openxmlformats.org/drawingml/2006/table">
+            <a:tbl>
+              <a:tblPr firstRow="1" bandRow="1">
+                <a:tableStyleId>{5C22544A-7EE6-4342-B048-85BDC9FD1C3A}</a:tableStyleId>
+              </a:tblPr>
+              <a:tblGrid>
+                <a:gridCol w="1005840"/>
+                <a:gridCol w="731520"/>
+                <a:gridCol w="6400800"/>
+              </a:tblGrid>
+              <a:tr h="195942">
+                <a:tc>
+                  <a:txBody>
+                    <a:bodyPr/>
+                    <a:lstStyle/>
+                    <a:p>
+                      <a:r>
+                        <a:t>Drug</a:t>
+                      </a:r>
+                    </a:p>
+                  </a:txBody>
+                  <a:tcPr/>
+                </a:tc>
+                <a:tc>
+                  <a:txBody>
+                    <a:bodyPr/>
+                    <a:lstStyle/>
+                    <a:p>
+                      <a:r>
+                        <a:t>Score</a:t>
+                      </a:r>
+                    </a:p>
+                  </a:txBody>
+                  <a:tcPr/>
+                </a:tc>
+                <a:tc>
+                  <a:txBody>
+                    <a:bodyPr/>
+                    <a:lstStyle/>
+                    <a:p>
+                      <a:r>
+                        <a:t>Mechanism of action</a:t>
+                      </a:r>
+                    </a:p>
+                  </a:txBody>
+                  <a:tcPr/>
+                </a:tc>
+              </a:tr>
+              <a:tr h="195942">
+                <a:tc>
+                  <a:txBody>
+                    <a:bodyPr/>
+                    <a:lstStyle/>
+                    <a:p>
+                      <a:pPr>
+                        <a:defRPr sz="1050"/>
+                      </a:pPr>
+                      <a:r>
+                        <a:t>lenalidomide</a:t>
+                      </a:r>
+                    </a:p>
+                  </a:txBody>
+                  <a:tcPr/>
+                </a:tc>
+                <a:tc>
+                  <a:txBody>
+                    <a:bodyPr/>
+                    <a:lstStyle/>
+                    <a:p>
+                      <a:pPr>
+                        <a:defRPr sz="1050"/>
+                      </a:pPr>
+                      <a:r>
+                        <a:t>0.99</a:t>
+                      </a:r>
+                    </a:p>
+                  </a:txBody>
+                  <a:tcPr/>
+                </a:tc>
+                <a:tc>
+                  <a:txBody>
+                    <a:bodyPr/>
+                    <a:lstStyle/>
+                    <a:p>
+                      <a:pPr>
+                        <a:defRPr sz="1050"/>
+                      </a:pPr>
+                      <a:r>
+                        <a:t>derivative of thalidomide, which interacts with the ubiquitin E3 ligase cereblon, targeting this enzyme to degrade the Ikaros transcription factors IKZF1 and IKZF3. Used for multiple myeloma</a:t>
+                      </a:r>
+                    </a:p>
+                  </a:txBody>
+                  <a:tcPr/>
+                </a:tc>
+              </a:tr>
+              <a:tr h="195942">
+                <a:tc>
+                  <a:txBody>
+                    <a:bodyPr/>
+                    <a:lstStyle/>
+                    <a:p>
+                      <a:pPr>
+                        <a:defRPr sz="1050"/>
+                      </a:pPr>
+                      <a:r>
+                        <a:t>lapatinib</a:t>
+                      </a:r>
+                    </a:p>
+                  </a:txBody>
+                  <a:tcPr/>
+                </a:tc>
+                <a:tc>
+                  <a:txBody>
+                    <a:bodyPr/>
+                    <a:lstStyle/>
+                    <a:p>
+                      <a:pPr>
+                        <a:defRPr sz="1050"/>
+                      </a:pPr>
+                      <a:r>
+                        <a:t>0.99</a:t>
+                      </a:r>
+                    </a:p>
+                  </a:txBody>
+                  <a:tcPr/>
+                </a:tc>
+                <a:tc>
+                  <a:txBody>
+                    <a:bodyPr/>
+                    <a:lstStyle/>
+                    <a:p>
+                      <a:pPr>
+                        <a:defRPr sz="1050"/>
+                      </a:pPr>
+                      <a:r>
+                        <a:t>HER2/EGFR inhibitor</a:t>
+                      </a:r>
+                    </a:p>
+                  </a:txBody>
+                  <a:tcPr/>
+                </a:tc>
+              </a:tr>
+              <a:tr h="195942">
+                <a:tc>
+                  <a:txBody>
+                    <a:bodyPr/>
+                    <a:lstStyle/>
+                    <a:p>
+                      <a:pPr>
+                        <a:defRPr sz="1050"/>
+                      </a:pPr>
+                      <a:r>
+                        <a:t>hydrocortisone</a:t>
+                      </a:r>
+                    </a:p>
+                  </a:txBody>
+                  <a:tcPr/>
+                </a:tc>
+                <a:tc>
+                  <a:txBody>
+                    <a:bodyPr/>
+                    <a:lstStyle/>
+                    <a:p>
+                      <a:pPr>
+                        <a:defRPr sz="1050"/>
+                      </a:pPr>
+                      <a:r>
+                        <a:t>0.98</a:t>
+                      </a:r>
+                    </a:p>
+                  </a:txBody>
+                  <a:tcPr/>
+                </a:tc>
+                <a:tc>
+                  <a:txBody>
+                    <a:bodyPr/>
+                    <a:lstStyle/>
+                    <a:p>
+                      <a:pPr>
+                        <a:defRPr sz="1050"/>
+                      </a:pPr>
+                      <a:r>
+                        <a:t>Anti-inflammatory</a:t>
+                      </a:r>
+                    </a:p>
+                  </a:txBody>
+                  <a:tcPr/>
+                </a:tc>
+              </a:tr>
+              <a:tr h="195942">
+                <a:tc>
+                  <a:txBody>
+                    <a:bodyPr/>
+                    <a:lstStyle/>
+                    <a:p>
+                      <a:pPr>
+                        <a:defRPr sz="1050"/>
+                      </a:pPr>
+                      <a:r>
+                        <a:t>barasertib</a:t>
+                      </a:r>
+                    </a:p>
+                  </a:txBody>
+                  <a:tcPr/>
+                </a:tc>
+                <a:tc>
+                  <a:txBody>
+                    <a:bodyPr/>
+                    <a:lstStyle/>
+                    <a:p>
+                      <a:pPr>
+                        <a:defRPr sz="1050"/>
+                      </a:pPr>
+                      <a:r>
+                        <a:t>0.98</a:t>
+                      </a:r>
+                    </a:p>
+                  </a:txBody>
+                  <a:tcPr/>
+                </a:tc>
+                <a:tc>
+                  <a:txBody>
+                    <a:bodyPr/>
+                    <a:lstStyle/>
+                    <a:p>
+                      <a:pPr>
+                        <a:defRPr sz="1050"/>
+                      </a:pPr>
+                      <a:r>
+                        <a:t>highly selective Aurora B kinase inhibitor</a:t>
+                      </a:r>
+                    </a:p>
+                  </a:txBody>
+                  <a:tcPr/>
+                </a:tc>
+              </a:tr>
+              <a:tr h="195942">
+                <a:tc>
+                  <a:txBody>
+                    <a:bodyPr/>
+                    <a:lstStyle/>
+                    <a:p>
+                      <a:pPr>
+                        <a:defRPr sz="1050"/>
+                      </a:pPr>
+                      <a:r>
+                        <a:t>alisertib</a:t>
+                      </a:r>
+                    </a:p>
+                  </a:txBody>
+                  <a:tcPr/>
+                </a:tc>
+                <a:tc>
+                  <a:txBody>
+                    <a:bodyPr/>
+                    <a:lstStyle/>
+                    <a:p>
+                      <a:pPr>
+                        <a:defRPr sz="1050"/>
+                      </a:pPr>
+                      <a:r>
+                        <a:t>0.98</a:t>
+                      </a:r>
+                    </a:p>
+                  </a:txBody>
+                  <a:tcPr/>
+                </a:tc>
+                <a:tc>
+                  <a:txBody>
+                    <a:bodyPr/>
+                    <a:lstStyle/>
+                    <a:p>
+                      <a:pPr>
+                        <a:defRPr sz="1050"/>
+                      </a:pPr>
+                      <a:r>
+                        <a:t>Aurora A kinase inhibitor</a:t>
+                      </a:r>
+                    </a:p>
+                  </a:txBody>
+                  <a:tcPr/>
+                </a:tc>
+              </a:tr>
+              <a:tr h="195942">
+                <a:tc>
+                  <a:txBody>
+                    <a:bodyPr/>
+                    <a:lstStyle/>
+                    <a:p>
+                      <a:pPr>
+                        <a:defRPr sz="1050"/>
+                      </a:pPr>
+                      <a:r>
+                        <a:t>vinorelbine</a:t>
+                      </a:r>
+                    </a:p>
+                  </a:txBody>
+                  <a:tcPr/>
+                </a:tc>
+                <a:tc>
+                  <a:txBody>
+                    <a:bodyPr/>
+                    <a:lstStyle/>
+                    <a:p>
+                      <a:pPr>
+                        <a:defRPr sz="1050"/>
+                      </a:pPr>
+                      <a:r>
+                        <a:t>0.97</a:t>
+                      </a:r>
+                    </a:p>
+                  </a:txBody>
+                  <a:tcPr/>
+                </a:tc>
+                <a:tc>
+                  <a:txBody>
+                    <a:bodyPr/>
+                    <a:lstStyle/>
+                    <a:p>
+                      <a:pPr>
+                        <a:defRPr sz="1050"/>
+                      </a:pPr>
+                      <a:r>
+                        <a:t>disrupts microtubule dynamics; natural product</a:t>
+                      </a:r>
+                    </a:p>
+                  </a:txBody>
+                  <a:tcPr/>
+                </a:tc>
+              </a:tr>
+              <a:tr h="195942">
+                <a:tc>
+                  <a:txBody>
+                    <a:bodyPr/>
+                    <a:lstStyle/>
+                    <a:p>
+                      <a:pPr>
+                        <a:defRPr sz="1050"/>
+                      </a:pPr>
+                      <a:r>
+                        <a:t>etoposide</a:t>
+                      </a:r>
+                    </a:p>
+                  </a:txBody>
+                  <a:tcPr/>
+                </a:tc>
+                <a:tc>
+                  <a:txBody>
+                    <a:bodyPr/>
+                    <a:lstStyle/>
+                    <a:p>
+                      <a:pPr>
+                        <a:defRPr sz="1050"/>
+                      </a:pPr>
+                      <a:r>
+                        <a:t>0.96</a:t>
+                      </a:r>
+                    </a:p>
+                  </a:txBody>
+                  <a:tcPr/>
+                </a:tc>
+                <a:tc>
+                  <a:txBody>
+                    <a:bodyPr/>
+                    <a:lstStyle/>
+                    <a:p>
+                      <a:pPr>
+                        <a:defRPr sz="1050"/>
+                      </a:pPr>
+                      <a:r>
+                        <a:t>Topo II inhibitor</a:t>
+                      </a:r>
+                    </a:p>
+                  </a:txBody>
+                  <a:tcPr/>
+                </a:tc>
+              </a:tr>
+              <a:tr h="195942">
+                <a:tc>
+                  <a:txBody>
+                    <a:bodyPr/>
+                    <a:lstStyle/>
+                    <a:p>
+                      <a:pPr>
+                        <a:defRPr sz="1050"/>
+                      </a:pPr>
+                      <a:r>
+                        <a:t>tamoxifen</a:t>
+                      </a:r>
+                    </a:p>
+                  </a:txBody>
+                  <a:tcPr/>
+                </a:tc>
+                <a:tc>
+                  <a:txBody>
+                    <a:bodyPr/>
+                    <a:lstStyle/>
+                    <a:p>
+                      <a:pPr>
+                        <a:defRPr sz="1050"/>
+                      </a:pPr>
+                      <a:r>
+                        <a:t>0.96</a:t>
+                      </a:r>
+                    </a:p>
+                  </a:txBody>
+                  <a:tcPr/>
+                </a:tc>
+                <a:tc>
+                  <a:txBody>
+                    <a:bodyPr/>
+                    <a:lstStyle/>
+                    <a:p>
+                      <a:pPr>
+                        <a:defRPr sz="1050"/>
+                      </a:pPr>
+                      <a:r>
+                        <a:t>ER antagonist prodrug; converted to 4-OHT and endoxifen in the liver; competes with estrogen for ER binding, inhibits transcription of estrogen target genes</a:t>
+                      </a:r>
+                    </a:p>
+                  </a:txBody>
+                  <a:tcPr/>
+                </a:tc>
+              </a:tr>
+              <a:tr h="195942">
+                <a:tc>
+                  <a:txBody>
+                    <a:bodyPr/>
+                    <a:lstStyle/>
+                    <a:p>
+                      <a:pPr>
+                        <a:defRPr sz="1050"/>
+                      </a:pPr>
+                      <a:r>
+                        <a:t>tacrolimus</a:t>
+                      </a:r>
+                    </a:p>
+                  </a:txBody>
+                  <a:tcPr/>
+                </a:tc>
+                <a:tc>
+                  <a:txBody>
+                    <a:bodyPr/>
+                    <a:lstStyle/>
+                    <a:p>
+                      <a:pPr>
+                        <a:defRPr sz="1050"/>
+                      </a:pPr>
+                      <a:r>
+                        <a:t>0.96</a:t>
+                      </a:r>
+                    </a:p>
+                  </a:txBody>
+                  <a:tcPr/>
+                </a:tc>
+                <a:tc>
+                  <a:txBody>
+                    <a:bodyPr/>
+                    <a:lstStyle/>
+                    <a:p>
+                      <a:pPr>
+                        <a:defRPr sz="1050"/>
+                      </a:pPr>
+                      <a:r>
+                        <a:t>FK-506, immunosuppressive drug usedafter allogeneic organ transplant</a:t>
+                      </a:r>
+                    </a:p>
+                  </a:txBody>
+                  <a:tcPr/>
+                </a:tc>
+              </a:tr>
+              <a:tr h="195942">
+                <a:tc>
+                  <a:txBody>
+                    <a:bodyPr/>
+                    <a:lstStyle/>
+                    <a:p>
+                      <a:pPr>
+                        <a:defRPr sz="1050"/>
+                      </a:pPr>
+                      <a:r>
+                        <a:t>cladribine</a:t>
+                      </a:r>
+                    </a:p>
+                  </a:txBody>
+                  <a:tcPr/>
+                </a:tc>
+                <a:tc>
+                  <a:txBody>
+                    <a:bodyPr/>
+                    <a:lstStyle/>
+                    <a:p>
+                      <a:pPr>
+                        <a:defRPr sz="1050"/>
+                      </a:pPr>
+                      <a:r>
+                        <a:t>0.95</a:t>
+                      </a:r>
+                    </a:p>
+                  </a:txBody>
+                  <a:tcPr/>
+                </a:tc>
+                <a:tc>
+                  <a:txBody>
+                    <a:bodyPr/>
+                    <a:lstStyle/>
+                    <a:p>
+                      <a:pPr>
+                        <a:defRPr sz="1050"/>
+                      </a:pPr>
+                      <a:r>
+                        <a:t>purine analog, inhibits adenosine deaminase, which interferes with DNA sythesis. Used for leukemia</a:t>
+                      </a:r>
+                    </a:p>
+                  </a:txBody>
+                  <a:tcPr/>
+                </a:tc>
+              </a:tr>
+              <a:tr h="195942">
+                <a:tc>
+                  <a:txBody>
+                    <a:bodyPr/>
+                    <a:lstStyle/>
+                    <a:p>
+                      <a:pPr>
+                        <a:defRPr sz="1050"/>
+                      </a:pPr>
+                      <a:r>
+                        <a:t>JNJ-26854165</a:t>
+                      </a:r>
+                    </a:p>
+                  </a:txBody>
+                  <a:tcPr/>
+                </a:tc>
+                <a:tc>
+                  <a:txBody>
+                    <a:bodyPr/>
+                    <a:lstStyle/>
+                    <a:p>
+                      <a:pPr>
+                        <a:defRPr sz="1050"/>
+                      </a:pPr>
+                      <a:r>
+                        <a:t>0.94</a:t>
+                      </a:r>
+                    </a:p>
+                  </a:txBody>
+                  <a:tcPr/>
+                </a:tc>
+                <a:tc>
+                  <a:txBody>
+                    <a:bodyPr/>
+                    <a:lstStyle/>
+                    <a:p>
+                      <a:pPr>
+                        <a:defRPr sz="1050"/>
+                      </a:pPr>
+                      <a:r>
+                        <a:t>(JNJ-26854165) Mdm2 antagonist, stabilizes p53</a:t>
+                      </a:r>
+                    </a:p>
+                  </a:txBody>
+                  <a:tcPr/>
+                </a:tc>
+              </a:tr>
+              <a:tr h="195942">
+                <a:tc>
+                  <a:txBody>
+                    <a:bodyPr/>
+                    <a:lstStyle/>
+                    <a:p>
+                      <a:pPr>
+                        <a:defRPr sz="1050"/>
+                      </a:pPr>
+                      <a:r>
+                        <a:t>GSK-461364</a:t>
+                      </a:r>
+                    </a:p>
+                  </a:txBody>
+                  <a:tcPr/>
+                </a:tc>
+                <a:tc>
+                  <a:txBody>
+                    <a:bodyPr/>
+                    <a:lstStyle/>
+                    <a:p>
+                      <a:pPr>
+                        <a:defRPr sz="1050"/>
+                      </a:pPr>
+                      <a:r>
+                        <a:t>0.94</a:t>
+                      </a:r>
+                    </a:p>
+                  </a:txBody>
+                  <a:tcPr/>
+                </a:tc>
+                <a:tc>
+                  <a:txBody>
+                    <a:bodyPr/>
+                    <a:lstStyle/>
+                    <a:p>
+                      <a:pPr>
+                        <a:defRPr sz="1050"/>
+                      </a:pPr>
+                      <a:r>
+                        <a:t>Plk1 inhibitor, less active against Plk2 and Plk3.</a:t>
+                      </a:r>
+                    </a:p>
+                  </a:txBody>
+                  <a:tcPr/>
+                </a:tc>
+              </a:tr>
+              <a:tr h="195942">
+                <a:tc>
+                  <a:txBody>
+                    <a:bodyPr/>
+                    <a:lstStyle/>
+                    <a:p>
+                      <a:pPr>
+                        <a:defRPr sz="1050"/>
+                      </a:pPr>
+                      <a:r>
+                        <a:t>idarubicin</a:t>
+                      </a:r>
+                    </a:p>
+                  </a:txBody>
+                  <a:tcPr/>
+                </a:tc>
+                <a:tc>
+                  <a:txBody>
+                    <a:bodyPr/>
+                    <a:lstStyle/>
+                    <a:p>
+                      <a:pPr>
+                        <a:defRPr sz="1050"/>
+                      </a:pPr>
+                      <a:r>
+                        <a:t>0.94</a:t>
+                      </a:r>
+                    </a:p>
+                  </a:txBody>
+                  <a:tcPr/>
+                </a:tc>
+                <a:tc>
+                  <a:txBody>
+                    <a:bodyPr/>
+                    <a:lstStyle/>
+                    <a:p>
+                      <a:pPr>
+                        <a:defRPr sz="1050"/>
+                      </a:pPr>
+                      <a:r>
+                        <a:t>Topo II inhibitor, intercalates into DNA, anthracycline</a:t>
+                      </a:r>
+                    </a:p>
+                  </a:txBody>
+                  <a:tcPr/>
+                </a:tc>
+              </a:tr>
+              <a:tr h="195942">
+                <a:tc>
+                  <a:txBody>
+                    <a:bodyPr/>
+                    <a:lstStyle/>
+                    <a:p>
+                      <a:pPr>
+                        <a:defRPr sz="1050"/>
+                      </a:pPr>
+                      <a:r>
+                        <a:t>carmofur</a:t>
+                      </a:r>
+                    </a:p>
+                  </a:txBody>
+                  <a:tcPr/>
+                </a:tc>
+                <a:tc>
+                  <a:txBody>
+                    <a:bodyPr/>
+                    <a:lstStyle/>
+                    <a:p>
+                      <a:pPr>
+                        <a:defRPr sz="1050"/>
+                      </a:pPr>
+                      <a:r>
+                        <a:t>0.94</a:t>
+                      </a:r>
+                    </a:p>
+                  </a:txBody>
+                  <a:tcPr/>
+                </a:tc>
+                <a:tc>
+                  <a:txBody>
+                    <a:bodyPr/>
+                    <a:lstStyle/>
+                    <a:p>
+                      <a:pPr>
+                        <a:defRPr sz="1050"/>
+                      </a:pPr>
+                      <a:r>
+                        <a:t>derivative of fluorouracil, pyrimidine analog</a:t>
+                      </a:r>
+                    </a:p>
+                  </a:txBody>
+                  <a:tcPr/>
+                </a:tc>
+              </a:tr>
+              <a:tr h="195942">
+                <a:tc>
+                  <a:txBody>
+                    <a:bodyPr/>
+                    <a:lstStyle/>
+                    <a:p>
+                      <a:pPr>
+                        <a:defRPr sz="1050"/>
+                      </a:pPr>
+                      <a:r>
+                        <a:t>rucaparib</a:t>
+                      </a:r>
+                    </a:p>
+                  </a:txBody>
+                  <a:tcPr/>
+                </a:tc>
+                <a:tc>
+                  <a:txBody>
+                    <a:bodyPr/>
+                    <a:lstStyle/>
+                    <a:p>
+                      <a:pPr>
+                        <a:defRPr sz="1050"/>
+                      </a:pPr>
+                      <a:r>
+                        <a:t>0.93</a:t>
+                      </a:r>
+                    </a:p>
+                  </a:txBody>
+                  <a:tcPr/>
+                </a:tc>
+                <a:tc>
+                  <a:txBody>
+                    <a:bodyPr/>
+                    <a:lstStyle/>
+                    <a:p>
+                      <a:pPr>
+                        <a:defRPr sz="1050"/>
+                      </a:pPr>
+                      <a:r>
+                        <a:t>PARP inhibitor, inhibits DNA repair</a:t>
+                      </a:r>
+                    </a:p>
+                  </a:txBody>
+                  <a:tcPr/>
+                </a:tc>
+              </a:tr>
+              <a:tr h="195942">
+                <a:tc>
+                  <a:txBody>
+                    <a:bodyPr/>
+                    <a:lstStyle/>
+                    <a:p>
+                      <a:pPr>
+                        <a:defRPr sz="1050"/>
+                      </a:pPr>
+                      <a:r>
+                        <a:t>amsacrine</a:t>
+                      </a:r>
+                    </a:p>
+                  </a:txBody>
+                  <a:tcPr/>
+                </a:tc>
+                <a:tc>
+                  <a:txBody>
+                    <a:bodyPr/>
+                    <a:lstStyle/>
+                    <a:p>
+                      <a:pPr>
+                        <a:defRPr sz="1050"/>
+                      </a:pPr>
+                      <a:r>
+                        <a:t>0.93</a:t>
+                      </a:r>
+                    </a:p>
+                  </a:txBody>
+                  <a:tcPr/>
+                </a:tc>
+                <a:tc>
+                  <a:txBody>
+                    <a:bodyPr/>
+                    <a:lstStyle/>
+                    <a:p>
+                      <a:pPr>
+                        <a:defRPr sz="1050"/>
+                      </a:pPr>
+                      <a:r>
+                        <a:t>Intercalator, inhibits Topo II and blocks both DNA replication and transcription, used in ALL</a:t>
+                      </a:r>
+                    </a:p>
+                  </a:txBody>
+                  <a:tcPr/>
+                </a:tc>
+              </a:tr>
+              <a:tr h="195942">
+                <a:tc>
+                  <a:txBody>
+                    <a:bodyPr/>
+                    <a:lstStyle/>
+                    <a:p>
+                      <a:pPr>
+                        <a:defRPr sz="1050"/>
+                      </a:pPr>
+                      <a:r>
+                        <a:t>raltitrexed</a:t>
+                      </a:r>
+                    </a:p>
+                  </a:txBody>
+                  <a:tcPr/>
+                </a:tc>
+                <a:tc>
+                  <a:txBody>
+                    <a:bodyPr/>
+                    <a:lstStyle/>
+                    <a:p>
+                      <a:pPr>
+                        <a:defRPr sz="1050"/>
+                      </a:pPr>
+                      <a:r>
+                        <a:t>0.92</a:t>
+                      </a:r>
+                    </a:p>
+                  </a:txBody>
+                  <a:tcPr/>
+                </a:tc>
+                <a:tc>
+                  <a:txBody>
+                    <a:bodyPr/>
+                    <a:lstStyle/>
+                    <a:p>
+                      <a:pPr>
+                        <a:defRPr sz="1050"/>
+                      </a:pPr>
+                      <a:r>
+                        <a:t>antimetabolite,  inhibitor of thymidylate synthase</a:t>
+                      </a:r>
+                    </a:p>
+                  </a:txBody>
+                  <a:tcPr/>
+                </a:tc>
+              </a:tr>
+              <a:tr h="195942">
+                <a:tc>
+                  <a:txBody>
+                    <a:bodyPr/>
+                    <a:lstStyle/>
+                    <a:p>
+                      <a:pPr>
+                        <a:defRPr sz="1050"/>
+                      </a:pPr>
+                      <a:r>
+                        <a:t>vorinostat</a:t>
+                      </a:r>
+                    </a:p>
+                  </a:txBody>
+                  <a:tcPr/>
+                </a:tc>
+                <a:tc>
+                  <a:txBody>
+                    <a:bodyPr/>
+                    <a:lstStyle/>
+                    <a:p>
+                      <a:pPr>
+                        <a:defRPr sz="1050"/>
+                      </a:pPr>
+                      <a:r>
+                        <a:t>0.92</a:t>
+                      </a:r>
+                    </a:p>
+                  </a:txBody>
+                  <a:tcPr/>
+                </a:tc>
+                <a:tc>
+                  <a:txBody>
+                    <a:bodyPr/>
+                    <a:lstStyle/>
+                    <a:p>
+                      <a:pPr>
+                        <a:defRPr sz="1050"/>
+                      </a:pPr>
+                      <a:r>
+                        <a:t>HDAC inhibitor (SAHA)</a:t>
+                      </a:r>
+                    </a:p>
+                  </a:txBody>
+                  <a:tcPr/>
+                </a:tc>
+              </a:tr>
+              <a:tr h="195942">
+                <a:tc>
+                  <a:txBody>
+                    <a:bodyPr/>
+                    <a:lstStyle/>
+                    <a:p>
+                      <a:pPr>
+                        <a:defRPr sz="1050"/>
+                      </a:pPr>
+                      <a:r>
+                        <a:t>thiotepa</a:t>
+                      </a:r>
+                    </a:p>
+                  </a:txBody>
+                  <a:tcPr/>
+                </a:tc>
+                <a:tc>
+                  <a:txBody>
+                    <a:bodyPr/>
+                    <a:lstStyle/>
+                    <a:p>
+                      <a:pPr>
+                        <a:defRPr sz="1050"/>
+                      </a:pPr>
+                      <a:r>
+                        <a:t>0.92</a:t>
+                      </a:r>
+                    </a:p>
+                  </a:txBody>
+                  <a:tcPr/>
+                </a:tc>
+                <a:tc>
+                  <a:txBody>
+                    <a:bodyPr/>
+                    <a:lstStyle/>
+                    <a:p>
+                      <a:pPr>
+                        <a:defRPr sz="1050"/>
+                      </a:pPr>
+                      <a:r>
+                        <a:t>alkylating agent, ethylenimine family, causes crosslinks in DNA, which prevents DNA replication and DNA transcription</a:t>
+                      </a:r>
+                    </a:p>
+                  </a:txBody>
+                  <a:tcPr/>
+                </a:tc>
+              </a:tr>
+              <a:tr h="195960">
+                <a:tc>
+                  <a:txBody>
+                    <a:bodyPr/>
+                    <a:lstStyle/>
+                    <a:p>
+                      <a:pPr>
+                        <a:defRPr sz="1050"/>
+                      </a:pPr>
+                      <a:r>
+                        <a:t>irinotecan</a:t>
+                      </a:r>
+                    </a:p>
+                  </a:txBody>
+                  <a:tcPr/>
+                </a:tc>
+                <a:tc>
+                  <a:txBody>
+                    <a:bodyPr/>
+                    <a:lstStyle/>
+                    <a:p>
+                      <a:pPr>
+                        <a:defRPr sz="1050"/>
+                      </a:pPr>
+                      <a:r>
+                        <a:t>0.91</a:t>
+                      </a:r>
+                    </a:p>
+                  </a:txBody>
+                  <a:tcPr/>
+                </a:tc>
+                <a:tc>
+                  <a:txBody>
+                    <a:bodyPr/>
+                    <a:lstStyle/>
+                    <a:p>
+                      <a:pPr>
+                        <a:defRPr sz="1050"/>
+                      </a:pPr>
+                      <a:r>
+                        <a:t>aka CPT-11, inhibitor of Topo I</a:t>
+                      </a:r>
+                    </a:p>
+                  </a:txBody>
+                  <a:tcPr/>
+                </a:tc>
+              </a:tr>
+            </a:tbl>
+          </a:graphicData>
+        </a:graphic>
+      </p:graphicFrame>
+    </p:spTree>
+  </p:cSld>
+  <p:clrMapOvr>
+    <a:masterClrMapping/>
+  </p:clrMapOvr>
+</p:sld>
+</file>
+
+<file path=ppt/slides/slide8.xml><?xml version="1.0" encoding="utf-8"?>
+<p:sld xmlns:a="http://schemas.openxmlformats.org/drawingml/2006/main" xmlns:p="http://schemas.openxmlformats.org/presentationml/2006/main" xmlns:r="http://schemas.openxmlformats.org/officeDocument/2006/relationships">
+  <p:cSld>
+    <p:spTree>
+      <p:nvGrpSpPr>
+        <p:cNvPr id="1" name=""/>
+        <p:cNvGrpSpPr/>
+        <p:nvPr/>
+      </p:nvGrpSpPr>
+      <p:grpSpPr/>
+      <p:sp>
+        <p:nvSpPr>
+          <p:cNvPr id="2" name="TextBox 1"/>
+          <p:cNvSpPr txBox="1"/>
+          <p:nvPr/>
+        </p:nvSpPr>
+        <p:spPr>
+          <a:xfrm>
+            <a:off x="0" y="0"/>
+            <a:ext cx="9144000" cy="685800"/>
+          </a:xfrm>
+          <a:prstGeom prst="rect">
+            <a:avLst/>
+          </a:prstGeom>
+          <a:noFill/>
+        </p:spPr>
+        <p:txBody>
+          <a:bodyPr wrap="none">
+            <a:spAutoFit/>
+          </a:bodyPr>
+          <a:lstStyle/>
+          <a:p/>
+          <a:p>
+            <a:pPr>
+              <a:defRPr sz="2400"/>
+            </a:pPr>
+            <a:r>
+              <a:t>DiSCoVER ∩ CMap: top common drugs (cerebellar stem cell control)</a:t>
+            </a:r>
+          </a:p>
+        </p:txBody>
+      </p:sp>
+      <p:graphicFrame>
+        <p:nvGraphicFramePr>
+          <p:cNvPr id="3" name="Table 2"/>
+          <p:cNvGraphicFramePr>
+            <a:graphicFrameLocks noGrp="1"/>
+          </p:cNvGraphicFramePr>
+          <p:nvPr/>
+        </p:nvGraphicFramePr>
+        <p:xfrm>
+          <a:off x="411480" y="777240"/>
+          <a:ext cx="8503920" cy="4114800"/>
+        </p:xfrm>
+        <a:graphic>
+          <a:graphicData uri="http://schemas.openxmlformats.org/drawingml/2006/table">
+            <a:tbl>
+              <a:tblPr firstRow="1" bandRow="1">
+                <a:tableStyleId>{5C22544A-7EE6-4342-B048-85BDC9FD1C3A}</a:tableStyleId>
+              </a:tblPr>
+              <a:tblGrid>
+                <a:gridCol w="1005840"/>
+                <a:gridCol w="4114800"/>
+                <a:gridCol w="731520"/>
+                <a:gridCol w="1005840"/>
+                <a:gridCol w="914400"/>
+                <a:gridCol w="731520"/>
+              </a:tblGrid>
+              <a:tr h="195942">
+                <a:tc>
+                  <a:txBody>
+                    <a:bodyPr/>
+                    <a:lstStyle/>
+                    <a:p>
+                      <a:pPr>
+                        <a:defRPr sz="1100"/>
+                      </a:pPr>
+                      <a:r>
+                        <a:t>Drug</a:t>
+                      </a:r>
+                    </a:p>
+                  </a:txBody>
+                  <a:tcPr/>
+                </a:tc>
+                <a:tc>
+                  <a:txBody>
+                    <a:bodyPr/>
+                    <a:lstStyle/>
+                    <a:p>
+                      <a:pPr>
+                        <a:defRPr sz="1100"/>
+                      </a:pPr>
+                      <a:r>
+                        <a:t>Mechanism of action</a:t>
+                      </a:r>
+                    </a:p>
+                  </a:txBody>
+                  <a:tcPr/>
+                </a:tc>
+                <a:tc>
+                  <a:txBody>
+                    <a:bodyPr/>
+                    <a:lstStyle/>
+                    <a:p>
+                      <a:pPr>
+                        <a:defRPr sz="1100"/>
+                      </a:pPr>
+                      <a:r>
+                        <a:t>Evidence</a:t>
+                      </a:r>
+                    </a:p>
+                  </a:txBody>
+                  <a:tcPr/>
+                </a:tc>
+                <a:tc>
+                  <a:txBody>
+                    <a:bodyPr/>
+                    <a:lstStyle/>
+                    <a:p>
+                      <a:pPr>
+                        <a:defRPr sz="1100"/>
+                      </a:pPr>
+                      <a:r>
+                        <a:t>DiSCoVER Rank</a:t>
+                      </a:r>
+                    </a:p>
+                  </a:txBody>
+                  <a:tcPr/>
+                </a:tc>
+                <a:tc>
+                  <a:txBody>
+                    <a:bodyPr/>
+                    <a:lstStyle/>
+                    <a:p>
+                      <a:pPr>
+                        <a:defRPr sz="1100"/>
+                      </a:pPr>
+                      <a:r>
+                        <a:t>CMap Rank</a:t>
+                      </a:r>
+                    </a:p>
+                  </a:txBody>
+                  <a:tcPr/>
+                </a:tc>
+                <a:tc>
+                  <a:txBody>
+                    <a:bodyPr/>
+                    <a:lstStyle/>
+                    <a:p>
+                      <a:pPr>
+                        <a:defRPr sz="1100"/>
+                      </a:pPr>
+                      <a:r>
+                        <a:t>Average Rank</a:t>
+                      </a:r>
+                    </a:p>
+                  </a:txBody>
+                  <a:tcPr/>
+                </a:tc>
+              </a:tr>
+              <a:tr h="195942">
+                <a:tc>
+                  <a:txBody>
+                    <a:bodyPr/>
+                    <a:lstStyle/>
+                    <a:p>
+                      <a:pPr>
+                        <a:defRPr sz="1000"/>
+                      </a:pPr>
+                      <a:r>
+                        <a:t>alectinib</a:t>
+                      </a:r>
+                    </a:p>
+                  </a:txBody>
+                  <a:tcPr/>
+                </a:tc>
+                <a:tc>
+                  <a:txBody>
+                    <a:bodyPr/>
+                    <a:lstStyle/>
+                    <a:p>
+                      <a:pPr>
+                        <a:defRPr sz="1000"/>
+                      </a:pPr>
+                      <a:r>
+                        <a:t>ALK inhibitor, used to treat non-small-cell lung cancer (NSCLC)</a:t>
+                      </a:r>
+                    </a:p>
+                  </a:txBody>
+                  <a:tcPr/>
+                </a:tc>
+                <a:tc>
+                  <a:txBody>
+                    <a:bodyPr/>
+                    <a:lstStyle/>
+                    <a:p>
+                      <a:pPr>
+                        <a:defRPr sz="1000"/>
+                      </a:pPr>
+                      <a:r>
+                        <a:t>+...</a:t>
+                      </a:r>
+                    </a:p>
+                  </a:txBody>
+                  <a:tcPr/>
+                </a:tc>
+                <a:tc>
+                  <a:txBody>
+                    <a:bodyPr/>
+                    <a:lstStyle/>
+                    <a:p>
+                      <a:pPr>
+                        <a:defRPr sz="1000"/>
+                      </a:pPr>
+                      <a:r>
+                        <a:t>1</a:t>
+                      </a:r>
+                    </a:p>
+                  </a:txBody>
+                  <a:tcPr/>
+                </a:tc>
+                <a:tc>
+                  <a:txBody>
+                    <a:bodyPr/>
+                    <a:lstStyle/>
+                    <a:p>
+                      <a:pPr>
+                        <a:defRPr sz="1000"/>
+                      </a:pPr>
+                      <a:r>
+                        <a:t>175</a:t>
+                      </a:r>
+                    </a:p>
+                  </a:txBody>
+                  <a:tcPr/>
+                </a:tc>
+                <a:tc>
+                  <a:txBody>
+                    <a:bodyPr/>
+                    <a:lstStyle/>
+                    <a:p>
+                      <a:pPr>
+                        <a:defRPr sz="1000"/>
+                      </a:pPr>
+                      <a:r>
+                        <a:t>1.0</a:t>
+                      </a:r>
+                    </a:p>
+                  </a:txBody>
+                  <a:tcPr/>
+                </a:tc>
+              </a:tr>
+              <a:tr h="195942">
+                <a:tc>
+                  <a:txBody>
+                    <a:bodyPr/>
+                    <a:lstStyle/>
+                    <a:p>
+                      <a:pPr>
+                        <a:defRPr sz="1000"/>
+                      </a:pPr>
+                      <a:r>
+                        <a:t>gsk1070916</a:t>
+                      </a:r>
+                    </a:p>
+                  </a:txBody>
+                  <a:tcPr/>
+                </a:tc>
+                <a:tc>
+                  <a:txBody>
+                    <a:bodyPr/>
+                    <a:lstStyle/>
+                    <a:p>
+                      <a:pPr>
+                        <a:defRPr sz="1000"/>
+                      </a:pPr>
+                      <a:r>
+                        <a:t>Not Clinically Relevant</a:t>
+                      </a:r>
+                    </a:p>
+                  </a:txBody>
+                  <a:tcPr/>
+                </a:tc>
+                <a:tc>
+                  <a:txBody>
+                    <a:bodyPr/>
+                    <a:lstStyle/>
+                    <a:p>
+                      <a:pPr>
+                        <a:defRPr sz="1000"/>
+                      </a:pPr>
+                      <a:r>
+                        <a:t>+...</a:t>
+                      </a:r>
+                    </a:p>
+                  </a:txBody>
+                  <a:tcPr/>
+                </a:tc>
+                <a:tc>
+                  <a:txBody>
+                    <a:bodyPr/>
+                    <a:lstStyle/>
+                    <a:p>
+                      <a:pPr>
+                        <a:defRPr sz="1000"/>
+                      </a:pPr>
+                      <a:r>
+                        <a:t>2</a:t>
+                      </a:r>
+                    </a:p>
+                  </a:txBody>
+                  <a:tcPr/>
+                </a:tc>
+                <a:tc>
+                  <a:txBody>
+                    <a:bodyPr/>
+                    <a:lstStyle/>
+                    <a:p>
+                      <a:pPr>
+                        <a:defRPr sz="1000"/>
+                      </a:pPr>
+                      <a:r>
+                        <a:t>176</a:t>
+                      </a:r>
+                    </a:p>
+                  </a:txBody>
+                  <a:tcPr/>
+                </a:tc>
+                <a:tc>
+                  <a:txBody>
+                    <a:bodyPr/>
+                    <a:lstStyle/>
+                    <a:p>
+                      <a:pPr>
+                        <a:defRPr sz="1000"/>
+                      </a:pPr>
+                      <a:r>
+                        <a:t>2.0</a:t>
+                      </a:r>
+                    </a:p>
+                  </a:txBody>
+                  <a:tcPr/>
+                </a:tc>
+              </a:tr>
+              <a:tr h="195942">
+                <a:tc>
+                  <a:txBody>
+                    <a:bodyPr/>
+                    <a:lstStyle/>
+                    <a:p>
+                      <a:pPr>
+                        <a:defRPr sz="1000"/>
+                      </a:pPr>
+                      <a:r>
+                        <a:t>tl-2-105</a:t>
+                      </a:r>
+                    </a:p>
+                  </a:txBody>
+                  <a:tcPr/>
+                </a:tc>
+                <a:tc>
+                  <a:txBody>
+                    <a:bodyPr/>
+                    <a:lstStyle/>
+                    <a:p>
+                      <a:pPr>
+                        <a:defRPr sz="1000"/>
+                      </a:pPr>
+                      <a:r>
+                        <a:t>Not Clinically Relevant</a:t>
+                      </a:r>
+                    </a:p>
+                  </a:txBody>
+                  <a:tcPr/>
+                </a:tc>
+                <a:tc>
+                  <a:txBody>
+                    <a:bodyPr/>
+                    <a:lstStyle/>
+                    <a:p>
+                      <a:pPr>
+                        <a:defRPr sz="1000"/>
+                      </a:pPr>
+                      <a:r>
+                        <a:t>+...</a:t>
+                      </a:r>
+                    </a:p>
+                  </a:txBody>
+                  <a:tcPr/>
+                </a:tc>
+                <a:tc>
+                  <a:txBody>
+                    <a:bodyPr/>
+                    <a:lstStyle/>
+                    <a:p>
+                      <a:pPr>
+                        <a:defRPr sz="1000"/>
+                      </a:pPr>
+                      <a:r>
+                        <a:t>3</a:t>
+                      </a:r>
+                    </a:p>
+                  </a:txBody>
+                  <a:tcPr/>
+                </a:tc>
+                <a:tc>
+                  <a:txBody>
+                    <a:bodyPr/>
+                    <a:lstStyle/>
+                    <a:p>
+                      <a:pPr>
+                        <a:defRPr sz="1000"/>
+                      </a:pPr>
+                      <a:r>
+                        <a:t>177</a:t>
+                      </a:r>
+                    </a:p>
+                  </a:txBody>
+                  <a:tcPr/>
+                </a:tc>
+                <a:tc>
+                  <a:txBody>
+                    <a:bodyPr/>
+                    <a:lstStyle/>
+                    <a:p>
+                      <a:pPr>
+                        <a:defRPr sz="1000"/>
+                      </a:pPr>
+                      <a:r>
+                        <a:t>3.0</a:t>
+                      </a:r>
+                    </a:p>
+                  </a:txBody>
+                  <a:tcPr/>
+                </a:tc>
+              </a:tr>
+              <a:tr h="195942">
+                <a:tc>
+                  <a:txBody>
+                    <a:bodyPr/>
+                    <a:lstStyle/>
+                    <a:p>
+                      <a:pPr>
+                        <a:defRPr sz="1000"/>
+                      </a:pPr>
+                      <a:r>
+                        <a:t>sb52334</a:t>
+                      </a:r>
+                    </a:p>
+                  </a:txBody>
+                  <a:tcPr/>
+                </a:tc>
+                <a:tc>
+                  <a:txBody>
+                    <a:bodyPr/>
+                    <a:lstStyle/>
+                    <a:p>
+                      <a:pPr>
+                        <a:defRPr sz="1000"/>
+                      </a:pPr>
+                      <a:r>
+                        <a:t>Not Clinically Relevant</a:t>
+                      </a:r>
+                    </a:p>
+                  </a:txBody>
+                  <a:tcPr/>
+                </a:tc>
+                <a:tc>
+                  <a:txBody>
+                    <a:bodyPr/>
+                    <a:lstStyle/>
+                    <a:p>
+                      <a:pPr>
+                        <a:defRPr sz="1000"/>
+                      </a:pPr>
+                      <a:r>
+                        <a:t>+...</a:t>
+                      </a:r>
+                    </a:p>
+                  </a:txBody>
+                  <a:tcPr/>
+                </a:tc>
+                <a:tc>
+                  <a:txBody>
+                    <a:bodyPr/>
+                    <a:lstStyle/>
+                    <a:p>
+                      <a:pPr>
+                        <a:defRPr sz="1000"/>
+                      </a:pPr>
+                      <a:r>
+                        <a:t>4</a:t>
+                      </a:r>
+                    </a:p>
+                  </a:txBody>
+                  <a:tcPr/>
+                </a:tc>
+                <a:tc>
+                  <a:txBody>
+                    <a:bodyPr/>
+                    <a:lstStyle/>
+                    <a:p>
+                      <a:pPr>
+                        <a:defRPr sz="1000"/>
+                      </a:pPr>
+                      <a:r>
+                        <a:t>178</a:t>
+                      </a:r>
+                    </a:p>
+                  </a:txBody>
+                  <a:tcPr/>
+                </a:tc>
+                <a:tc>
+                  <a:txBody>
+                    <a:bodyPr/>
+                    <a:lstStyle/>
+                    <a:p>
+                      <a:pPr>
+                        <a:defRPr sz="1000"/>
+                      </a:pPr>
+                      <a:r>
+                        <a:t>4.0</a:t>
+                      </a:r>
+                    </a:p>
+                  </a:txBody>
+                  <a:tcPr/>
+                </a:tc>
+              </a:tr>
+              <a:tr h="195942">
+                <a:tc>
+                  <a:txBody>
+                    <a:bodyPr/>
+                    <a:lstStyle/>
+                    <a:p>
+                      <a:pPr>
+                        <a:defRPr sz="1000"/>
+                      </a:pPr>
+                      <a:r>
+                        <a:t>cladribine</a:t>
+                      </a:r>
+                    </a:p>
+                  </a:txBody>
+                  <a:tcPr/>
+                </a:tc>
+                <a:tc>
+                  <a:txBody>
+                    <a:bodyPr/>
+                    <a:lstStyle/>
+                    <a:p>
+                      <a:pPr>
+                        <a:defRPr sz="1000"/>
+                      </a:pPr>
+                      <a:r>
+                        <a:t>purine analog, inhibits adenosine deaminase, which interferes with DNA sythesis. Used for leukemia</a:t>
+                      </a:r>
+                    </a:p>
+                  </a:txBody>
+                  <a:tcPr/>
+                </a:tc>
+                <a:tc>
+                  <a:txBody>
+                    <a:bodyPr/>
+                    <a:lstStyle/>
+                    <a:p>
+                      <a:pPr>
+                        <a:defRPr sz="1000"/>
+                      </a:pPr>
+                      <a:r>
+                        <a:t>...+</a:t>
+                      </a:r>
+                    </a:p>
+                  </a:txBody>
+                  <a:tcPr/>
+                </a:tc>
+                <a:tc>
+                  <a:txBody>
+                    <a:bodyPr/>
+                    <a:lstStyle/>
+                    <a:p>
+                      <a:pPr>
+                        <a:defRPr sz="1000"/>
+                      </a:pPr>
+                      <a:r>
+                        <a:t>674</a:t>
+                      </a:r>
+                    </a:p>
+                  </a:txBody>
+                  <a:tcPr/>
+                </a:tc>
+                <a:tc>
+                  <a:txBody>
+                    <a:bodyPr/>
+                    <a:lstStyle/>
+                    <a:p>
+                      <a:pPr>
+                        <a:defRPr sz="1000"/>
+                      </a:pPr>
+                      <a:r>
+                        <a:t>4</a:t>
+                      </a:r>
+                    </a:p>
+                  </a:txBody>
+                  <a:tcPr/>
+                </a:tc>
+                <a:tc>
+                  <a:txBody>
+                    <a:bodyPr/>
+                    <a:lstStyle/>
+                    <a:p>
+                      <a:pPr>
+                        <a:defRPr sz="1000"/>
+                      </a:pPr>
+                      <a:r>
+                        <a:t>4.0</a:t>
+                      </a:r>
+                    </a:p>
+                  </a:txBody>
+                  <a:tcPr/>
+                </a:tc>
+              </a:tr>
+              <a:tr h="195942">
+                <a:tc>
+                  <a:txBody>
+                    <a:bodyPr/>
+                    <a:lstStyle/>
+                    <a:p>
+                      <a:pPr>
+                        <a:defRPr sz="1000"/>
+                      </a:pPr>
+                      <a:r>
+                        <a:t>ql-xii-61</a:t>
+                      </a:r>
+                    </a:p>
+                  </a:txBody>
+                  <a:tcPr/>
+                </a:tc>
+                <a:tc>
+                  <a:txBody>
+                    <a:bodyPr/>
+                    <a:lstStyle/>
+                    <a:p>
+                      <a:pPr>
+                        <a:defRPr sz="1000"/>
+                      </a:pPr>
+                      <a:r>
+                        <a:t>Not Clinically Relevant</a:t>
+                      </a:r>
+                    </a:p>
+                  </a:txBody>
+                  <a:tcPr/>
+                </a:tc>
+                <a:tc>
+                  <a:txBody>
+                    <a:bodyPr/>
+                    <a:lstStyle/>
+                    <a:p>
+                      <a:pPr>
+                        <a:defRPr sz="1000"/>
+                      </a:pPr>
+                      <a:r>
+                        <a:t>+...</a:t>
+                      </a:r>
+                    </a:p>
+                  </a:txBody>
+                  <a:tcPr/>
+                </a:tc>
+                <a:tc>
+                  <a:txBody>
+                    <a:bodyPr/>
+                    <a:lstStyle/>
+                    <a:p>
+                      <a:pPr>
+                        <a:defRPr sz="1000"/>
+                      </a:pPr>
+                      <a:r>
+                        <a:t>5</a:t>
+                      </a:r>
+                    </a:p>
+                  </a:txBody>
+                  <a:tcPr/>
+                </a:tc>
+                <a:tc>
+                  <a:txBody>
+                    <a:bodyPr/>
+                    <a:lstStyle/>
+                    <a:p>
+                      <a:pPr>
+                        <a:defRPr sz="1000"/>
+                      </a:pPr>
+                      <a:r>
+                        <a:t>179</a:t>
+                      </a:r>
+                    </a:p>
+                  </a:txBody>
+                  <a:tcPr/>
+                </a:tc>
+                <a:tc>
+                  <a:txBody>
+                    <a:bodyPr/>
+                    <a:lstStyle/>
+                    <a:p>
+                      <a:pPr>
+                        <a:defRPr sz="1000"/>
+                      </a:pPr>
+                      <a:r>
+                        <a:t>5.0</a:t>
+                      </a:r>
+                    </a:p>
+                  </a:txBody>
+                  <a:tcPr/>
+                </a:tc>
+              </a:tr>
+              <a:tr h="195942">
+                <a:tc>
+                  <a:txBody>
+                    <a:bodyPr/>
+                    <a:lstStyle/>
+                    <a:p>
+                      <a:pPr>
+                        <a:defRPr sz="1000"/>
+                      </a:pPr>
+                      <a:r>
+                        <a:t>jnj-26854165</a:t>
+                      </a:r>
+                    </a:p>
+                  </a:txBody>
+                  <a:tcPr/>
+                </a:tc>
+                <a:tc>
+                  <a:txBody>
+                    <a:bodyPr/>
+                    <a:lstStyle/>
+                    <a:p>
+                      <a:pPr>
+                        <a:defRPr sz="1000"/>
+                      </a:pPr>
+                      <a:r>
+                        <a:t>(JNJ-26854165) Mdm2 antagonist, stabilizes p53</a:t>
+                      </a:r>
+                    </a:p>
+                  </a:txBody>
+                  <a:tcPr/>
+                </a:tc>
+                <a:tc>
+                  <a:txBody>
+                    <a:bodyPr/>
+                    <a:lstStyle/>
+                    <a:p>
+                      <a:pPr>
+                        <a:defRPr sz="1000"/>
+                      </a:pPr>
+                      <a:r>
+                        <a:t>...+</a:t>
+                      </a:r>
+                    </a:p>
+                  </a:txBody>
+                  <a:tcPr/>
+                </a:tc>
+                <a:tc>
+                  <a:txBody>
+                    <a:bodyPr/>
+                    <a:lstStyle/>
+                    <a:p>
+                      <a:pPr>
+                        <a:defRPr sz="1000"/>
+                      </a:pPr>
+                      <a:r>
+                        <a:t>675</a:t>
+                      </a:r>
+                    </a:p>
+                  </a:txBody>
+                  <a:tcPr/>
+                </a:tc>
+                <a:tc>
+                  <a:txBody>
+                    <a:bodyPr/>
+                    <a:lstStyle/>
+                    <a:p>
+                      <a:pPr>
+                        <a:defRPr sz="1000"/>
+                      </a:pPr>
+                      <a:r>
+                        <a:t>5</a:t>
+                      </a:r>
+                    </a:p>
+                  </a:txBody>
+                  <a:tcPr/>
+                </a:tc>
+                <a:tc>
+                  <a:txBody>
+                    <a:bodyPr/>
+                    <a:lstStyle/>
+                    <a:p>
+                      <a:pPr>
+                        <a:defRPr sz="1000"/>
+                      </a:pPr>
+                      <a:r>
+                        <a:t>5.0</a:t>
+                      </a:r>
+                    </a:p>
+                  </a:txBody>
+                  <a:tcPr/>
+                </a:tc>
+              </a:tr>
+              <a:tr h="195942">
+                <a:tc>
+                  <a:txBody>
+                    <a:bodyPr/>
+                    <a:lstStyle/>
+                    <a:p>
+                      <a:pPr>
+                        <a:defRPr sz="1000"/>
+                      </a:pPr>
+                      <a:r>
+                        <a:t>gsk-461364</a:t>
+                      </a:r>
+                    </a:p>
+                  </a:txBody>
+                  <a:tcPr/>
+                </a:tc>
+                <a:tc>
+                  <a:txBody>
+                    <a:bodyPr/>
+                    <a:lstStyle/>
+                    <a:p>
+                      <a:pPr>
+                        <a:defRPr sz="1000"/>
+                      </a:pPr>
+                      <a:r>
+                        <a:t>Plk1 inhibitor, less active against Plk2 and Plk3.</a:t>
+                      </a:r>
+                    </a:p>
+                  </a:txBody>
+                  <a:tcPr/>
+                </a:tc>
+                <a:tc>
+                  <a:txBody>
+                    <a:bodyPr/>
+                    <a:lstStyle/>
+                    <a:p>
+                      <a:pPr>
+                        <a:defRPr sz="1000"/>
+                      </a:pPr>
+                      <a:r>
+                        <a:t>...+</a:t>
+                      </a:r>
+                    </a:p>
+                  </a:txBody>
+                  <a:tcPr/>
+                </a:tc>
+                <a:tc>
+                  <a:txBody>
+                    <a:bodyPr/>
+                    <a:lstStyle/>
+                    <a:p>
+                      <a:pPr>
+                        <a:defRPr sz="1000"/>
+                      </a:pPr>
+                      <a:r>
+                        <a:t>676</a:t>
+                      </a:r>
+                    </a:p>
+                  </a:txBody>
+                  <a:tcPr/>
+                </a:tc>
+                <a:tc>
+                  <a:txBody>
+                    <a:bodyPr/>
+                    <a:lstStyle/>
+                    <a:p>
+                      <a:pPr>
+                        <a:defRPr sz="1000"/>
+                      </a:pPr>
+                      <a:r>
+                        <a:t>6</a:t>
+                      </a:r>
+                    </a:p>
+                  </a:txBody>
+                  <a:tcPr/>
+                </a:tc>
+                <a:tc>
+                  <a:txBody>
+                    <a:bodyPr/>
+                    <a:lstStyle/>
+                    <a:p>
+                      <a:pPr>
+                        <a:defRPr sz="1000"/>
+                      </a:pPr>
+                      <a:r>
+                        <a:t>6.0</a:t>
+                      </a:r>
+                    </a:p>
+                  </a:txBody>
+                  <a:tcPr/>
+                </a:tc>
+              </a:tr>
+              <a:tr h="195942">
+                <a:tc>
+                  <a:txBody>
+                    <a:bodyPr/>
+                    <a:lstStyle/>
+                    <a:p>
+                      <a:pPr>
+                        <a:defRPr sz="1000"/>
+                      </a:pPr>
+                      <a:r>
+                        <a:t>gsk429286a</a:t>
+                      </a:r>
+                    </a:p>
+                  </a:txBody>
+                  <a:tcPr/>
+                </a:tc>
+                <a:tc>
+                  <a:txBody>
+                    <a:bodyPr/>
+                    <a:lstStyle/>
+                    <a:p>
+                      <a:pPr>
+                        <a:defRPr sz="1000"/>
+                      </a:pPr>
+                      <a:r>
+                        <a:t>Not Clinically Relevant</a:t>
+                      </a:r>
+                    </a:p>
+                  </a:txBody>
+                  <a:tcPr/>
+                </a:tc>
+                <a:tc>
+                  <a:txBody>
+                    <a:bodyPr/>
+                    <a:lstStyle/>
+                    <a:p>
+                      <a:pPr>
+                        <a:defRPr sz="1000"/>
+                      </a:pPr>
+                      <a:r>
+                        <a:t>+...</a:t>
+                      </a:r>
+                    </a:p>
+                  </a:txBody>
+                  <a:tcPr/>
+                </a:tc>
+                <a:tc>
+                  <a:txBody>
+                    <a:bodyPr/>
+                    <a:lstStyle/>
+                    <a:p>
+                      <a:pPr>
+                        <a:defRPr sz="1000"/>
+                      </a:pPr>
+                      <a:r>
+                        <a:t>6</a:t>
+                      </a:r>
+                    </a:p>
+                  </a:txBody>
+                  <a:tcPr/>
+                </a:tc>
+                <a:tc>
+                  <a:txBody>
+                    <a:bodyPr/>
+                    <a:lstStyle/>
+                    <a:p>
+                      <a:pPr>
+                        <a:defRPr sz="1000"/>
+                      </a:pPr>
+                      <a:r>
+                        <a:t>180</a:t>
+                      </a:r>
+                    </a:p>
+                  </a:txBody>
+                  <a:tcPr/>
+                </a:tc>
+                <a:tc>
+                  <a:txBody>
+                    <a:bodyPr/>
+                    <a:lstStyle/>
+                    <a:p>
+                      <a:pPr>
+                        <a:defRPr sz="1000"/>
+                      </a:pPr>
+                      <a:r>
+                        <a:t>6.0</a:t>
+                      </a:r>
+                    </a:p>
+                  </a:txBody>
+                  <a:tcPr/>
+                </a:tc>
+              </a:tr>
+              <a:tr h="195942">
+                <a:tc>
+                  <a:txBody>
+                    <a:bodyPr/>
+                    <a:lstStyle/>
+                    <a:p>
+                      <a:pPr>
+                        <a:defRPr sz="1000"/>
+                      </a:pPr>
+                      <a:r>
+                        <a:t>vx-702</a:t>
+                      </a:r>
+                    </a:p>
+                  </a:txBody>
+                  <a:tcPr/>
+                </a:tc>
+                <a:tc>
+                  <a:txBody>
+                    <a:bodyPr/>
+                    <a:lstStyle/>
+                    <a:p>
+                      <a:pPr>
+                        <a:defRPr sz="1000"/>
+                      </a:pPr>
+                      <a:r>
+                        <a:t>Not Clinically Relevant</a:t>
+                      </a:r>
+                    </a:p>
+                  </a:txBody>
+                  <a:tcPr/>
+                </a:tc>
+                <a:tc>
+                  <a:txBody>
+                    <a:bodyPr/>
+                    <a:lstStyle/>
+                    <a:p>
+                      <a:pPr>
+                        <a:defRPr sz="1000"/>
+                      </a:pPr>
+                      <a:r>
+                        <a:t>+...</a:t>
+                      </a:r>
+                    </a:p>
+                  </a:txBody>
+                  <a:tcPr/>
+                </a:tc>
+                <a:tc>
+                  <a:txBody>
+                    <a:bodyPr/>
+                    <a:lstStyle/>
+                    <a:p>
+                      <a:pPr>
+                        <a:defRPr sz="1000"/>
+                      </a:pPr>
+                      <a:r>
+                        <a:t>7</a:t>
+                      </a:r>
+                    </a:p>
+                  </a:txBody>
+                  <a:tcPr/>
+                </a:tc>
+                <a:tc>
+                  <a:txBody>
+                    <a:bodyPr/>
+                    <a:lstStyle/>
+                    <a:p>
+                      <a:pPr>
+                        <a:defRPr sz="1000"/>
+                      </a:pPr>
+                      <a:r>
+                        <a:t>181</a:t>
+                      </a:r>
+                    </a:p>
+                  </a:txBody>
+                  <a:tcPr/>
+                </a:tc>
+                <a:tc>
+                  <a:txBody>
+                    <a:bodyPr/>
+                    <a:lstStyle/>
+                    <a:p>
+                      <a:pPr>
+                        <a:defRPr sz="1000"/>
+                      </a:pPr>
+                      <a:r>
+                        <a:t>7.0</a:t>
+                      </a:r>
+                    </a:p>
+                  </a:txBody>
+                  <a:tcPr/>
+                </a:tc>
+              </a:tr>
+              <a:tr h="195942">
+                <a:tc>
+                  <a:txBody>
+                    <a:bodyPr/>
+                    <a:lstStyle/>
+                    <a:p>
+                      <a:pPr>
+                        <a:defRPr sz="1000"/>
+                      </a:pPr>
+                      <a:r>
+                        <a:t>carmofur</a:t>
+                      </a:r>
+                    </a:p>
+                  </a:txBody>
+                  <a:tcPr/>
+                </a:tc>
+                <a:tc>
+                  <a:txBody>
+                    <a:bodyPr/>
+                    <a:lstStyle/>
+                    <a:p>
+                      <a:pPr>
+                        <a:defRPr sz="1000"/>
+                      </a:pPr>
+                      <a:r>
+                        <a:t>derivative of fluorouracil, pyrimidine analog</a:t>
+                      </a:r>
+                    </a:p>
+                  </a:txBody>
+                  <a:tcPr/>
+                </a:tc>
+                <a:tc>
+                  <a:txBody>
+                    <a:bodyPr/>
+                    <a:lstStyle/>
+                    <a:p>
+                      <a:pPr>
+                        <a:defRPr sz="1000"/>
+                      </a:pPr>
+                      <a:r>
+                        <a:t>...+</a:t>
+                      </a:r>
+                    </a:p>
+                  </a:txBody>
+                  <a:tcPr/>
+                </a:tc>
+                <a:tc>
+                  <a:txBody>
+                    <a:bodyPr/>
+                    <a:lstStyle/>
+                    <a:p>
+                      <a:pPr>
+                        <a:defRPr sz="1000"/>
+                      </a:pPr>
+                      <a:r>
+                        <a:t>678</a:t>
+                      </a:r>
+                    </a:p>
+                  </a:txBody>
+                  <a:tcPr/>
+                </a:tc>
+                <a:tc>
+                  <a:txBody>
+                    <a:bodyPr/>
+                    <a:lstStyle/>
+                    <a:p>
+                      <a:pPr>
+                        <a:defRPr sz="1000"/>
+                      </a:pPr>
+                      <a:r>
+                        <a:t>7</a:t>
+                      </a:r>
+                    </a:p>
+                  </a:txBody>
+                  <a:tcPr/>
+                </a:tc>
+                <a:tc>
+                  <a:txBody>
+                    <a:bodyPr/>
+                    <a:lstStyle/>
+                    <a:p>
+                      <a:pPr>
+                        <a:defRPr sz="1000"/>
+                      </a:pPr>
+                      <a:r>
+                        <a:t>7.0</a:t>
+                      </a:r>
+                    </a:p>
+                  </a:txBody>
+                  <a:tcPr/>
+                </a:tc>
+              </a:tr>
+              <a:tr h="195942">
+                <a:tc>
+                  <a:txBody>
+                    <a:bodyPr/>
+                    <a:lstStyle/>
+                    <a:p>
+                      <a:pPr>
+                        <a:defRPr sz="1000"/>
+                      </a:pPr>
+                      <a:r>
+                        <a:t>tubastatin a</a:t>
+                      </a:r>
+                    </a:p>
+                  </a:txBody>
+                  <a:tcPr/>
+                </a:tc>
+                <a:tc>
+                  <a:txBody>
+                    <a:bodyPr/>
+                    <a:lstStyle/>
+                    <a:p>
+                      <a:pPr>
+                        <a:defRPr sz="1000"/>
+                      </a:pPr>
+                      <a:r>
+                        <a:t>Not Clinically Relevant</a:t>
+                      </a:r>
+                    </a:p>
+                  </a:txBody>
+                  <a:tcPr/>
+                </a:tc>
+                <a:tc>
+                  <a:txBody>
+                    <a:bodyPr/>
+                    <a:lstStyle/>
+                    <a:p>
+                      <a:pPr>
+                        <a:defRPr sz="1000"/>
+                      </a:pPr>
+                      <a:r>
+                        <a:t>++..</a:t>
+                      </a:r>
+                    </a:p>
+                  </a:txBody>
+                  <a:tcPr/>
+                </a:tc>
+                <a:tc>
+                  <a:txBody>
+                    <a:bodyPr/>
+                    <a:lstStyle/>
+                    <a:p>
+                      <a:pPr>
+                        <a:defRPr sz="1000"/>
+                      </a:pPr>
+                      <a:r>
+                        <a:t>9</a:t>
+                      </a:r>
+                    </a:p>
+                  </a:txBody>
+                  <a:tcPr/>
+                </a:tc>
+                <a:tc>
+                  <a:txBody>
+                    <a:bodyPr/>
+                    <a:lstStyle/>
+                    <a:p>
+                      <a:pPr>
+                        <a:defRPr sz="1000"/>
+                      </a:pPr>
+                      <a:r>
+                        <a:t>182</a:t>
+                      </a:r>
+                    </a:p>
+                  </a:txBody>
+                  <a:tcPr/>
+                </a:tc>
+                <a:tc>
+                  <a:txBody>
+                    <a:bodyPr/>
+                    <a:lstStyle/>
+                    <a:p>
+                      <a:pPr>
+                        <a:defRPr sz="1000"/>
+                      </a:pPr>
+                      <a:r>
+                        <a:t>9.0</a:t>
+                      </a:r>
+                    </a:p>
+                  </a:txBody>
+                  <a:tcPr/>
+                </a:tc>
+              </a:tr>
+              <a:tr h="195942">
+                <a:tc>
+                  <a:txBody>
+                    <a:bodyPr/>
+                    <a:lstStyle/>
+                    <a:p>
+                      <a:pPr>
+                        <a:defRPr sz="1000"/>
+                      </a:pPr>
+                      <a:r>
+                        <a:t>amsacrine</a:t>
+                      </a:r>
+                    </a:p>
+                  </a:txBody>
+                  <a:tcPr/>
+                </a:tc>
+                <a:tc>
+                  <a:txBody>
+                    <a:bodyPr/>
+                    <a:lstStyle/>
+                    <a:p>
+                      <a:pPr>
+                        <a:defRPr sz="1000"/>
+                      </a:pPr>
+                      <a:r>
+                        <a:t>Intercalator, inhibits Topo II and blocks both DNA replication and transcription, used in ALL</a:t>
+                      </a:r>
+                    </a:p>
+                  </a:txBody>
+                  <a:tcPr/>
+                </a:tc>
+                <a:tc>
+                  <a:txBody>
+                    <a:bodyPr/>
+                    <a:lstStyle/>
+                    <a:p>
+                      <a:pPr>
+                        <a:defRPr sz="1000"/>
+                      </a:pPr>
+                      <a:r>
+                        <a:t>...+</a:t>
+                      </a:r>
+                    </a:p>
+                  </a:txBody>
+                  <a:tcPr/>
+                </a:tc>
+                <a:tc>
+                  <a:txBody>
+                    <a:bodyPr/>
+                    <a:lstStyle/>
+                    <a:p>
+                      <a:pPr>
+                        <a:defRPr sz="1000"/>
+                      </a:pPr>
+                      <a:r>
+                        <a:t>679</a:t>
+                      </a:r>
+                    </a:p>
+                  </a:txBody>
+                  <a:tcPr/>
+                </a:tc>
+                <a:tc>
+                  <a:txBody>
+                    <a:bodyPr/>
+                    <a:lstStyle/>
+                    <a:p>
+                      <a:pPr>
+                        <a:defRPr sz="1000"/>
+                      </a:pPr>
+                      <a:r>
+                        <a:t>9</a:t>
+                      </a:r>
+                    </a:p>
+                  </a:txBody>
+                  <a:tcPr/>
+                </a:tc>
+                <a:tc>
+                  <a:txBody>
+                    <a:bodyPr/>
+                    <a:lstStyle/>
+                    <a:p>
+                      <a:pPr>
+                        <a:defRPr sz="1000"/>
+                      </a:pPr>
+                      <a:r>
+                        <a:t>9.0</a:t>
+                      </a:r>
+                    </a:p>
+                  </a:txBody>
+                  <a:tcPr/>
+                </a:tc>
+              </a:tr>
+              <a:tr h="195942">
+                <a:tc>
+                  <a:txBody>
+                    <a:bodyPr/>
+                    <a:lstStyle/>
+                    <a:p>
+                      <a:pPr>
+                        <a:defRPr sz="1000"/>
+                      </a:pPr>
+                      <a:r>
+                        <a:t>bx-912</a:t>
+                      </a:r>
+                    </a:p>
+                  </a:txBody>
+                  <a:tcPr/>
+                </a:tc>
+                <a:tc>
+                  <a:txBody>
+                    <a:bodyPr/>
+                    <a:lstStyle/>
+                    <a:p>
+                      <a:pPr>
+                        <a:defRPr sz="1000"/>
+                      </a:pPr>
+                      <a:r>
+                        <a:t>Not Clinically Relevant</a:t>
+                      </a:r>
+                    </a:p>
+                  </a:txBody>
+                  <a:tcPr/>
+                </a:tc>
+                <a:tc>
+                  <a:txBody>
+                    <a:bodyPr/>
+                    <a:lstStyle/>
+                    <a:p>
+                      <a:pPr>
+                        <a:defRPr sz="1000"/>
+                      </a:pPr>
+                      <a:r>
+                        <a:t>+...</a:t>
+                      </a:r>
+                    </a:p>
+                  </a:txBody>
+                  <a:tcPr/>
+                </a:tc>
+                <a:tc>
+                  <a:txBody>
+                    <a:bodyPr/>
+                    <a:lstStyle/>
+                    <a:p>
+                      <a:pPr>
+                        <a:defRPr sz="1000"/>
+                      </a:pPr>
+                      <a:r>
+                        <a:t>10</a:t>
+                      </a:r>
+                    </a:p>
+                  </a:txBody>
+                  <a:tcPr/>
+                </a:tc>
+                <a:tc>
+                  <a:txBody>
+                    <a:bodyPr/>
+                    <a:lstStyle/>
+                    <a:p>
+                      <a:pPr>
+                        <a:defRPr sz="1000"/>
+                      </a:pPr>
+                      <a:r>
+                        <a:t>183</a:t>
+                      </a:r>
+                    </a:p>
+                  </a:txBody>
+                  <a:tcPr/>
+                </a:tc>
+                <a:tc>
+                  <a:txBody>
+                    <a:bodyPr/>
+                    <a:lstStyle/>
+                    <a:p>
+                      <a:pPr>
+                        <a:defRPr sz="1000"/>
+                      </a:pPr>
+                      <a:r>
+                        <a:t>10.0</a:t>
+                      </a:r>
+                    </a:p>
+                  </a:txBody>
+                  <a:tcPr/>
+                </a:tc>
+              </a:tr>
+              <a:tr h="195942">
+                <a:tc>
+                  <a:txBody>
+                    <a:bodyPr/>
+                    <a:lstStyle/>
+                    <a:p>
+                      <a:pPr>
+                        <a:defRPr sz="1000"/>
+                      </a:pPr>
+                      <a:r>
+                        <a:t>raltitrexed</a:t>
+                      </a:r>
+                    </a:p>
+                  </a:txBody>
+                  <a:tcPr/>
+                </a:tc>
+                <a:tc>
+                  <a:txBody>
+                    <a:bodyPr/>
+                    <a:lstStyle/>
+                    <a:p>
+                      <a:pPr>
+                        <a:defRPr sz="1000"/>
+                      </a:pPr>
+                      <a:r>
+                        <a:t>antimetabolite,  inhibitor of thymidylate synthase</a:t>
+                      </a:r>
+                    </a:p>
+                  </a:txBody>
+                  <a:tcPr/>
+                </a:tc>
+                <a:tc>
+                  <a:txBody>
+                    <a:bodyPr/>
+                    <a:lstStyle/>
+                    <a:p>
+                      <a:pPr>
+                        <a:defRPr sz="1000"/>
+                      </a:pPr>
+                      <a:r>
+                        <a:t>...+</a:t>
+                      </a:r>
+                    </a:p>
+                  </a:txBody>
+                  <a:tcPr/>
+                </a:tc>
+                <a:tc>
+                  <a:txBody>
+                    <a:bodyPr/>
+                    <a:lstStyle/>
+                    <a:p>
+                      <a:pPr>
+                        <a:defRPr sz="1000"/>
+                      </a:pPr>
+                      <a:r>
+                        <a:t>680</a:t>
+                      </a:r>
+                    </a:p>
+                  </a:txBody>
+                  <a:tcPr/>
+                </a:tc>
+                <a:tc>
+                  <a:txBody>
+                    <a:bodyPr/>
+                    <a:lstStyle/>
+                    <a:p>
+                      <a:pPr>
+                        <a:defRPr sz="1000"/>
+                      </a:pPr>
+                      <a:r>
+                        <a:t>10</a:t>
+                      </a:r>
+                    </a:p>
+                  </a:txBody>
+                  <a:tcPr/>
+                </a:tc>
+                <a:tc>
+                  <a:txBody>
+                    <a:bodyPr/>
+                    <a:lstStyle/>
+                    <a:p>
+                      <a:pPr>
+                        <a:defRPr sz="1000"/>
+                      </a:pPr>
+                      <a:r>
+                        <a:t>10.0</a:t>
+                      </a:r>
+                    </a:p>
+                  </a:txBody>
+                  <a:tcPr/>
+                </a:tc>
+              </a:tr>
+              <a:tr h="195942">
+                <a:tc>
+                  <a:txBody>
+                    <a:bodyPr/>
+                    <a:lstStyle/>
+                    <a:p>
+                      <a:pPr>
+                        <a:defRPr sz="1000"/>
+                      </a:pPr>
+                      <a:r>
+                        <a:t>rucaparib</a:t>
+                      </a:r>
+                    </a:p>
+                  </a:txBody>
+                  <a:tcPr/>
+                </a:tc>
+                <a:tc>
+                  <a:txBody>
+                    <a:bodyPr/>
+                    <a:lstStyle/>
+                    <a:p>
+                      <a:pPr>
+                        <a:defRPr sz="1000"/>
+                      </a:pPr>
+                      <a:r>
+                        <a:t>PARP inhibitor, inhibits DNA repair</a:t>
+                      </a:r>
+                    </a:p>
+                  </a:txBody>
+                  <a:tcPr/>
+                </a:tc>
+                <a:tc>
+                  <a:txBody>
+                    <a:bodyPr/>
+                    <a:lstStyle/>
+                    <a:p>
+                      <a:pPr>
+                        <a:defRPr sz="1000"/>
+                      </a:pPr>
+                      <a:r>
+                        <a:t>+..+</a:t>
+                      </a:r>
+                    </a:p>
+                  </a:txBody>
+                  <a:tcPr/>
+                </a:tc>
+                <a:tc>
+                  <a:txBody>
+                    <a:bodyPr/>
+                    <a:lstStyle/>
+                    <a:p>
+                      <a:pPr>
+                        <a:defRPr sz="1000"/>
+                      </a:pPr>
+                      <a:r>
+                        <a:t>13</a:t>
+                      </a:r>
+                    </a:p>
+                  </a:txBody>
+                  <a:tcPr/>
+                </a:tc>
+                <a:tc>
+                  <a:txBody>
+                    <a:bodyPr/>
+                    <a:lstStyle/>
+                    <a:p>
+                      <a:pPr>
+                        <a:defRPr sz="1000"/>
+                      </a:pPr>
+                      <a:r>
+                        <a:t>8</a:t>
+                      </a:r>
+                    </a:p>
+                  </a:txBody>
+                  <a:tcPr/>
+                </a:tc>
+                <a:tc>
+                  <a:txBody>
+                    <a:bodyPr/>
+                    <a:lstStyle/>
+                    <a:p>
+                      <a:pPr>
+                        <a:defRPr sz="1000"/>
+                      </a:pPr>
+                      <a:r>
+                        <a:t>10.5</a:t>
+                      </a:r>
+                    </a:p>
+                  </a:txBody>
+                  <a:tcPr/>
+                </a:tc>
+              </a:tr>
+              <a:tr h="195942">
+                <a:tc>
+                  <a:txBody>
+                    <a:bodyPr/>
+                    <a:lstStyle/>
+                    <a:p>
+                      <a:pPr>
+                        <a:defRPr sz="1000"/>
+                      </a:pPr>
+                      <a:r>
+                        <a:t>gw-2580</a:t>
+                      </a:r>
+                    </a:p>
+                  </a:txBody>
+                  <a:tcPr/>
+                </a:tc>
+                <a:tc>
+                  <a:txBody>
+                    <a:bodyPr/>
+                    <a:lstStyle/>
+                    <a:p>
+                      <a:pPr>
+                        <a:defRPr sz="1000"/>
+                      </a:pPr>
+                      <a:r>
+                        <a:t>Not Clinically Relevant</a:t>
+                      </a:r>
+                    </a:p>
+                  </a:txBody>
+                  <a:tcPr/>
+                </a:tc>
+                <a:tc>
+                  <a:txBody>
+                    <a:bodyPr/>
+                    <a:lstStyle/>
+                    <a:p>
+                      <a:pPr>
+                        <a:defRPr sz="1000"/>
+                      </a:pPr>
+                      <a:r>
+                        <a:t>+...</a:t>
+                      </a:r>
+                    </a:p>
+                  </a:txBody>
+                  <a:tcPr/>
+                </a:tc>
+                <a:tc>
+                  <a:txBody>
+                    <a:bodyPr/>
+                    <a:lstStyle/>
+                    <a:p>
+                      <a:pPr>
+                        <a:defRPr sz="1000"/>
+                      </a:pPr>
+                      <a:r>
+                        <a:t>12</a:t>
+                      </a:r>
+                    </a:p>
+                  </a:txBody>
+                  <a:tcPr/>
+                </a:tc>
+                <a:tc>
+                  <a:txBody>
+                    <a:bodyPr/>
+                    <a:lstStyle/>
+                    <a:p>
+                      <a:pPr>
+                        <a:defRPr sz="1000"/>
+                      </a:pPr>
+                      <a:r>
+                        <a:t>184</a:t>
+                      </a:r>
+                    </a:p>
+                  </a:txBody>
+                  <a:tcPr/>
+                </a:tc>
+                <a:tc>
+                  <a:txBody>
+                    <a:bodyPr/>
+                    <a:lstStyle/>
+                    <a:p>
+                      <a:pPr>
+                        <a:defRPr sz="1000"/>
+                      </a:pPr>
+                      <a:r>
+                        <a:t>12.0</a:t>
+                      </a:r>
+                    </a:p>
+                  </a:txBody>
+                  <a:tcPr/>
+                </a:tc>
+              </a:tr>
+              <a:tr h="195942">
+                <a:tc>
+                  <a:txBody>
+                    <a:bodyPr/>
+                    <a:lstStyle/>
+                    <a:p>
+                      <a:pPr>
+                        <a:defRPr sz="1000"/>
+                      </a:pPr>
+                      <a:r>
+                        <a:t>thiotepa</a:t>
+                      </a:r>
+                    </a:p>
+                  </a:txBody>
+                  <a:tcPr/>
+                </a:tc>
+                <a:tc>
+                  <a:txBody>
+                    <a:bodyPr/>
+                    <a:lstStyle/>
+                    <a:p>
+                      <a:pPr>
+                        <a:defRPr sz="1000"/>
+                      </a:pPr>
+                      <a:r>
+                        <a:t>alkylating agent, ethylenimine family, causes crosslinks in DNA, which prevents DNA replication and DNA transcription</a:t>
+                      </a:r>
+                    </a:p>
+                  </a:txBody>
+                  <a:tcPr/>
+                </a:tc>
+                <a:tc>
+                  <a:txBody>
+                    <a:bodyPr/>
+                    <a:lstStyle/>
+                    <a:p>
+                      <a:pPr>
+                        <a:defRPr sz="1000"/>
+                      </a:pPr>
+                      <a:r>
+                        <a:t>...+</a:t>
+                      </a:r>
+                    </a:p>
+                  </a:txBody>
+                  <a:tcPr/>
+                </a:tc>
+                <a:tc>
+                  <a:txBody>
+                    <a:bodyPr/>
+                    <a:lstStyle/>
+                    <a:p>
+                      <a:pPr>
+                        <a:defRPr sz="1000"/>
+                      </a:pPr>
+                      <a:r>
+                        <a:t>681</a:t>
+                      </a:r>
+                    </a:p>
+                  </a:txBody>
+                  <a:tcPr/>
+                </a:tc>
+                <a:tc>
+                  <a:txBody>
+                    <a:bodyPr/>
+                    <a:lstStyle/>
+                    <a:p>
+                      <a:pPr>
+                        <a:defRPr sz="1000"/>
+                      </a:pPr>
+                      <a:r>
+                        <a:t>13</a:t>
+                      </a:r>
+                    </a:p>
+                  </a:txBody>
+                  <a:tcPr/>
+                </a:tc>
+                <a:tc>
+                  <a:txBody>
+                    <a:bodyPr/>
+                    <a:lstStyle/>
+                    <a:p>
+                      <a:pPr>
+                        <a:defRPr sz="1000"/>
+                      </a:pPr>
+                      <a:r>
+                        <a:t>13.0</a:t>
+                      </a:r>
+                    </a:p>
+                  </a:txBody>
+                  <a:tcPr/>
+                </a:tc>
+              </a:tr>
+              <a:tr h="195942">
+                <a:tc>
+                  <a:txBody>
+                    <a:bodyPr/>
+                    <a:lstStyle/>
+                    <a:p>
+                      <a:pPr>
+                        <a:defRPr sz="1000"/>
+                      </a:pPr>
+                      <a:r>
+                        <a:t>amuvatinib</a:t>
+                      </a:r>
+                    </a:p>
+                  </a:txBody>
+                  <a:tcPr/>
+                </a:tc>
+                <a:tc>
+                  <a:txBody>
+                    <a:bodyPr/>
+                    <a:lstStyle/>
+                    <a:p>
+                      <a:pPr>
+                        <a:defRPr sz="1000"/>
+                      </a:pPr>
+                      <a:r>
+                        <a:t>Not Clinically Relevant</a:t>
+                      </a:r>
+                    </a:p>
+                  </a:txBody>
+                  <a:tcPr/>
+                </a:tc>
+                <a:tc>
+                  <a:txBody>
+                    <a:bodyPr/>
+                    <a:lstStyle/>
+                    <a:p>
+                      <a:pPr>
+                        <a:defRPr sz="1000"/>
+                      </a:pPr>
+                      <a:r>
+                        <a:t>+...</a:t>
+                      </a:r>
+                    </a:p>
+                  </a:txBody>
+                  <a:tcPr/>
+                </a:tc>
+                <a:tc>
+                  <a:txBody>
+                    <a:bodyPr/>
+                    <a:lstStyle/>
+                    <a:p>
+                      <a:pPr>
+                        <a:defRPr sz="1000"/>
+                      </a:pPr>
+                      <a:r>
+                        <a:t>14</a:t>
+                      </a:r>
+                    </a:p>
+                  </a:txBody>
+                  <a:tcPr/>
+                </a:tc>
+                <a:tc>
+                  <a:txBody>
+                    <a:bodyPr/>
+                    <a:lstStyle/>
+                    <a:p>
+                      <a:pPr>
+                        <a:defRPr sz="1000"/>
+                      </a:pPr>
+                      <a:r>
+                        <a:t>185</a:t>
+                      </a:r>
+                    </a:p>
+                  </a:txBody>
+                  <a:tcPr/>
+                </a:tc>
+                <a:tc>
+                  <a:txBody>
+                    <a:bodyPr/>
+                    <a:lstStyle/>
+                    <a:p>
+                      <a:pPr>
+                        <a:defRPr sz="1000"/>
+                      </a:pPr>
+                      <a:r>
+                        <a:t>14.0</a:t>
+                      </a:r>
+                    </a:p>
+                  </a:txBody>
+                  <a:tcPr/>
+                </a:tc>
+              </a:tr>
+              <a:tr h="195960">
+                <a:tc>
+                  <a:txBody>
+                    <a:bodyPr/>
+                    <a:lstStyle/>
+                    <a:p>
+                      <a:pPr>
+                        <a:defRPr sz="1000"/>
+                      </a:pPr>
+                      <a:r>
+                        <a:t>xmd14-99</a:t>
+                      </a:r>
+                    </a:p>
+                  </a:txBody>
+                  <a:tcPr/>
+                </a:tc>
+                <a:tc>
+                  <a:txBody>
+                    <a:bodyPr/>
+                    <a:lstStyle/>
+                    <a:p>
+                      <a:pPr>
+                        <a:defRPr sz="1000"/>
+                      </a:pPr>
+                      <a:r>
+                        <a:t>Not Clinically Relevant</a:t>
+                      </a:r>
+                    </a:p>
+                  </a:txBody>
+                  <a:tcPr/>
+                </a:tc>
+                <a:tc>
+                  <a:txBody>
+                    <a:bodyPr/>
+                    <a:lstStyle/>
+                    <a:p>
+                      <a:pPr>
+                        <a:defRPr sz="1000"/>
+                      </a:pPr>
+                      <a:r>
+                        <a:t>+...</a:t>
+                      </a:r>
+                    </a:p>
+                  </a:txBody>
+                  <a:tcPr/>
+                </a:tc>
+                <a:tc>
+                  <a:txBody>
+                    <a:bodyPr/>
+                    <a:lstStyle/>
+                    <a:p>
+                      <a:pPr>
+                        <a:defRPr sz="1000"/>
+                      </a:pPr>
+                      <a:r>
+                        <a:t>15</a:t>
+                      </a:r>
+                    </a:p>
+                  </a:txBody>
+                  <a:tcPr/>
+                </a:tc>
+                <a:tc>
+                  <a:txBody>
+                    <a:bodyPr/>
+                    <a:lstStyle/>
+                    <a:p>
+                      <a:pPr>
+                        <a:defRPr sz="1000"/>
+                      </a:pPr>
+                      <a:r>
+                        <a:t>186</a:t>
+                      </a:r>
+                    </a:p>
+                  </a:txBody>
+                  <a:tcPr/>
+                </a:tc>
+                <a:tc>
+                  <a:txBody>
+                    <a:bodyPr/>
+                    <a:lstStyle/>
+                    <a:p>
+                      <a:pPr>
+                        <a:defRPr sz="1000"/>
+                      </a:pPr>
+                      <a:r>
+                        <a:t>15.0</a:t>
+                      </a:r>
+                    </a:p>
+                  </a:txBody>
+                  <a:tcPr/>
+                </a:tc>
+              </a:tr>
+            </a:tbl>
+          </a:graphicData>
+        </a:graphic>
+      </p:graphicFrame>
+    </p:spTree>
+  </p:cSld>
+  <p:clrMapOvr>
+    <a:masterClrMapping/>
+  </p:clrMapOvr>
+</p:sld>
+</file>
+
 <file path=ppt/theme/theme1.xml><?xml version="1.0" encoding="utf-8"?>
 <a:theme xmlns:a="http://schemas.openxmlformats.org/drawingml/2006/main" name="Office Theme">
   <a:themeElements>

--- a/Notebooks/patients/MED1911/MED1911.mtb_slides.pptx
+++ b/Notebooks/patients/MED1911/MED1911.mtb_slides.pptx
@@ -13,6 +13,7 @@
     <p:sldId id="261" r:id="rId12"/>
     <p:sldId id="262" r:id="rId13"/>
     <p:sldId id="263" r:id="rId14"/>
+    <p:sldId id="264" r:id="rId15"/>
   </p:sldIdLst>
   <p:sldSz cx="9144000" cy="6858000" type="screen4x3"/>
   <p:notesSz cx="6858000" cy="9144000"/>
@@ -14403,6 +14404,1374 @@
 </p:sld>
 </file>
 
+<file path=ppt/slides/slide9.xml><?xml version="1.0" encoding="utf-8"?>
+<p:sld xmlns:a="http://schemas.openxmlformats.org/drawingml/2006/main" xmlns:p="http://schemas.openxmlformats.org/presentationml/2006/main" xmlns:r="http://schemas.openxmlformats.org/officeDocument/2006/relationships">
+  <p:cSld>
+    <p:spTree>
+      <p:nvGrpSpPr>
+        <p:cNvPr id="1" name=""/>
+        <p:cNvGrpSpPr/>
+        <p:nvPr/>
+      </p:nvGrpSpPr>
+      <p:grpSpPr/>
+      <p:sp>
+        <p:nvSpPr>
+          <p:cNvPr id="2" name="TextBox 1"/>
+          <p:cNvSpPr txBox="1"/>
+          <p:nvPr/>
+        </p:nvSpPr>
+        <p:spPr>
+          <a:xfrm>
+            <a:off x="0" y="0"/>
+            <a:ext cx="9144000" cy="685800"/>
+          </a:xfrm>
+          <a:prstGeom prst="rect">
+            <a:avLst/>
+          </a:prstGeom>
+          <a:noFill/>
+        </p:spPr>
+        <p:txBody>
+          <a:bodyPr wrap="none">
+            <a:spAutoFit/>
+          </a:bodyPr>
+          <a:lstStyle/>
+          <a:p/>
+          <a:p>
+            <a:pPr>
+              <a:defRPr sz="2600"/>
+            </a:pPr>
+            <a:r>
+              <a:t>DiSCoVER: top drugs (cerebellar stem cell control)</a:t>
+            </a:r>
+          </a:p>
+        </p:txBody>
+      </p:sp>
+      <p:graphicFrame>
+        <p:nvGraphicFramePr>
+          <p:cNvPr id="3" name="Table 2"/>
+          <p:cNvGraphicFramePr>
+            <a:graphicFrameLocks noGrp="1"/>
+          </p:cNvGraphicFramePr>
+          <p:nvPr/>
+        </p:nvGraphicFramePr>
+        <p:xfrm>
+          <a:off x="411480" y="777240"/>
+          <a:ext cx="8275320" cy="4114800"/>
+        </p:xfrm>
+        <a:graphic>
+          <a:graphicData uri="http://schemas.openxmlformats.org/drawingml/2006/table">
+            <a:tbl>
+              <a:tblPr firstRow="1" bandRow="1">
+                <a:tableStyleId>{5C22544A-7EE6-4342-B048-85BDC9FD1C3A}</a:tableStyleId>
+              </a:tblPr>
+              <a:tblGrid>
+                <a:gridCol w="1005840"/>
+                <a:gridCol w="731520"/>
+                <a:gridCol w="1051560"/>
+                <a:gridCol w="5486400"/>
+              </a:tblGrid>
+              <a:tr h="195942">
+                <a:tc>
+                  <a:txBody>
+                    <a:bodyPr/>
+                    <a:lstStyle/>
+                    <a:p>
+                      <a:r>
+                        <a:t>Drug</a:t>
+                      </a:r>
+                    </a:p>
+                  </a:txBody>
+                  <a:tcPr/>
+                </a:tc>
+                <a:tc>
+                  <a:txBody>
+                    <a:bodyPr/>
+                    <a:lstStyle/>
+                    <a:p>
+                      <a:r>
+                        <a:t>Score</a:t>
+                      </a:r>
+                    </a:p>
+                  </a:txBody>
+                  <a:tcPr/>
+                </a:tc>
+                <a:tc>
+                  <a:txBody>
+                    <a:bodyPr/>
+                    <a:lstStyle/>
+                    <a:p>
+                      <a:r>
+                        <a:t>Evidence</a:t>
+                      </a:r>
+                    </a:p>
+                  </a:txBody>
+                  <a:tcPr/>
+                </a:tc>
+                <a:tc>
+                  <a:txBody>
+                    <a:bodyPr/>
+                    <a:lstStyle/>
+                    <a:p>
+                      <a:r>
+                        <a:t>Mechanism of action</a:t>
+                      </a:r>
+                    </a:p>
+                  </a:txBody>
+                  <a:tcPr/>
+                </a:tc>
+              </a:tr>
+              <a:tr h="195942">
+                <a:tc>
+                  <a:txBody>
+                    <a:bodyPr/>
+                    <a:lstStyle/>
+                    <a:p>
+                      <a:pPr>
+                        <a:defRPr sz="1050"/>
+                      </a:pPr>
+                      <a:r>
+                        <a:t>alectinib</a:t>
+                      </a:r>
+                    </a:p>
+                  </a:txBody>
+                  <a:tcPr/>
+                </a:tc>
+                <a:tc>
+                  <a:txBody>
+                    <a:bodyPr/>
+                    <a:lstStyle/>
+                    <a:p>
+                      <a:pPr>
+                        <a:defRPr sz="1050"/>
+                      </a:pPr>
+                      <a:r>
+                        <a:t>0.69</a:t>
+                      </a:r>
+                    </a:p>
+                  </a:txBody>
+                  <a:tcPr/>
+                </a:tc>
+                <a:tc>
+                  <a:txBody>
+                    <a:bodyPr/>
+                    <a:lstStyle/>
+                    <a:p>
+                      <a:pPr>
+                        <a:defRPr sz="1050"/>
+                      </a:pPr>
+                      <a:r>
+                        <a:t>+..</a:t>
+                      </a:r>
+                    </a:p>
+                  </a:txBody>
+                  <a:tcPr/>
+                </a:tc>
+                <a:tc>
+                  <a:txBody>
+                    <a:bodyPr/>
+                    <a:lstStyle/>
+                    <a:p>
+                      <a:pPr>
+                        <a:defRPr sz="1050"/>
+                      </a:pPr>
+                      <a:r>
+                        <a:t>ALK inhibitor, used to treat non-small-cell lung cancer (NSCLC)</a:t>
+                      </a:r>
+                    </a:p>
+                  </a:txBody>
+                  <a:tcPr/>
+                </a:tc>
+              </a:tr>
+              <a:tr h="195942">
+                <a:tc>
+                  <a:txBody>
+                    <a:bodyPr/>
+                    <a:lstStyle/>
+                    <a:p>
+                      <a:pPr>
+                        <a:defRPr sz="1050"/>
+                      </a:pPr>
+                      <a:r>
+                        <a:t>gsk1070916</a:t>
+                      </a:r>
+                    </a:p>
+                  </a:txBody>
+                  <a:tcPr/>
+                </a:tc>
+                <a:tc>
+                  <a:txBody>
+                    <a:bodyPr/>
+                    <a:lstStyle/>
+                    <a:p>
+                      <a:pPr>
+                        <a:defRPr sz="1050"/>
+                      </a:pPr>
+                      <a:r>
+                        <a:t>0.65</a:t>
+                      </a:r>
+                    </a:p>
+                  </a:txBody>
+                  <a:tcPr/>
+                </a:tc>
+                <a:tc>
+                  <a:txBody>
+                    <a:bodyPr/>
+                    <a:lstStyle/>
+                    <a:p>
+                      <a:pPr>
+                        <a:defRPr sz="1050"/>
+                      </a:pPr>
+                      <a:r>
+                        <a:t>+..</a:t>
+                      </a:r>
+                    </a:p>
+                  </a:txBody>
+                  <a:tcPr/>
+                </a:tc>
+                <a:tc>
+                  <a:txBody>
+                    <a:bodyPr/>
+                    <a:lstStyle/>
+                    <a:p>
+                      <a:pPr>
+                        <a:defRPr sz="1050"/>
+                      </a:pPr>
+                      <a:r>
+                        <a:t>Not Clinically Relevant</a:t>
+                      </a:r>
+                    </a:p>
+                  </a:txBody>
+                  <a:tcPr/>
+                </a:tc>
+              </a:tr>
+              <a:tr h="195942">
+                <a:tc>
+                  <a:txBody>
+                    <a:bodyPr/>
+                    <a:lstStyle/>
+                    <a:p>
+                      <a:pPr>
+                        <a:defRPr sz="1050"/>
+                      </a:pPr>
+                      <a:r>
+                        <a:t>tl-2-105</a:t>
+                      </a:r>
+                    </a:p>
+                  </a:txBody>
+                  <a:tcPr/>
+                </a:tc>
+                <a:tc>
+                  <a:txBody>
+                    <a:bodyPr/>
+                    <a:lstStyle/>
+                    <a:p>
+                      <a:pPr>
+                        <a:defRPr sz="1050"/>
+                      </a:pPr>
+                      <a:r>
+                        <a:t>0.63</a:t>
+                      </a:r>
+                    </a:p>
+                  </a:txBody>
+                  <a:tcPr/>
+                </a:tc>
+                <a:tc>
+                  <a:txBody>
+                    <a:bodyPr/>
+                    <a:lstStyle/>
+                    <a:p>
+                      <a:pPr>
+                        <a:defRPr sz="1050"/>
+                      </a:pPr>
+                      <a:r>
+                        <a:t>+..</a:t>
+                      </a:r>
+                    </a:p>
+                  </a:txBody>
+                  <a:tcPr/>
+                </a:tc>
+                <a:tc>
+                  <a:txBody>
+                    <a:bodyPr/>
+                    <a:lstStyle/>
+                    <a:p>
+                      <a:pPr>
+                        <a:defRPr sz="1050"/>
+                      </a:pPr>
+                      <a:r>
+                        <a:t>Not Clinically Relevant</a:t>
+                      </a:r>
+                    </a:p>
+                  </a:txBody>
+                  <a:tcPr/>
+                </a:tc>
+              </a:tr>
+              <a:tr h="195942">
+                <a:tc>
+                  <a:txBody>
+                    <a:bodyPr/>
+                    <a:lstStyle/>
+                    <a:p>
+                      <a:pPr>
+                        <a:defRPr sz="1050"/>
+                      </a:pPr>
+                      <a:r>
+                        <a:t>sb52334</a:t>
+                      </a:r>
+                    </a:p>
+                  </a:txBody>
+                  <a:tcPr/>
+                </a:tc>
+                <a:tc>
+                  <a:txBody>
+                    <a:bodyPr/>
+                    <a:lstStyle/>
+                    <a:p>
+                      <a:pPr>
+                        <a:defRPr sz="1050"/>
+                      </a:pPr>
+                      <a:r>
+                        <a:t>0.62</a:t>
+                      </a:r>
+                    </a:p>
+                  </a:txBody>
+                  <a:tcPr/>
+                </a:tc>
+                <a:tc>
+                  <a:txBody>
+                    <a:bodyPr/>
+                    <a:lstStyle/>
+                    <a:p>
+                      <a:pPr>
+                        <a:defRPr sz="1050"/>
+                      </a:pPr>
+                      <a:r>
+                        <a:t>+..</a:t>
+                      </a:r>
+                    </a:p>
+                  </a:txBody>
+                  <a:tcPr/>
+                </a:tc>
+                <a:tc>
+                  <a:txBody>
+                    <a:bodyPr/>
+                    <a:lstStyle/>
+                    <a:p>
+                      <a:pPr>
+                        <a:defRPr sz="1050"/>
+                      </a:pPr>
+                      <a:r>
+                        <a:t>Not Clinically Relevant</a:t>
+                      </a:r>
+                    </a:p>
+                  </a:txBody>
+                  <a:tcPr/>
+                </a:tc>
+              </a:tr>
+              <a:tr h="195942">
+                <a:tc>
+                  <a:txBody>
+                    <a:bodyPr/>
+                    <a:lstStyle/>
+                    <a:p>
+                      <a:pPr>
+                        <a:defRPr sz="1050"/>
+                      </a:pPr>
+                      <a:r>
+                        <a:t>ql-xii-61</a:t>
+                      </a:r>
+                    </a:p>
+                  </a:txBody>
+                  <a:tcPr/>
+                </a:tc>
+                <a:tc>
+                  <a:txBody>
+                    <a:bodyPr/>
+                    <a:lstStyle/>
+                    <a:p>
+                      <a:pPr>
+                        <a:defRPr sz="1050"/>
+                      </a:pPr>
+                      <a:r>
+                        <a:t>0.62</a:t>
+                      </a:r>
+                    </a:p>
+                  </a:txBody>
+                  <a:tcPr/>
+                </a:tc>
+                <a:tc>
+                  <a:txBody>
+                    <a:bodyPr/>
+                    <a:lstStyle/>
+                    <a:p>
+                      <a:pPr>
+                        <a:defRPr sz="1050"/>
+                      </a:pPr>
+                      <a:r>
+                        <a:t>+..</a:t>
+                      </a:r>
+                    </a:p>
+                  </a:txBody>
+                  <a:tcPr/>
+                </a:tc>
+                <a:tc>
+                  <a:txBody>
+                    <a:bodyPr/>
+                    <a:lstStyle/>
+                    <a:p>
+                      <a:pPr>
+                        <a:defRPr sz="1050"/>
+                      </a:pPr>
+                      <a:r>
+                        <a:t>Not Clinically Relevant</a:t>
+                      </a:r>
+                    </a:p>
+                  </a:txBody>
+                  <a:tcPr/>
+                </a:tc>
+              </a:tr>
+              <a:tr h="195942">
+                <a:tc>
+                  <a:txBody>
+                    <a:bodyPr/>
+                    <a:lstStyle/>
+                    <a:p>
+                      <a:pPr>
+                        <a:defRPr sz="1050"/>
+                      </a:pPr>
+                      <a:r>
+                        <a:t>gsk429286a</a:t>
+                      </a:r>
+                    </a:p>
+                  </a:txBody>
+                  <a:tcPr/>
+                </a:tc>
+                <a:tc>
+                  <a:txBody>
+                    <a:bodyPr/>
+                    <a:lstStyle/>
+                    <a:p>
+                      <a:pPr>
+                        <a:defRPr sz="1050"/>
+                      </a:pPr>
+                      <a:r>
+                        <a:t>0.6</a:t>
+                      </a:r>
+                    </a:p>
+                  </a:txBody>
+                  <a:tcPr/>
+                </a:tc>
+                <a:tc>
+                  <a:txBody>
+                    <a:bodyPr/>
+                    <a:lstStyle/>
+                    <a:p>
+                      <a:pPr>
+                        <a:defRPr sz="1050"/>
+                      </a:pPr>
+                      <a:r>
+                        <a:t>+..</a:t>
+                      </a:r>
+                    </a:p>
+                  </a:txBody>
+                  <a:tcPr/>
+                </a:tc>
+                <a:tc>
+                  <a:txBody>
+                    <a:bodyPr/>
+                    <a:lstStyle/>
+                    <a:p>
+                      <a:pPr>
+                        <a:defRPr sz="1050"/>
+                      </a:pPr>
+                      <a:r>
+                        <a:t>Not Clinically Relevant</a:t>
+                      </a:r>
+                    </a:p>
+                  </a:txBody>
+                  <a:tcPr/>
+                </a:tc>
+              </a:tr>
+              <a:tr h="195942">
+                <a:tc>
+                  <a:txBody>
+                    <a:bodyPr/>
+                    <a:lstStyle/>
+                    <a:p>
+                      <a:pPr>
+                        <a:defRPr sz="1050"/>
+                      </a:pPr>
+                      <a:r>
+                        <a:t>vx-702</a:t>
+                      </a:r>
+                    </a:p>
+                  </a:txBody>
+                  <a:tcPr/>
+                </a:tc>
+                <a:tc>
+                  <a:txBody>
+                    <a:bodyPr/>
+                    <a:lstStyle/>
+                    <a:p>
+                      <a:pPr>
+                        <a:defRPr sz="1050"/>
+                      </a:pPr>
+                      <a:r>
+                        <a:t>0.57</a:t>
+                      </a:r>
+                    </a:p>
+                  </a:txBody>
+                  <a:tcPr/>
+                </a:tc>
+                <a:tc>
+                  <a:txBody>
+                    <a:bodyPr/>
+                    <a:lstStyle/>
+                    <a:p>
+                      <a:pPr>
+                        <a:defRPr sz="1050"/>
+                      </a:pPr>
+                      <a:r>
+                        <a:t>+..</a:t>
+                      </a:r>
+                    </a:p>
+                  </a:txBody>
+                  <a:tcPr/>
+                </a:tc>
+                <a:tc>
+                  <a:txBody>
+                    <a:bodyPr/>
+                    <a:lstStyle/>
+                    <a:p>
+                      <a:pPr>
+                        <a:defRPr sz="1050"/>
+                      </a:pPr>
+                      <a:r>
+                        <a:t>Not Clinically Relevant</a:t>
+                      </a:r>
+                    </a:p>
+                  </a:txBody>
+                  <a:tcPr/>
+                </a:tc>
+              </a:tr>
+              <a:tr h="195942">
+                <a:tc>
+                  <a:txBody>
+                    <a:bodyPr/>
+                    <a:lstStyle/>
+                    <a:p>
+                      <a:pPr>
+                        <a:defRPr sz="1050"/>
+                      </a:pPr>
+                      <a:r>
+                        <a:t>linsitinib</a:t>
+                      </a:r>
+                    </a:p>
+                  </a:txBody>
+                  <a:tcPr/>
+                </a:tc>
+                <a:tc>
+                  <a:txBody>
+                    <a:bodyPr/>
+                    <a:lstStyle/>
+                    <a:p>
+                      <a:pPr>
+                        <a:defRPr sz="1050"/>
+                      </a:pPr>
+                      <a:r>
+                        <a:t>0.56</a:t>
+                      </a:r>
+                    </a:p>
+                  </a:txBody>
+                  <a:tcPr/>
+                </a:tc>
+                <a:tc>
+                  <a:txBody>
+                    <a:bodyPr/>
+                    <a:lstStyle/>
+                    <a:p>
+                      <a:pPr>
+                        <a:defRPr sz="1050"/>
+                      </a:pPr>
+                      <a:r>
+                        <a:t>++.</a:t>
+                      </a:r>
+                    </a:p>
+                  </a:txBody>
+                  <a:tcPr/>
+                </a:tc>
+                <a:tc>
+                  <a:txBody>
+                    <a:bodyPr/>
+                    <a:lstStyle/>
+                    <a:p>
+                      <a:pPr>
+                        <a:defRPr sz="1050"/>
+                      </a:pPr>
+                      <a:r>
+                        <a:t>IGF-1R inhibitor</a:t>
+                      </a:r>
+                    </a:p>
+                  </a:txBody>
+                  <a:tcPr/>
+                </a:tc>
+              </a:tr>
+              <a:tr h="195942">
+                <a:tc>
+                  <a:txBody>
+                    <a:bodyPr/>
+                    <a:lstStyle/>
+                    <a:p>
+                      <a:pPr>
+                        <a:defRPr sz="1050"/>
+                      </a:pPr>
+                      <a:r>
+                        <a:t>tubastatin a</a:t>
+                      </a:r>
+                    </a:p>
+                  </a:txBody>
+                  <a:tcPr/>
+                </a:tc>
+                <a:tc>
+                  <a:txBody>
+                    <a:bodyPr/>
+                    <a:lstStyle/>
+                    <a:p>
+                      <a:pPr>
+                        <a:defRPr sz="1050"/>
+                      </a:pPr>
+                      <a:r>
+                        <a:t>0.55</a:t>
+                      </a:r>
+                    </a:p>
+                  </a:txBody>
+                  <a:tcPr/>
+                </a:tc>
+                <a:tc>
+                  <a:txBody>
+                    <a:bodyPr/>
+                    <a:lstStyle/>
+                    <a:p>
+                      <a:pPr>
+                        <a:defRPr sz="1050"/>
+                      </a:pPr>
+                      <a:r>
+                        <a:t>++.</a:t>
+                      </a:r>
+                    </a:p>
+                  </a:txBody>
+                  <a:tcPr/>
+                </a:tc>
+                <a:tc>
+                  <a:txBody>
+                    <a:bodyPr/>
+                    <a:lstStyle/>
+                    <a:p>
+                      <a:pPr>
+                        <a:defRPr sz="1050"/>
+                      </a:pPr>
+                      <a:r>
+                        <a:t>Not Clinically Relevant</a:t>
+                      </a:r>
+                    </a:p>
+                  </a:txBody>
+                  <a:tcPr/>
+                </a:tc>
+              </a:tr>
+              <a:tr h="195942">
+                <a:tc>
+                  <a:txBody>
+                    <a:bodyPr/>
+                    <a:lstStyle/>
+                    <a:p>
+                      <a:pPr>
+                        <a:defRPr sz="1050"/>
+                      </a:pPr>
+                      <a:r>
+                        <a:t>bx-912</a:t>
+                      </a:r>
+                    </a:p>
+                  </a:txBody>
+                  <a:tcPr/>
+                </a:tc>
+                <a:tc>
+                  <a:txBody>
+                    <a:bodyPr/>
+                    <a:lstStyle/>
+                    <a:p>
+                      <a:pPr>
+                        <a:defRPr sz="1050"/>
+                      </a:pPr>
+                      <a:r>
+                        <a:t>0.54</a:t>
+                      </a:r>
+                    </a:p>
+                  </a:txBody>
+                  <a:tcPr/>
+                </a:tc>
+                <a:tc>
+                  <a:txBody>
+                    <a:bodyPr/>
+                    <a:lstStyle/>
+                    <a:p>
+                      <a:pPr>
+                        <a:defRPr sz="1050"/>
+                      </a:pPr>
+                      <a:r>
+                        <a:t>+..</a:t>
+                      </a:r>
+                    </a:p>
+                  </a:txBody>
+                  <a:tcPr/>
+                </a:tc>
+                <a:tc>
+                  <a:txBody>
+                    <a:bodyPr/>
+                    <a:lstStyle/>
+                    <a:p>
+                      <a:pPr>
+                        <a:defRPr sz="1050"/>
+                      </a:pPr>
+                      <a:r>
+                        <a:t>Not Clinically Relevant</a:t>
+                      </a:r>
+                    </a:p>
+                  </a:txBody>
+                  <a:tcPr/>
+                </a:tc>
+              </a:tr>
+              <a:tr h="195942">
+                <a:tc>
+                  <a:txBody>
+                    <a:bodyPr/>
+                    <a:lstStyle/>
+                    <a:p>
+                      <a:pPr>
+                        <a:defRPr sz="1050"/>
+                      </a:pPr>
+                      <a:r>
+                        <a:t>navitoclax</a:t>
+                      </a:r>
+                    </a:p>
+                  </a:txBody>
+                  <a:tcPr/>
+                </a:tc>
+                <a:tc>
+                  <a:txBody>
+                    <a:bodyPr/>
+                    <a:lstStyle/>
+                    <a:p>
+                      <a:pPr>
+                        <a:defRPr sz="1050"/>
+                      </a:pPr>
+                      <a:r>
+                        <a:t>0.52</a:t>
+                      </a:r>
+                    </a:p>
+                  </a:txBody>
+                  <a:tcPr/>
+                </a:tc>
+                <a:tc>
+                  <a:txBody>
+                    <a:bodyPr/>
+                    <a:lstStyle/>
+                    <a:p>
+                      <a:pPr>
+                        <a:defRPr sz="1050"/>
+                      </a:pPr>
+                      <a:r>
+                        <a:t>++.</a:t>
+                      </a:r>
+                    </a:p>
+                  </a:txBody>
+                  <a:tcPr/>
+                </a:tc>
+                <a:tc>
+                  <a:txBody>
+                    <a:bodyPr/>
+                    <a:lstStyle/>
+                    <a:p>
+                      <a:pPr>
+                        <a:defRPr sz="1050"/>
+                      </a:pPr>
+                      <a:r>
+                        <a:t>Bcl-2 family inhibitor: esp Bcl-xL, Bcl-2 and Bcl-w</a:t>
+                      </a:r>
+                    </a:p>
+                  </a:txBody>
+                  <a:tcPr/>
+                </a:tc>
+              </a:tr>
+              <a:tr h="195942">
+                <a:tc>
+                  <a:txBody>
+                    <a:bodyPr/>
+                    <a:lstStyle/>
+                    <a:p>
+                      <a:pPr>
+                        <a:defRPr sz="1050"/>
+                      </a:pPr>
+                      <a:r>
+                        <a:t>gw-2580</a:t>
+                      </a:r>
+                    </a:p>
+                  </a:txBody>
+                  <a:tcPr/>
+                </a:tc>
+                <a:tc>
+                  <a:txBody>
+                    <a:bodyPr/>
+                    <a:lstStyle/>
+                    <a:p>
+                      <a:pPr>
+                        <a:defRPr sz="1050"/>
+                      </a:pPr>
+                      <a:r>
+                        <a:t>0.51</a:t>
+                      </a:r>
+                    </a:p>
+                  </a:txBody>
+                  <a:tcPr/>
+                </a:tc>
+                <a:tc>
+                  <a:txBody>
+                    <a:bodyPr/>
+                    <a:lstStyle/>
+                    <a:p>
+                      <a:pPr>
+                        <a:defRPr sz="1050"/>
+                      </a:pPr>
+                      <a:r>
+                        <a:t>+..</a:t>
+                      </a:r>
+                    </a:p>
+                  </a:txBody>
+                  <a:tcPr/>
+                </a:tc>
+                <a:tc>
+                  <a:txBody>
+                    <a:bodyPr/>
+                    <a:lstStyle/>
+                    <a:p>
+                      <a:pPr>
+                        <a:defRPr sz="1050"/>
+                      </a:pPr>
+                      <a:r>
+                        <a:t>Not Clinically Relevant</a:t>
+                      </a:r>
+                    </a:p>
+                  </a:txBody>
+                  <a:tcPr/>
+                </a:tc>
+              </a:tr>
+              <a:tr h="195942">
+                <a:tc>
+                  <a:txBody>
+                    <a:bodyPr/>
+                    <a:lstStyle/>
+                    <a:p>
+                      <a:pPr>
+                        <a:defRPr sz="1050"/>
+                      </a:pPr>
+                      <a:r>
+                        <a:t>rucaparib</a:t>
+                      </a:r>
+                    </a:p>
+                  </a:txBody>
+                  <a:tcPr/>
+                </a:tc>
+                <a:tc>
+                  <a:txBody>
+                    <a:bodyPr/>
+                    <a:lstStyle/>
+                    <a:p>
+                      <a:pPr>
+                        <a:defRPr sz="1050"/>
+                      </a:pPr>
+                      <a:r>
+                        <a:t>0.5</a:t>
+                      </a:r>
+                    </a:p>
+                  </a:txBody>
+                  <a:tcPr/>
+                </a:tc>
+                <a:tc>
+                  <a:txBody>
+                    <a:bodyPr/>
+                    <a:lstStyle/>
+                    <a:p>
+                      <a:pPr>
+                        <a:defRPr sz="1050"/>
+                      </a:pPr>
+                      <a:r>
+                        <a:t>+..</a:t>
+                      </a:r>
+                    </a:p>
+                  </a:txBody>
+                  <a:tcPr/>
+                </a:tc>
+                <a:tc>
+                  <a:txBody>
+                    <a:bodyPr/>
+                    <a:lstStyle/>
+                    <a:p>
+                      <a:pPr>
+                        <a:defRPr sz="1050"/>
+                      </a:pPr>
+                      <a:r>
+                        <a:t>PARP inhibitor, inhibits DNA repair</a:t>
+                      </a:r>
+                    </a:p>
+                  </a:txBody>
+                  <a:tcPr/>
+                </a:tc>
+              </a:tr>
+              <a:tr h="195942">
+                <a:tc>
+                  <a:txBody>
+                    <a:bodyPr/>
+                    <a:lstStyle/>
+                    <a:p>
+                      <a:pPr>
+                        <a:defRPr sz="1050"/>
+                      </a:pPr>
+                      <a:r>
+                        <a:t>amuvatinib</a:t>
+                      </a:r>
+                    </a:p>
+                  </a:txBody>
+                  <a:tcPr/>
+                </a:tc>
+                <a:tc>
+                  <a:txBody>
+                    <a:bodyPr/>
+                    <a:lstStyle/>
+                    <a:p>
+                      <a:pPr>
+                        <a:defRPr sz="1050"/>
+                      </a:pPr>
+                      <a:r>
+                        <a:t>0.5</a:t>
+                      </a:r>
+                    </a:p>
+                  </a:txBody>
+                  <a:tcPr/>
+                </a:tc>
+                <a:tc>
+                  <a:txBody>
+                    <a:bodyPr/>
+                    <a:lstStyle/>
+                    <a:p>
+                      <a:pPr>
+                        <a:defRPr sz="1050"/>
+                      </a:pPr>
+                      <a:r>
+                        <a:t>+..</a:t>
+                      </a:r>
+                    </a:p>
+                  </a:txBody>
+                  <a:tcPr/>
+                </a:tc>
+                <a:tc>
+                  <a:txBody>
+                    <a:bodyPr/>
+                    <a:lstStyle/>
+                    <a:p>
+                      <a:pPr>
+                        <a:defRPr sz="1050"/>
+                      </a:pPr>
+                      <a:r>
+                        <a:t>Not Clinically Relevant</a:t>
+                      </a:r>
+                    </a:p>
+                  </a:txBody>
+                  <a:tcPr/>
+                </a:tc>
+              </a:tr>
+              <a:tr h="195942">
+                <a:tc>
+                  <a:txBody>
+                    <a:bodyPr/>
+                    <a:lstStyle/>
+                    <a:p>
+                      <a:pPr>
+                        <a:defRPr sz="1050"/>
+                      </a:pPr>
+                      <a:r>
+                        <a:t>xmd14-99</a:t>
+                      </a:r>
+                    </a:p>
+                  </a:txBody>
+                  <a:tcPr/>
+                </a:tc>
+                <a:tc>
+                  <a:txBody>
+                    <a:bodyPr/>
+                    <a:lstStyle/>
+                    <a:p>
+                      <a:pPr>
+                        <a:defRPr sz="1050"/>
+                      </a:pPr>
+                      <a:r>
+                        <a:t>0.5</a:t>
+                      </a:r>
+                    </a:p>
+                  </a:txBody>
+                  <a:tcPr/>
+                </a:tc>
+                <a:tc>
+                  <a:txBody>
+                    <a:bodyPr/>
+                    <a:lstStyle/>
+                    <a:p>
+                      <a:pPr>
+                        <a:defRPr sz="1050"/>
+                      </a:pPr>
+                      <a:r>
+                        <a:t>+..</a:t>
+                      </a:r>
+                    </a:p>
+                  </a:txBody>
+                  <a:tcPr/>
+                </a:tc>
+                <a:tc>
+                  <a:txBody>
+                    <a:bodyPr/>
+                    <a:lstStyle/>
+                    <a:p>
+                      <a:pPr>
+                        <a:defRPr sz="1050"/>
+                      </a:pPr>
+                      <a:r>
+                        <a:t>Not Clinically Relevant</a:t>
+                      </a:r>
+                    </a:p>
+                  </a:txBody>
+                  <a:tcPr/>
+                </a:tc>
+              </a:tr>
+              <a:tr h="195942">
+                <a:tc>
+                  <a:txBody>
+                    <a:bodyPr/>
+                    <a:lstStyle/>
+                    <a:p>
+                      <a:pPr>
+                        <a:defRPr sz="1050"/>
+                      </a:pPr>
+                      <a:r>
+                        <a:t>axitinib</a:t>
+                      </a:r>
+                    </a:p>
+                  </a:txBody>
+                  <a:tcPr/>
+                </a:tc>
+                <a:tc>
+                  <a:txBody>
+                    <a:bodyPr/>
+                    <a:lstStyle/>
+                    <a:p>
+                      <a:pPr>
+                        <a:defRPr sz="1050"/>
+                      </a:pPr>
+                      <a:r>
+                        <a:t>0.47</a:t>
+                      </a:r>
+                    </a:p>
+                  </a:txBody>
+                  <a:tcPr/>
+                </a:tc>
+                <a:tc>
+                  <a:txBody>
+                    <a:bodyPr/>
+                    <a:lstStyle/>
+                    <a:p>
+                      <a:pPr>
+                        <a:defRPr sz="1050"/>
+                      </a:pPr>
+                      <a:r>
+                        <a:t>++.</a:t>
+                      </a:r>
+                    </a:p>
+                  </a:txBody>
+                  <a:tcPr/>
+                </a:tc>
+                <a:tc>
+                  <a:txBody>
+                    <a:bodyPr/>
+                    <a:lstStyle/>
+                    <a:p>
+                      <a:pPr>
+                        <a:defRPr sz="1050"/>
+                      </a:pPr>
+                      <a:r>
+                        <a:t>VEGFR, c-KIT and PDGFR inhibitor</a:t>
+                      </a:r>
+                    </a:p>
+                  </a:txBody>
+                  <a:tcPr/>
+                </a:tc>
+              </a:tr>
+              <a:tr h="195942">
+                <a:tc>
+                  <a:txBody>
+                    <a:bodyPr/>
+                    <a:lstStyle/>
+                    <a:p>
+                      <a:pPr>
+                        <a:defRPr sz="1050"/>
+                      </a:pPr>
+                      <a:r>
+                        <a:t>gsk319347a</a:t>
+                      </a:r>
+                    </a:p>
+                  </a:txBody>
+                  <a:tcPr/>
+                </a:tc>
+                <a:tc>
+                  <a:txBody>
+                    <a:bodyPr/>
+                    <a:lstStyle/>
+                    <a:p>
+                      <a:pPr>
+                        <a:defRPr sz="1050"/>
+                      </a:pPr>
+                      <a:r>
+                        <a:t>0.47</a:t>
+                      </a:r>
+                    </a:p>
+                  </a:txBody>
+                  <a:tcPr/>
+                </a:tc>
+                <a:tc>
+                  <a:txBody>
+                    <a:bodyPr/>
+                    <a:lstStyle/>
+                    <a:p>
+                      <a:pPr>
+                        <a:defRPr sz="1050"/>
+                      </a:pPr>
+                      <a:r>
+                        <a:t>+..</a:t>
+                      </a:r>
+                    </a:p>
+                  </a:txBody>
+                  <a:tcPr/>
+                </a:tc>
+                <a:tc>
+                  <a:txBody>
+                    <a:bodyPr/>
+                    <a:lstStyle/>
+                    <a:p>
+                      <a:pPr>
+                        <a:defRPr sz="1050"/>
+                      </a:pPr>
+                      <a:r>
+                        <a:t>Not Clinically Relevant</a:t>
+                      </a:r>
+                    </a:p>
+                  </a:txBody>
+                  <a:tcPr/>
+                </a:tc>
+              </a:tr>
+              <a:tr h="195942">
+                <a:tc>
+                  <a:txBody>
+                    <a:bodyPr/>
+                    <a:lstStyle/>
+                    <a:p>
+                      <a:pPr>
+                        <a:defRPr sz="1050"/>
+                      </a:pPr>
+                      <a:r>
+                        <a:t>hg-5-88-01</a:t>
+                      </a:r>
+                    </a:p>
+                  </a:txBody>
+                  <a:tcPr/>
+                </a:tc>
+                <a:tc>
+                  <a:txBody>
+                    <a:bodyPr/>
+                    <a:lstStyle/>
+                    <a:p>
+                      <a:pPr>
+                        <a:defRPr sz="1050"/>
+                      </a:pPr>
+                      <a:r>
+                        <a:t>0.47</a:t>
+                      </a:r>
+                    </a:p>
+                  </a:txBody>
+                  <a:tcPr/>
+                </a:tc>
+                <a:tc>
+                  <a:txBody>
+                    <a:bodyPr/>
+                    <a:lstStyle/>
+                    <a:p>
+                      <a:pPr>
+                        <a:defRPr sz="1050"/>
+                      </a:pPr>
+                      <a:r>
+                        <a:t>+..</a:t>
+                      </a:r>
+                    </a:p>
+                  </a:txBody>
+                  <a:tcPr/>
+                </a:tc>
+                <a:tc>
+                  <a:txBody>
+                    <a:bodyPr/>
+                    <a:lstStyle/>
+                    <a:p>
+                      <a:pPr>
+                        <a:defRPr sz="1050"/>
+                      </a:pPr>
+                      <a:r>
+                        <a:t>Not Clinically Relevant</a:t>
+                      </a:r>
+                    </a:p>
+                  </a:txBody>
+                  <a:tcPr/>
+                </a:tc>
+              </a:tr>
+              <a:tr h="195942">
+                <a:tc>
+                  <a:txBody>
+                    <a:bodyPr/>
+                    <a:lstStyle/>
+                    <a:p>
+                      <a:pPr>
+                        <a:defRPr sz="1050"/>
+                      </a:pPr>
+                      <a:r>
+                        <a:t>xmd13-2</a:t>
+                      </a:r>
+                    </a:p>
+                  </a:txBody>
+                  <a:tcPr/>
+                </a:tc>
+                <a:tc>
+                  <a:txBody>
+                    <a:bodyPr/>
+                    <a:lstStyle/>
+                    <a:p>
+                      <a:pPr>
+                        <a:defRPr sz="1050"/>
+                      </a:pPr>
+                      <a:r>
+                        <a:t>0.46</a:t>
+                      </a:r>
+                    </a:p>
+                  </a:txBody>
+                  <a:tcPr/>
+                </a:tc>
+                <a:tc>
+                  <a:txBody>
+                    <a:bodyPr/>
+                    <a:lstStyle/>
+                    <a:p>
+                      <a:pPr>
+                        <a:defRPr sz="1050"/>
+                      </a:pPr>
+                      <a:r>
+                        <a:t>+..</a:t>
+                      </a:r>
+                    </a:p>
+                  </a:txBody>
+                  <a:tcPr/>
+                </a:tc>
+                <a:tc>
+                  <a:txBody>
+                    <a:bodyPr/>
+                    <a:lstStyle/>
+                    <a:p>
+                      <a:pPr>
+                        <a:defRPr sz="1050"/>
+                      </a:pPr>
+                      <a:r>
+                        <a:t>Not Clinically Relevant</a:t>
+                      </a:r>
+                    </a:p>
+                  </a:txBody>
+                  <a:tcPr/>
+                </a:tc>
+              </a:tr>
+              <a:tr h="195960">
+                <a:tc>
+                  <a:txBody>
+                    <a:bodyPr/>
+                    <a:lstStyle/>
+                    <a:p>
+                      <a:pPr>
+                        <a:defRPr sz="1050"/>
+                      </a:pPr>
+                      <a:r>
+                        <a:t>cil55</a:t>
+                      </a:r>
+                    </a:p>
+                  </a:txBody>
+                  <a:tcPr/>
+                </a:tc>
+                <a:tc>
+                  <a:txBody>
+                    <a:bodyPr/>
+                    <a:lstStyle/>
+                    <a:p>
+                      <a:pPr>
+                        <a:defRPr sz="1050"/>
+                      </a:pPr>
+                      <a:r>
+                        <a:t>0.45</a:t>
+                      </a:r>
+                    </a:p>
+                  </a:txBody>
+                  <a:tcPr/>
+                </a:tc>
+                <a:tc>
+                  <a:txBody>
+                    <a:bodyPr/>
+                    <a:lstStyle/>
+                    <a:p>
+                      <a:pPr>
+                        <a:defRPr sz="1050"/>
+                      </a:pPr>
+                      <a:r>
+                        <a:t>.+.</a:t>
+                      </a:r>
+                    </a:p>
+                  </a:txBody>
+                  <a:tcPr/>
+                </a:tc>
+                <a:tc>
+                  <a:txBody>
+                    <a:bodyPr/>
+                    <a:lstStyle/>
+                    <a:p>
+                      <a:pPr>
+                        <a:defRPr sz="1050"/>
+                      </a:pPr>
+                      <a:r>
+                        <a:t>Not Clinically Relevant</a:t>
+                      </a:r>
+                    </a:p>
+                  </a:txBody>
+                  <a:tcPr/>
+                </a:tc>
+              </a:tr>
+            </a:tbl>
+          </a:graphicData>
+        </a:graphic>
+      </p:graphicFrame>
+    </p:spTree>
+  </p:cSld>
+  <p:clrMapOvr>
+    <a:masterClrMapping/>
+  </p:clrMapOvr>
+</p:sld>
+</file>
+
 <file path=ppt/theme/theme1.xml><?xml version="1.0" encoding="utf-8"?>
 <a:theme xmlns:a="http://schemas.openxmlformats.org/drawingml/2006/main" name="Office Theme">
   <a:themeElements>
